--- a/Topics/Slides/ClassCommunity2DiversityInclusion.pptx
+++ b/Topics/Slides/ClassCommunity2DiversityInclusion.pptx
@@ -5,10 +5,10 @@
     <p:sldMasterId id="2147483648" r:id="rId1"/>
   </p:sldMasterIdLst>
   <p:notesMasterIdLst>
-    <p:notesMasterId r:id="rId24"/>
+    <p:notesMasterId r:id="rId27"/>
   </p:notesMasterIdLst>
   <p:handoutMasterIdLst>
-    <p:handoutMasterId r:id="rId25"/>
+    <p:handoutMasterId r:id="rId28"/>
   </p:handoutMasterIdLst>
   <p:sldIdLst>
     <p:sldId id="258" r:id="rId2"/>
@@ -18,21 +18,24 @@
     <p:sldId id="410" r:id="rId6"/>
     <p:sldId id="411" r:id="rId7"/>
     <p:sldId id="396" r:id="rId8"/>
-    <p:sldId id="393" r:id="rId9"/>
-    <p:sldId id="394" r:id="rId10"/>
-    <p:sldId id="412" r:id="rId11"/>
-    <p:sldId id="408" r:id="rId12"/>
-    <p:sldId id="398" r:id="rId13"/>
-    <p:sldId id="395" r:id="rId14"/>
-    <p:sldId id="375" r:id="rId15"/>
-    <p:sldId id="399" r:id="rId16"/>
-    <p:sldId id="400" r:id="rId17"/>
-    <p:sldId id="401" r:id="rId18"/>
-    <p:sldId id="402" r:id="rId19"/>
-    <p:sldId id="403" r:id="rId20"/>
-    <p:sldId id="404" r:id="rId21"/>
-    <p:sldId id="405" r:id="rId22"/>
-    <p:sldId id="407" r:id="rId23"/>
+    <p:sldId id="412" r:id="rId9"/>
+    <p:sldId id="393" r:id="rId10"/>
+    <p:sldId id="419" r:id="rId11"/>
+    <p:sldId id="394" r:id="rId12"/>
+    <p:sldId id="407" r:id="rId13"/>
+    <p:sldId id="408" r:id="rId14"/>
+    <p:sldId id="420" r:id="rId15"/>
+    <p:sldId id="398" r:id="rId16"/>
+    <p:sldId id="395" r:id="rId17"/>
+    <p:sldId id="375" r:id="rId18"/>
+    <p:sldId id="399" r:id="rId19"/>
+    <p:sldId id="400" r:id="rId20"/>
+    <p:sldId id="401" r:id="rId21"/>
+    <p:sldId id="415" r:id="rId22"/>
+    <p:sldId id="402" r:id="rId23"/>
+    <p:sldId id="403" r:id="rId24"/>
+    <p:sldId id="404" r:id="rId25"/>
+    <p:sldId id="405" r:id="rId26"/>
   </p:sldIdLst>
   <p:sldSz cx="9144000" cy="6858000" type="screen4x3"/>
   <p:notesSz cx="6858000" cy="9144000"/>
@@ -246,7 +249,7 @@
           <a:p>
             <a:fld id="{C24322AF-E05B-7249-906C-FBAC6154C037}" type="datetimeFigureOut">
               <a:rPr lang="en-US" smtClean="0"/>
-              <a:t>1/24/21</a:t>
+              <a:t>6/20/25</a:t>
             </a:fld>
             <a:endParaRPr lang="en-US"/>
           </a:p>
@@ -412,7 +415,7 @@
             <a:fld id="{06A43BE5-3BD4-F642-8751-88A31D8D6D13}" type="datetimeFigureOut">
               <a:rPr lang="en-US" smtClean="0"/>
               <a:pPr/>
-              <a:t>1/24/21</a:t>
+              <a:t>6/20/25</a:t>
             </a:fld>
             <a:endParaRPr lang="en-US"/>
           </a:p>
@@ -775,6 +778,91 @@
 </p:notes>
 </file>
 
+<file path=ppt/notesSlides/notesSlide2.xml><?xml version="1.0" encoding="utf-8"?>
+<p:notes xmlns:a="http://schemas.openxmlformats.org/drawingml/2006/main" xmlns:r="http://schemas.openxmlformats.org/officeDocument/2006/relationships" xmlns:p="http://schemas.openxmlformats.org/presentationml/2006/main">
+  <p:cSld>
+    <p:spTree>
+      <p:nvGrpSpPr>
+        <p:cNvPr id="1" name=""/>
+        <p:cNvGrpSpPr/>
+        <p:nvPr/>
+      </p:nvGrpSpPr>
+      <p:grpSpPr>
+        <a:xfrm>
+          <a:off x="0" y="0"/>
+          <a:ext cx="0" cy="0"/>
+          <a:chOff x="0" y="0"/>
+          <a:chExt cx="0" cy="0"/>
+        </a:xfrm>
+      </p:grpSpPr>
+      <p:sp>
+        <p:nvSpPr>
+          <p:cNvPr id="2" name="Slide Image Placeholder 1"/>
+          <p:cNvSpPr>
+            <a:spLocks noGrp="1" noRot="1" noChangeAspect="1"/>
+          </p:cNvSpPr>
+          <p:nvPr>
+            <p:ph type="sldImg"/>
+          </p:nvPr>
+        </p:nvSpPr>
+        <p:spPr/>
+      </p:sp>
+      <p:sp>
+        <p:nvSpPr>
+          <p:cNvPr id="3" name="Notes Placeholder 2"/>
+          <p:cNvSpPr>
+            <a:spLocks noGrp="1"/>
+          </p:cNvSpPr>
+          <p:nvPr>
+            <p:ph type="body" idx="1"/>
+          </p:nvPr>
+        </p:nvSpPr>
+        <p:spPr/>
+        <p:txBody>
+          <a:bodyPr/>
+          <a:lstStyle/>
+          <a:p>
+            <a:endParaRPr lang="en-US"/>
+          </a:p>
+        </p:txBody>
+      </p:sp>
+      <p:sp>
+        <p:nvSpPr>
+          <p:cNvPr id="4" name="Slide Number Placeholder 3"/>
+          <p:cNvSpPr>
+            <a:spLocks noGrp="1"/>
+          </p:cNvSpPr>
+          <p:nvPr>
+            <p:ph type="sldNum" sz="quarter" idx="10"/>
+          </p:nvPr>
+        </p:nvSpPr>
+        <p:spPr/>
+        <p:txBody>
+          <a:bodyPr/>
+          <a:lstStyle/>
+          <a:p>
+            <a:fld id="{63613D5C-1A2E-504E-91F4-50C2CE3AAE22}" type="slidenum">
+              <a:rPr lang="en-US" smtClean="0"/>
+              <a:pPr/>
+              <a:t>14</a:t>
+            </a:fld>
+            <a:endParaRPr lang="en-US"/>
+          </a:p>
+        </p:txBody>
+      </p:sp>
+    </p:spTree>
+    <p:extLst>
+      <p:ext uri="{BB962C8B-B14F-4D97-AF65-F5344CB8AC3E}">
+        <p14:creationId xmlns:p14="http://schemas.microsoft.com/office/powerpoint/2010/main" val="3774125851"/>
+      </p:ext>
+    </p:extLst>
+  </p:cSld>
+  <p:clrMapOvr>
+    <a:masterClrMapping/>
+  </p:clrMapOvr>
+</p:notes>
+</file>
+
 <file path=ppt/slideLayouts/slideLayout1.xml><?xml version="1.0" encoding="utf-8"?>
 <p:sldLayout xmlns:a="http://schemas.openxmlformats.org/drawingml/2006/main" xmlns:r="http://schemas.openxmlformats.org/officeDocument/2006/relationships" xmlns:p="http://schemas.openxmlformats.org/presentationml/2006/main" type="title" preserve="1">
   <p:cSld name="Title Slide">
@@ -955,7 +1043,7 @@
             <a:fld id="{A4FA2B0E-4818-9849-9CF1-1031FD4E1DAB}" type="datetimeFigureOut">
               <a:rPr lang="en-US" smtClean="0"/>
               <a:pPr/>
-              <a:t>1/24/21</a:t>
+              <a:t>6/20/25</a:t>
             </a:fld>
             <a:endParaRPr lang="en-US"/>
           </a:p>
@@ -1120,7 +1208,7 @@
             <a:fld id="{A4FA2B0E-4818-9849-9CF1-1031FD4E1DAB}" type="datetimeFigureOut">
               <a:rPr lang="en-US" smtClean="0"/>
               <a:pPr/>
-              <a:t>1/24/21</a:t>
+              <a:t>6/20/25</a:t>
             </a:fld>
             <a:endParaRPr lang="en-US"/>
           </a:p>
@@ -1295,7 +1383,7 @@
             <a:fld id="{A4FA2B0E-4818-9849-9CF1-1031FD4E1DAB}" type="datetimeFigureOut">
               <a:rPr lang="en-US" smtClean="0"/>
               <a:pPr/>
-              <a:t>1/24/21</a:t>
+              <a:t>6/20/25</a:t>
             </a:fld>
             <a:endParaRPr lang="en-US"/>
           </a:p>
@@ -1460,7 +1548,7 @@
             <a:fld id="{A4FA2B0E-4818-9849-9CF1-1031FD4E1DAB}" type="datetimeFigureOut">
               <a:rPr lang="en-US" smtClean="0"/>
               <a:pPr/>
-              <a:t>1/24/21</a:t>
+              <a:t>6/20/25</a:t>
             </a:fld>
             <a:endParaRPr lang="en-US"/>
           </a:p>
@@ -1702,7 +1790,7 @@
             <a:fld id="{A4FA2B0E-4818-9849-9CF1-1031FD4E1DAB}" type="datetimeFigureOut">
               <a:rPr lang="en-US" smtClean="0"/>
               <a:pPr/>
-              <a:t>1/24/21</a:t>
+              <a:t>6/20/25</a:t>
             </a:fld>
             <a:endParaRPr lang="en-US"/>
           </a:p>
@@ -1984,7 +2072,7 @@
             <a:fld id="{A4FA2B0E-4818-9849-9CF1-1031FD4E1DAB}" type="datetimeFigureOut">
               <a:rPr lang="en-US" smtClean="0"/>
               <a:pPr/>
-              <a:t>1/24/21</a:t>
+              <a:t>6/20/25</a:t>
             </a:fld>
             <a:endParaRPr lang="en-US"/>
           </a:p>
@@ -2400,7 +2488,7 @@
             <a:fld id="{A4FA2B0E-4818-9849-9CF1-1031FD4E1DAB}" type="datetimeFigureOut">
               <a:rPr lang="en-US" smtClean="0"/>
               <a:pPr/>
-              <a:t>1/24/21</a:t>
+              <a:t>6/20/25</a:t>
             </a:fld>
             <a:endParaRPr lang="en-US"/>
           </a:p>
@@ -2514,7 +2602,7 @@
             <a:fld id="{A4FA2B0E-4818-9849-9CF1-1031FD4E1DAB}" type="datetimeFigureOut">
               <a:rPr lang="en-US" smtClean="0"/>
               <a:pPr/>
-              <a:t>1/24/21</a:t>
+              <a:t>6/20/25</a:t>
             </a:fld>
             <a:endParaRPr lang="en-US"/>
           </a:p>
@@ -2606,7 +2694,7 @@
             <a:fld id="{A4FA2B0E-4818-9849-9CF1-1031FD4E1DAB}" type="datetimeFigureOut">
               <a:rPr lang="en-US" smtClean="0"/>
               <a:pPr/>
-              <a:t>1/24/21</a:t>
+              <a:t>6/20/25</a:t>
             </a:fld>
             <a:endParaRPr lang="en-US"/>
           </a:p>
@@ -2878,7 +2966,7 @@
             <a:fld id="{A4FA2B0E-4818-9849-9CF1-1031FD4E1DAB}" type="datetimeFigureOut">
               <a:rPr lang="en-US" smtClean="0"/>
               <a:pPr/>
-              <a:t>1/24/21</a:t>
+              <a:t>6/20/25</a:t>
             </a:fld>
             <a:endParaRPr lang="en-US"/>
           </a:p>
@@ -3127,7 +3215,7 @@
             <a:fld id="{A4FA2B0E-4818-9849-9CF1-1031FD4E1DAB}" type="datetimeFigureOut">
               <a:rPr lang="en-US" smtClean="0"/>
               <a:pPr/>
-              <a:t>1/24/21</a:t>
+              <a:t>6/20/25</a:t>
             </a:fld>
             <a:endParaRPr lang="en-US"/>
           </a:p>
@@ -3335,7 +3423,7 @@
             <a:fld id="{A4FA2B0E-4818-9849-9CF1-1031FD4E1DAB}" type="datetimeFigureOut">
               <a:rPr lang="en-US" smtClean="0"/>
               <a:pPr/>
-              <a:t>1/24/21</a:t>
+              <a:t>6/20/25</a:t>
             </a:fld>
             <a:endParaRPr lang="en-US"/>
           </a:p>
@@ -3897,169 +3985,105 @@
           </a:p>
         </p:txBody>
       </p:sp>
-      <p:sp>
-        <p:nvSpPr>
-          <p:cNvPr id="6" name="TextBox 5">
+      <p:pic>
+        <p:nvPicPr>
+          <p:cNvPr id="2" name="Picture 1">
             <a:extLst>
               <a:ext uri="{FF2B5EF4-FFF2-40B4-BE49-F238E27FC236}">
-                <a16:creationId xmlns:a16="http://schemas.microsoft.com/office/drawing/2014/main" id="{80A24032-1FF5-2340-BF4F-86A5459B8F08}"/>
+                <a16:creationId xmlns:a16="http://schemas.microsoft.com/office/drawing/2014/main" id="{47E96E1D-9A01-BC74-A341-9815943511B8}"/>
               </a:ext>
             </a:extLst>
           </p:cNvPr>
-          <p:cNvSpPr txBox="1"/>
-          <p:nvPr/>
-        </p:nvSpPr>
-        <p:spPr>
-          <a:xfrm>
-            <a:off x="182880" y="5083761"/>
-            <a:ext cx="8961119" cy="1692771"/>
-          </a:xfrm>
-          <a:prstGeom prst="rect">
-            <a:avLst/>
-          </a:prstGeom>
-          <a:noFill/>
-        </p:spPr>
-        <p:txBody>
-          <a:bodyPr wrap="square" rtlCol="0">
-            <a:spAutoFit/>
-          </a:bodyPr>
-          <a:lstStyle/>
-          <a:p>
-            <a:pPr marL="342900" indent="-342900">
-              <a:buFont typeface="Arial" panose="020B0604020202020204" pitchFamily="34" charset="0"/>
-              <a:buChar char="•"/>
-            </a:pPr>
-            <a:r>
-              <a:rPr lang="en-US" sz="2400" dirty="0">
-                <a:latin typeface="Times New Roman" panose="02020603050405020304" pitchFamily="18" charset="0"/>
-                <a:ea typeface="MS Mincho" panose="02020609040205080304" pitchFamily="49" charset="-128"/>
-                <a:cs typeface="Times New Roman" panose="02020603050405020304" pitchFamily="18" charset="0"/>
-              </a:rPr>
-              <a:t>Peer-reviewed research: “</a:t>
-            </a:r>
-            <a:r>
-              <a:rPr lang="en-US" sz="2400" i="1" dirty="0">
-                <a:latin typeface="Times New Roman" panose="02020603050405020304" pitchFamily="18" charset="0"/>
-                <a:ea typeface="MS Mincho" panose="02020609040205080304" pitchFamily="49" charset="-128"/>
-                <a:cs typeface="Times New Roman" panose="02020603050405020304" pitchFamily="18" charset="0"/>
-              </a:rPr>
-              <a:t>Sexual harassment reported by undergrad. female physicists</a:t>
-            </a:r>
-            <a:r>
-              <a:rPr lang="en-US" sz="2400" dirty="0">
-                <a:latin typeface="Times New Roman" panose="02020603050405020304" pitchFamily="18" charset="0"/>
-                <a:ea typeface="MS Mincho" panose="02020609040205080304" pitchFamily="49" charset="-128"/>
-                <a:cs typeface="Times New Roman" panose="02020603050405020304" pitchFamily="18" charset="0"/>
-              </a:rPr>
-              <a:t>” </a:t>
-            </a:r>
-            <a:r>
-              <a:rPr lang="en-US" sz="2200" dirty="0">
-                <a:latin typeface="Times New Roman" panose="02020603050405020304" pitchFamily="18" charset="0"/>
-                <a:ea typeface="MS Mincho" panose="02020609040205080304" pitchFamily="49" charset="-128"/>
-                <a:cs typeface="Times New Roman" panose="02020603050405020304" pitchFamily="18" charset="0"/>
-              </a:rPr>
-              <a:t>(</a:t>
-            </a:r>
-            <a:r>
-              <a:rPr lang="en-US" sz="2200" dirty="0" err="1">
-                <a:latin typeface="Times New Roman" panose="02020603050405020304" pitchFamily="18" charset="0"/>
-                <a:ea typeface="MS Mincho" panose="02020609040205080304" pitchFamily="49" charset="-128"/>
-                <a:cs typeface="Times New Roman" panose="02020603050405020304" pitchFamily="18" charset="0"/>
-              </a:rPr>
-              <a:t>Aycock</a:t>
-            </a:r>
-            <a:r>
-              <a:rPr lang="en-US" sz="2200" dirty="0">
-                <a:latin typeface="Times New Roman" panose="02020603050405020304" pitchFamily="18" charset="0"/>
-                <a:ea typeface="MS Mincho" panose="02020609040205080304" pitchFamily="49" charset="-128"/>
-                <a:cs typeface="Times New Roman" panose="02020603050405020304" pitchFamily="18" charset="0"/>
-              </a:rPr>
-              <a:t> et al. 2019, Phys. Rev. PER, </a:t>
-            </a:r>
-            <a:r>
-              <a:rPr lang="en-US" sz="2200" b="1" dirty="0">
-                <a:latin typeface="Times New Roman" panose="02020603050405020304" pitchFamily="18" charset="0"/>
-                <a:ea typeface="MS Mincho" panose="02020609040205080304" pitchFamily="49" charset="-128"/>
-                <a:cs typeface="Times New Roman" panose="02020603050405020304" pitchFamily="18" charset="0"/>
-              </a:rPr>
-              <a:t>15</a:t>
-            </a:r>
-            <a:r>
-              <a:rPr lang="en-US" sz="2200" dirty="0">
-                <a:latin typeface="Times New Roman" panose="02020603050405020304" pitchFamily="18" charset="0"/>
-                <a:ea typeface="MS Mincho" panose="02020609040205080304" pitchFamily="49" charset="-128"/>
-                <a:cs typeface="Times New Roman" panose="02020603050405020304" pitchFamily="18" charset="0"/>
-              </a:rPr>
-              <a:t>, 010121)</a:t>
-            </a:r>
-          </a:p>
-          <a:p>
-            <a:pPr marL="342900" indent="-342900">
-              <a:buFont typeface="Arial" panose="020B0604020202020204" pitchFamily="34" charset="0"/>
-              <a:buChar char="•"/>
-            </a:pPr>
-            <a:endParaRPr lang="en-US" sz="800" dirty="0">
-              <a:latin typeface="Times New Roman" panose="02020603050405020304" pitchFamily="18" charset="0"/>
-              <a:ea typeface="MS Mincho" panose="02020609040205080304" pitchFamily="49" charset="-128"/>
-              <a:cs typeface="Times New Roman" panose="02020603050405020304" pitchFamily="18" charset="0"/>
-            </a:endParaRPr>
-          </a:p>
-          <a:p>
-            <a:pPr marL="342900" indent="-342900">
-              <a:buFont typeface="Arial" panose="020B0604020202020204" pitchFamily="34" charset="0"/>
-              <a:buChar char="•"/>
-            </a:pPr>
-            <a:r>
-              <a:rPr lang="en-US" sz="2400" dirty="0">
-                <a:latin typeface="Times New Roman" panose="02020603050405020304" pitchFamily="18" charset="0"/>
-                <a:ea typeface="MS Mincho" panose="02020609040205080304" pitchFamily="49" charset="-128"/>
-                <a:cs typeface="Times New Roman" panose="02020603050405020304" pitchFamily="18" charset="0"/>
-              </a:rPr>
-              <a:t>Results from </a:t>
-            </a:r>
-            <a:r>
-              <a:rPr lang="en-US" sz="2400" dirty="0" err="1">
-                <a:latin typeface="Times New Roman" panose="02020603050405020304" pitchFamily="18" charset="0"/>
-                <a:ea typeface="MS Mincho" panose="02020609040205080304" pitchFamily="49" charset="-128"/>
-                <a:cs typeface="Times New Roman" panose="02020603050405020304" pitchFamily="18" charset="0"/>
-              </a:rPr>
-              <a:t>CUWiP</a:t>
-            </a:r>
-            <a:r>
-              <a:rPr lang="en-US" sz="2400" dirty="0">
-                <a:latin typeface="Times New Roman" panose="02020603050405020304" pitchFamily="18" charset="0"/>
-                <a:ea typeface="MS Mincho" panose="02020609040205080304" pitchFamily="49" charset="-128"/>
-                <a:cs typeface="Times New Roman" panose="02020603050405020304" pitchFamily="18" charset="0"/>
-              </a:rPr>
-              <a:t>: 74% (338/455) of women experienced harassment</a:t>
-            </a:r>
-            <a:endParaRPr lang="en-US" sz="2200" dirty="0">
-              <a:latin typeface="Times New Roman" panose="02020603050405020304" pitchFamily="18" charset="0"/>
-              <a:ea typeface="MS Mincho" panose="02020609040205080304" pitchFamily="49" charset="-128"/>
-              <a:cs typeface="Times New Roman" panose="02020603050405020304" pitchFamily="18" charset="0"/>
-            </a:endParaRPr>
-          </a:p>
-        </p:txBody>
-      </p:sp>
-      <p:pic>
-        <p:nvPicPr>
-          <p:cNvPr id="2" name="Picture 1"/>
           <p:cNvPicPr>
             <a:picLocks noChangeAspect="1"/>
           </p:cNvPicPr>
           <p:nvPr/>
         </p:nvPicPr>
-        <p:blipFill>
-          <a:blip r:embed="rId2"/>
-          <a:stretch>
-            <a:fillRect/>
-          </a:stretch>
+        <p:blipFill rotWithShape="1">
+          <a:blip r:embed="rId2" cstate="screen">
+            <a:extLst>
+              <a:ext uri="{28A0092B-C50C-407E-A947-70E740481C1C}">
+                <a14:useLocalDpi xmlns:a14="http://schemas.microsoft.com/office/drawing/2010/main"/>
+              </a:ext>
+            </a:extLst>
+          </a:blip>
+          <a:srcRect/>
+          <a:stretch/>
         </p:blipFill>
         <p:spPr>
           <a:xfrm>
-            <a:off x="903643" y="745700"/>
-            <a:ext cx="6696818" cy="4338061"/>
+            <a:off x="2196315" y="745700"/>
+            <a:ext cx="4758755" cy="3199082"/>
+          </a:xfrm>
+          <a:prstGeom prst="rect">
+            <a:avLst/>
+          </a:prstGeom>
+        </p:spPr>
+      </p:pic>
+      <p:pic>
+        <p:nvPicPr>
+          <p:cNvPr id="3" name="Picture 2">
+            <a:extLst>
+              <a:ext uri="{FF2B5EF4-FFF2-40B4-BE49-F238E27FC236}">
+                <a16:creationId xmlns:a16="http://schemas.microsoft.com/office/drawing/2014/main" id="{E6407D78-1AC8-C79C-6824-7E7BE6AB87CC}"/>
+              </a:ext>
+            </a:extLst>
+          </p:cNvPr>
+          <p:cNvPicPr>
+            <a:picLocks noChangeAspect="1"/>
+          </p:cNvPicPr>
+          <p:nvPr/>
+        </p:nvPicPr>
+        <p:blipFill rotWithShape="1">
+          <a:blip r:embed="rId3" cstate="screen">
+            <a:extLst>
+              <a:ext uri="{28A0092B-C50C-407E-A947-70E740481C1C}">
+                <a14:useLocalDpi xmlns:a14="http://schemas.microsoft.com/office/drawing/2010/main"/>
+              </a:ext>
+            </a:extLst>
+          </a:blip>
+          <a:srcRect/>
+          <a:stretch/>
+        </p:blipFill>
+        <p:spPr>
+          <a:xfrm>
+            <a:off x="168357" y="3802564"/>
+            <a:ext cx="3648892" cy="3014044"/>
+          </a:xfrm>
+          <a:prstGeom prst="rect">
+            <a:avLst/>
+          </a:prstGeom>
+        </p:spPr>
+      </p:pic>
+      <p:pic>
+        <p:nvPicPr>
+          <p:cNvPr id="5" name="Picture 4">
+            <a:extLst>
+              <a:ext uri="{FF2B5EF4-FFF2-40B4-BE49-F238E27FC236}">
+                <a16:creationId xmlns:a16="http://schemas.microsoft.com/office/drawing/2014/main" id="{2CFB4573-24FA-979F-33EC-77F410EF7C12}"/>
+              </a:ext>
+            </a:extLst>
+          </p:cNvPr>
+          <p:cNvPicPr>
+            <a:picLocks noChangeAspect="1"/>
+          </p:cNvPicPr>
+          <p:nvPr/>
+        </p:nvPicPr>
+        <p:blipFill rotWithShape="1">
+          <a:blip r:embed="rId4" cstate="screen">
+            <a:extLst>
+              <a:ext uri="{28A0092B-C50C-407E-A947-70E740481C1C}">
+                <a14:useLocalDpi xmlns:a14="http://schemas.microsoft.com/office/drawing/2010/main"/>
+              </a:ext>
+            </a:extLst>
+          </a:blip>
+          <a:srcRect/>
+          <a:stretch/>
+        </p:blipFill>
+        <p:spPr>
+          <a:xfrm>
+            <a:off x="5326752" y="3802563"/>
+            <a:ext cx="3678612" cy="3014045"/>
           </a:xfrm>
           <a:prstGeom prst="rect">
             <a:avLst/>
@@ -4069,7 +4093,7 @@
     </p:spTree>
     <p:extLst>
       <p:ext uri="{BB962C8B-B14F-4D97-AF65-F5344CB8AC3E}">
-        <p14:creationId xmlns:p14="http://schemas.microsoft.com/office/powerpoint/2010/main" val="3159042272"/>
+        <p14:creationId xmlns:p14="http://schemas.microsoft.com/office/powerpoint/2010/main" val="2761223033"/>
       </p:ext>
     </p:extLst>
   </p:cSld>
@@ -4140,6 +4164,651 @@
       </p:sp>
       <p:pic>
         <p:nvPicPr>
+          <p:cNvPr id="5" name="Picture 3">
+            <a:extLst>
+              <a:ext uri="{FF2B5EF4-FFF2-40B4-BE49-F238E27FC236}">
+                <a16:creationId xmlns:a16="http://schemas.microsoft.com/office/drawing/2014/main" id="{68A13E75-ADF9-DC4B-98ED-99BE2F5AAAEF}"/>
+              </a:ext>
+            </a:extLst>
+          </p:cNvPr>
+          <p:cNvPicPr>
+            <a:picLocks noChangeAspect="1" noChangeArrowheads="1"/>
+          </p:cNvPicPr>
+          <p:nvPr/>
+        </p:nvPicPr>
+        <p:blipFill rotWithShape="1">
+          <a:blip r:embed="rId2">
+            <a:extLst>
+              <a:ext uri="{28A0092B-C50C-407E-A947-70E740481C1C}">
+                <a14:useLocalDpi xmlns:a14="http://schemas.microsoft.com/office/drawing/2010/main" val="0"/>
+              </a:ext>
+            </a:extLst>
+          </a:blip>
+          <a:srcRect b="25154"/>
+          <a:stretch/>
+        </p:blipFill>
+        <p:spPr bwMode="auto">
+          <a:xfrm>
+            <a:off x="216174" y="4032601"/>
+            <a:ext cx="4300538" cy="2560523"/>
+          </a:xfrm>
+          <a:prstGeom prst="rect">
+            <a:avLst/>
+          </a:prstGeom>
+          <a:noFill/>
+          <a:ln>
+            <a:noFill/>
+          </a:ln>
+          <a:effectLst/>
+          <a:extLst>
+            <a:ext uri="{909E8E84-426E-40DD-AFC4-6F175D3DCCD1}">
+              <a14:hiddenFill xmlns:a14="http://schemas.microsoft.com/office/drawing/2010/main">
+                <a:blipFill dpi="0" rotWithShape="0">
+                  <a:blip/>
+                  <a:srcRect/>
+                  <a:stretch>
+                    <a:fillRect/>
+                  </a:stretch>
+                </a:blipFill>
+              </a14:hiddenFill>
+            </a:ext>
+            <a:ext uri="{91240B29-F687-4F45-9708-019B960494DF}">
+              <a14:hiddenLine xmlns:a14="http://schemas.microsoft.com/office/drawing/2010/main" w="9525" cap="flat">
+                <a:solidFill>
+                  <a:srgbClr val="808080"/>
+                </a:solidFill>
+                <a:round/>
+                <a:headEnd/>
+                <a:tailEnd/>
+              </a14:hiddenLine>
+            </a:ext>
+            <a:ext uri="{AF507438-7753-43E0-B8FC-AC1667EBCBE1}">
+              <a14:hiddenEffects xmlns:a14="http://schemas.microsoft.com/office/drawing/2010/main">
+                <a:effectLst>
+                  <a:outerShdw blurRad="63500" dist="38099" dir="2700000" algn="ctr" rotWithShape="0">
+                    <a:srgbClr val="000000">
+                      <a:alpha val="74998"/>
+                    </a:srgbClr>
+                  </a:outerShdw>
+                </a:effectLst>
+              </a14:hiddenEffects>
+            </a:ext>
+          </a:extLst>
+        </p:spPr>
+      </p:pic>
+      <p:sp>
+        <p:nvSpPr>
+          <p:cNvPr id="6" name="TextBox 5">
+            <a:extLst>
+              <a:ext uri="{FF2B5EF4-FFF2-40B4-BE49-F238E27FC236}">
+                <a16:creationId xmlns:a16="http://schemas.microsoft.com/office/drawing/2014/main" id="{80A24032-1FF5-2340-BF4F-86A5459B8F08}"/>
+              </a:ext>
+            </a:extLst>
+          </p:cNvPr>
+          <p:cNvSpPr txBox="1"/>
+          <p:nvPr/>
+        </p:nvSpPr>
+        <p:spPr>
+          <a:xfrm>
+            <a:off x="539603" y="945629"/>
+            <a:ext cx="8450017" cy="3046988"/>
+          </a:xfrm>
+          <a:prstGeom prst="rect">
+            <a:avLst/>
+          </a:prstGeom>
+          <a:noFill/>
+        </p:spPr>
+        <p:txBody>
+          <a:bodyPr wrap="square" rtlCol="0">
+            <a:spAutoFit/>
+          </a:bodyPr>
+          <a:lstStyle/>
+          <a:p>
+            <a:pPr marL="342900" indent="-342900">
+              <a:buFont typeface="Arial" panose="020B0604020202020204" pitchFamily="34" charset="0"/>
+              <a:buChar char="•"/>
+            </a:pPr>
+            <a:r>
+              <a:rPr lang="en-US" sz="2400" dirty="0">
+                <a:latin typeface="Times New Roman" panose="02020603050405020304" pitchFamily="18" charset="0"/>
+                <a:ea typeface="MS Mincho" panose="02020609040205080304" pitchFamily="49" charset="-128"/>
+                <a:cs typeface="Times New Roman" panose="02020603050405020304" pitchFamily="18" charset="0"/>
+              </a:rPr>
+              <a:t>Peer-reviewed research: “</a:t>
+            </a:r>
+            <a:r>
+              <a:rPr lang="en-US" sz="2400" i="1" dirty="0">
+                <a:latin typeface="Times New Roman" panose="02020603050405020304" pitchFamily="18" charset="0"/>
+                <a:ea typeface="MS Mincho" panose="02020609040205080304" pitchFamily="49" charset="-128"/>
+                <a:cs typeface="Times New Roman" panose="02020603050405020304" pitchFamily="18" charset="0"/>
+              </a:rPr>
+              <a:t>Science faculty’s subtle gender biases favor male students</a:t>
+            </a:r>
+            <a:r>
+              <a:rPr lang="en-US" sz="2400" dirty="0">
+                <a:latin typeface="Times New Roman" panose="02020603050405020304" pitchFamily="18" charset="0"/>
+                <a:ea typeface="MS Mincho" panose="02020609040205080304" pitchFamily="49" charset="-128"/>
+                <a:cs typeface="Times New Roman" panose="02020603050405020304" pitchFamily="18" charset="0"/>
+              </a:rPr>
+              <a:t>” </a:t>
+            </a:r>
+            <a:r>
+              <a:rPr lang="en-US" sz="2200" dirty="0">
+                <a:latin typeface="Times New Roman" panose="02020603050405020304" pitchFamily="18" charset="0"/>
+                <a:ea typeface="MS Mincho" panose="02020609040205080304" pitchFamily="49" charset="-128"/>
+                <a:cs typeface="Times New Roman" panose="02020603050405020304" pitchFamily="18" charset="0"/>
+              </a:rPr>
+              <a:t>(Moss-</a:t>
+            </a:r>
+            <a:r>
+              <a:rPr lang="en-US" sz="2200" dirty="0" err="1">
+                <a:latin typeface="Times New Roman" panose="02020603050405020304" pitchFamily="18" charset="0"/>
+                <a:ea typeface="MS Mincho" panose="02020609040205080304" pitchFamily="49" charset="-128"/>
+                <a:cs typeface="Times New Roman" panose="02020603050405020304" pitchFamily="18" charset="0"/>
+              </a:rPr>
+              <a:t>Racusin</a:t>
+            </a:r>
+            <a:r>
+              <a:rPr lang="en-US" sz="2200" dirty="0">
+                <a:latin typeface="Times New Roman" panose="02020603050405020304" pitchFamily="18" charset="0"/>
+                <a:ea typeface="MS Mincho" panose="02020609040205080304" pitchFamily="49" charset="-128"/>
+                <a:cs typeface="Times New Roman" panose="02020603050405020304" pitchFamily="18" charset="0"/>
+              </a:rPr>
+              <a:t> et al. 2012, PNAS, 109, 16474)</a:t>
+            </a:r>
+          </a:p>
+          <a:p>
+            <a:pPr marL="342900" indent="-342900">
+              <a:buFont typeface="Arial" panose="020B0604020202020204" pitchFamily="34" charset="0"/>
+              <a:buChar char="•"/>
+            </a:pPr>
+            <a:endParaRPr lang="en-US" sz="800" dirty="0">
+              <a:latin typeface="Times New Roman" panose="02020603050405020304" pitchFamily="18" charset="0"/>
+              <a:ea typeface="MS Mincho" panose="02020609040205080304" pitchFamily="49" charset="-128"/>
+              <a:cs typeface="Times New Roman" panose="02020603050405020304" pitchFamily="18" charset="0"/>
+            </a:endParaRPr>
+          </a:p>
+          <a:p>
+            <a:pPr marL="342900" indent="-342900">
+              <a:buFont typeface="Arial" panose="020B0604020202020204" pitchFamily="34" charset="0"/>
+              <a:buChar char="•"/>
+            </a:pPr>
+            <a:r>
+              <a:rPr lang="en-US" sz="2400" dirty="0">
+                <a:latin typeface="Times New Roman" panose="02020603050405020304" pitchFamily="18" charset="0"/>
+                <a:ea typeface="MS Mincho" panose="02020609040205080304" pitchFamily="49" charset="-128"/>
+                <a:cs typeface="Times New Roman" panose="02020603050405020304" pitchFamily="18" charset="0"/>
+              </a:rPr>
+              <a:t>Double-blind study: faculty review of application materials, with randomly assigned male/female names</a:t>
+            </a:r>
+          </a:p>
+          <a:p>
+            <a:pPr marL="800100" lvl="1" indent="-342900">
+              <a:buFont typeface="Arial" panose="020B0604020202020204" pitchFamily="34" charset="0"/>
+              <a:buChar char="•"/>
+            </a:pPr>
+            <a:r>
+              <a:rPr lang="en-US" sz="2200" dirty="0">
+                <a:latin typeface="Times New Roman" panose="02020603050405020304" pitchFamily="18" charset="0"/>
+                <a:ea typeface="MS Mincho" panose="02020609040205080304" pitchFamily="49" charset="-128"/>
+                <a:cs typeface="Times New Roman" panose="02020603050405020304" pitchFamily="18" charset="0"/>
+              </a:rPr>
+              <a:t>Female student was perceived less competent than male student</a:t>
+            </a:r>
+          </a:p>
+          <a:p>
+            <a:pPr marL="800100" lvl="1" indent="-342900">
+              <a:buFont typeface="Arial" panose="020B0604020202020204" pitchFamily="34" charset="0"/>
+              <a:buChar char="•"/>
+            </a:pPr>
+            <a:r>
+              <a:rPr lang="en-US" sz="2200" dirty="0">
+                <a:latin typeface="Times New Roman" panose="02020603050405020304" pitchFamily="18" charset="0"/>
+                <a:ea typeface="MS Mincho" panose="02020609040205080304" pitchFamily="49" charset="-128"/>
+                <a:cs typeface="Times New Roman" panose="02020603050405020304" pitchFamily="18" charset="0"/>
+              </a:rPr>
+              <a:t>Female student was better liked than male </a:t>
+            </a:r>
+            <a:r>
+              <a:rPr lang="en-US" sz="2200" dirty="0">
+                <a:latin typeface="Times New Roman" panose="02020603050405020304" pitchFamily="18" charset="0"/>
+                <a:ea typeface="MS Mincho" panose="02020609040205080304" pitchFamily="49" charset="-128"/>
+                <a:cs typeface="Times New Roman" panose="02020603050405020304" pitchFamily="18" charset="0"/>
+                <a:sym typeface="Wingdings" pitchFamily="2" charset="2"/>
+              </a:rPr>
+              <a:t> no overt hostility</a:t>
+            </a:r>
+            <a:endParaRPr lang="en-US" sz="2200" dirty="0">
+              <a:latin typeface="Times New Roman" panose="02020603050405020304" pitchFamily="18" charset="0"/>
+              <a:ea typeface="MS Mincho" panose="02020609040205080304" pitchFamily="49" charset="-128"/>
+              <a:cs typeface="Times New Roman" panose="02020603050405020304" pitchFamily="18" charset="0"/>
+            </a:endParaRPr>
+          </a:p>
+          <a:p>
+            <a:pPr marL="800100" lvl="1" indent="-342900">
+              <a:buFont typeface="Arial" panose="020B0604020202020204" pitchFamily="34" charset="0"/>
+              <a:buChar char="•"/>
+            </a:pPr>
+            <a:r>
+              <a:rPr lang="en-US" sz="2200" dirty="0">
+                <a:latin typeface="Times New Roman" panose="02020603050405020304" pitchFamily="18" charset="0"/>
+                <a:ea typeface="MS Mincho" panose="02020609040205080304" pitchFamily="49" charset="-128"/>
+                <a:cs typeface="Times New Roman" panose="02020603050405020304" pitchFamily="18" charset="0"/>
+              </a:rPr>
+              <a:t>Independent of faculty gender, discipline, age, etc.</a:t>
+            </a:r>
+          </a:p>
+          <a:p>
+            <a:pPr marL="800100" lvl="1" indent="-342900">
+              <a:buFont typeface="Arial" panose="020B0604020202020204" pitchFamily="34" charset="0"/>
+              <a:buChar char="•"/>
+            </a:pPr>
+            <a:r>
+              <a:rPr lang="en-US" sz="2200" dirty="0">
+                <a:latin typeface="Times New Roman" panose="02020603050405020304" pitchFamily="18" charset="0"/>
+                <a:ea typeface="MS Mincho" panose="02020609040205080304" pitchFamily="49" charset="-128"/>
+                <a:cs typeface="Times New Roman" panose="02020603050405020304" pitchFamily="18" charset="0"/>
+                <a:sym typeface="Wingdings" pitchFamily="2" charset="2"/>
+              </a:rPr>
+              <a:t>Likely unintentional bias  cultural stereotypes</a:t>
+            </a:r>
+            <a:endParaRPr lang="en-US" sz="2200" dirty="0">
+              <a:latin typeface="Times New Roman" panose="02020603050405020304" pitchFamily="18" charset="0"/>
+              <a:ea typeface="MS Mincho" panose="02020609040205080304" pitchFamily="49" charset="-128"/>
+              <a:cs typeface="Times New Roman" panose="02020603050405020304" pitchFamily="18" charset="0"/>
+            </a:endParaRPr>
+          </a:p>
+        </p:txBody>
+      </p:sp>
+      <p:pic>
+        <p:nvPicPr>
+          <p:cNvPr id="8" name="Picture 4">
+            <a:extLst>
+              <a:ext uri="{FF2B5EF4-FFF2-40B4-BE49-F238E27FC236}">
+                <a16:creationId xmlns:a16="http://schemas.microsoft.com/office/drawing/2014/main" id="{6B571D52-9523-D34D-9CCF-DCEAFF9DAE27}"/>
+              </a:ext>
+            </a:extLst>
+          </p:cNvPr>
+          <p:cNvPicPr>
+            <a:picLocks noChangeAspect="1" noChangeArrowheads="1"/>
+          </p:cNvPicPr>
+          <p:nvPr/>
+        </p:nvPicPr>
+        <p:blipFill rotWithShape="1">
+          <a:blip r:embed="rId3">
+            <a:extLst>
+              <a:ext uri="{28A0092B-C50C-407E-A947-70E740481C1C}">
+                <a14:useLocalDpi xmlns:a14="http://schemas.microsoft.com/office/drawing/2010/main" val="0"/>
+              </a:ext>
+            </a:extLst>
+          </a:blip>
+          <a:srcRect b="22081"/>
+          <a:stretch/>
+        </p:blipFill>
+        <p:spPr bwMode="auto">
+          <a:xfrm>
+            <a:off x="4674224" y="4032601"/>
+            <a:ext cx="4264025" cy="2560523"/>
+          </a:xfrm>
+          <a:prstGeom prst="rect">
+            <a:avLst/>
+          </a:prstGeom>
+          <a:noFill/>
+          <a:ln>
+            <a:noFill/>
+          </a:ln>
+          <a:effectLst/>
+          <a:extLst>
+            <a:ext uri="{909E8E84-426E-40DD-AFC4-6F175D3DCCD1}">
+              <a14:hiddenFill xmlns:a14="http://schemas.microsoft.com/office/drawing/2010/main">
+                <a:blipFill dpi="0" rotWithShape="0">
+                  <a:blip/>
+                  <a:srcRect/>
+                  <a:stretch>
+                    <a:fillRect/>
+                  </a:stretch>
+                </a:blipFill>
+              </a14:hiddenFill>
+            </a:ext>
+            <a:ext uri="{91240B29-F687-4F45-9708-019B960494DF}">
+              <a14:hiddenLine xmlns:a14="http://schemas.microsoft.com/office/drawing/2010/main" w="9525" cap="flat">
+                <a:solidFill>
+                  <a:srgbClr val="808080"/>
+                </a:solidFill>
+                <a:round/>
+                <a:headEnd/>
+                <a:tailEnd/>
+              </a14:hiddenLine>
+            </a:ext>
+            <a:ext uri="{AF507438-7753-43E0-B8FC-AC1667EBCBE1}">
+              <a14:hiddenEffects xmlns:a14="http://schemas.microsoft.com/office/drawing/2010/main">
+                <a:effectLst>
+                  <a:outerShdw blurRad="63500" dist="38099" dir="2700000" algn="ctr" rotWithShape="0">
+                    <a:srgbClr val="000000">
+                      <a:alpha val="74998"/>
+                    </a:srgbClr>
+                  </a:outerShdw>
+                </a:effectLst>
+              </a14:hiddenEffects>
+            </a:ext>
+          </a:extLst>
+        </p:spPr>
+      </p:pic>
+    </p:spTree>
+    <p:extLst>
+      <p:ext uri="{BB962C8B-B14F-4D97-AF65-F5344CB8AC3E}">
+        <p14:creationId xmlns:p14="http://schemas.microsoft.com/office/powerpoint/2010/main" val="3209170759"/>
+      </p:ext>
+    </p:extLst>
+  </p:cSld>
+  <p:clrMapOvr>
+    <a:masterClrMapping/>
+  </p:clrMapOvr>
+</p:sld>
+</file>
+
+<file path=ppt/slides/slide12.xml><?xml version="1.0" encoding="utf-8"?>
+<p:sld xmlns:a="http://schemas.openxmlformats.org/drawingml/2006/main" xmlns:r="http://schemas.openxmlformats.org/officeDocument/2006/relationships" xmlns:p="http://schemas.openxmlformats.org/presentationml/2006/main">
+  <p:cSld>
+    <p:spTree>
+      <p:nvGrpSpPr>
+        <p:cNvPr id="1" name=""/>
+        <p:cNvGrpSpPr/>
+        <p:nvPr/>
+      </p:nvGrpSpPr>
+      <p:grpSpPr>
+        <a:xfrm>
+          <a:off x="0" y="0"/>
+          <a:ext cx="0" cy="0"/>
+          <a:chOff x="0" y="0"/>
+          <a:chExt cx="0" cy="0"/>
+        </a:xfrm>
+      </p:grpSpPr>
+      <p:sp>
+        <p:nvSpPr>
+          <p:cNvPr id="4" name="TextBox 3"/>
+          <p:cNvSpPr txBox="1"/>
+          <p:nvPr/>
+        </p:nvSpPr>
+        <p:spPr>
+          <a:xfrm>
+            <a:off x="275549" y="191702"/>
+            <a:ext cx="6679521" cy="553998"/>
+          </a:xfrm>
+          <a:prstGeom prst="rect">
+            <a:avLst/>
+          </a:prstGeom>
+          <a:noFill/>
+        </p:spPr>
+        <p:txBody>
+          <a:bodyPr wrap="none" rtlCol="0">
+            <a:spAutoFit/>
+          </a:bodyPr>
+          <a:lstStyle/>
+          <a:p>
+            <a:r>
+              <a:rPr lang="en-US" sz="3000" b="1" dirty="0">
+                <a:solidFill>
+                  <a:prstClr val="black"/>
+                </a:solidFill>
+                <a:latin typeface="Times New Roman"/>
+                <a:cs typeface="Times New Roman"/>
+              </a:rPr>
+              <a:t>Diversity in Physics: Gender Minorities</a:t>
+            </a:r>
+            <a:endParaRPr lang="en-US" sz="2400" b="1" dirty="0">
+              <a:solidFill>
+                <a:prstClr val="black"/>
+              </a:solidFill>
+              <a:latin typeface="Times New Roman"/>
+              <a:cs typeface="Times New Roman"/>
+            </a:endParaRPr>
+          </a:p>
+        </p:txBody>
+      </p:sp>
+      <p:sp>
+        <p:nvSpPr>
+          <p:cNvPr id="6" name="TextBox 5">
+            <a:extLst>
+              <a:ext uri="{FF2B5EF4-FFF2-40B4-BE49-F238E27FC236}">
+                <a16:creationId xmlns:a16="http://schemas.microsoft.com/office/drawing/2014/main" id="{80A24032-1FF5-2340-BF4F-86A5459B8F08}"/>
+              </a:ext>
+            </a:extLst>
+          </p:cNvPr>
+          <p:cNvSpPr txBox="1"/>
+          <p:nvPr/>
+        </p:nvSpPr>
+        <p:spPr>
+          <a:xfrm>
+            <a:off x="182880" y="5083761"/>
+            <a:ext cx="8961119" cy="1692771"/>
+          </a:xfrm>
+          <a:prstGeom prst="rect">
+            <a:avLst/>
+          </a:prstGeom>
+          <a:noFill/>
+        </p:spPr>
+        <p:txBody>
+          <a:bodyPr wrap="square" rtlCol="0">
+            <a:spAutoFit/>
+          </a:bodyPr>
+          <a:lstStyle/>
+          <a:p>
+            <a:pPr marL="342900" indent="-342900">
+              <a:buFont typeface="Arial" panose="020B0604020202020204" pitchFamily="34" charset="0"/>
+              <a:buChar char="•"/>
+            </a:pPr>
+            <a:r>
+              <a:rPr lang="en-US" sz="2400" dirty="0">
+                <a:latin typeface="Times New Roman" panose="02020603050405020304" pitchFamily="18" charset="0"/>
+                <a:ea typeface="MS Mincho" panose="02020609040205080304" pitchFamily="49" charset="-128"/>
+                <a:cs typeface="Times New Roman" panose="02020603050405020304" pitchFamily="18" charset="0"/>
+              </a:rPr>
+              <a:t>Peer-reviewed research: “</a:t>
+            </a:r>
+            <a:r>
+              <a:rPr lang="en-US" sz="2400" i="1" dirty="0">
+                <a:latin typeface="Times New Roman" panose="02020603050405020304" pitchFamily="18" charset="0"/>
+                <a:ea typeface="MS Mincho" panose="02020609040205080304" pitchFamily="49" charset="-128"/>
+                <a:cs typeface="Times New Roman" panose="02020603050405020304" pitchFamily="18" charset="0"/>
+              </a:rPr>
+              <a:t>Sexual harassment reported by undergrad. female physicists</a:t>
+            </a:r>
+            <a:r>
+              <a:rPr lang="en-US" sz="2400" dirty="0">
+                <a:latin typeface="Times New Roman" panose="02020603050405020304" pitchFamily="18" charset="0"/>
+                <a:ea typeface="MS Mincho" panose="02020609040205080304" pitchFamily="49" charset="-128"/>
+                <a:cs typeface="Times New Roman" panose="02020603050405020304" pitchFamily="18" charset="0"/>
+              </a:rPr>
+              <a:t>” </a:t>
+            </a:r>
+            <a:r>
+              <a:rPr lang="en-US" sz="2200" dirty="0">
+                <a:latin typeface="Times New Roman" panose="02020603050405020304" pitchFamily="18" charset="0"/>
+                <a:ea typeface="MS Mincho" panose="02020609040205080304" pitchFamily="49" charset="-128"/>
+                <a:cs typeface="Times New Roman" panose="02020603050405020304" pitchFamily="18" charset="0"/>
+              </a:rPr>
+              <a:t>(</a:t>
+            </a:r>
+            <a:r>
+              <a:rPr lang="en-US" sz="2200" dirty="0" err="1">
+                <a:latin typeface="Times New Roman" panose="02020603050405020304" pitchFamily="18" charset="0"/>
+                <a:ea typeface="MS Mincho" panose="02020609040205080304" pitchFamily="49" charset="-128"/>
+                <a:cs typeface="Times New Roman" panose="02020603050405020304" pitchFamily="18" charset="0"/>
+              </a:rPr>
+              <a:t>Aycock</a:t>
+            </a:r>
+            <a:r>
+              <a:rPr lang="en-US" sz="2200" dirty="0">
+                <a:latin typeface="Times New Roman" panose="02020603050405020304" pitchFamily="18" charset="0"/>
+                <a:ea typeface="MS Mincho" panose="02020609040205080304" pitchFamily="49" charset="-128"/>
+                <a:cs typeface="Times New Roman" panose="02020603050405020304" pitchFamily="18" charset="0"/>
+              </a:rPr>
+              <a:t> et al. 2019, Phys. Rev. PER, </a:t>
+            </a:r>
+            <a:r>
+              <a:rPr lang="en-US" sz="2200" b="1" dirty="0">
+                <a:latin typeface="Times New Roman" panose="02020603050405020304" pitchFamily="18" charset="0"/>
+                <a:ea typeface="MS Mincho" panose="02020609040205080304" pitchFamily="49" charset="-128"/>
+                <a:cs typeface="Times New Roman" panose="02020603050405020304" pitchFamily="18" charset="0"/>
+              </a:rPr>
+              <a:t>15</a:t>
+            </a:r>
+            <a:r>
+              <a:rPr lang="en-US" sz="2200" dirty="0">
+                <a:latin typeface="Times New Roman" panose="02020603050405020304" pitchFamily="18" charset="0"/>
+                <a:ea typeface="MS Mincho" panose="02020609040205080304" pitchFamily="49" charset="-128"/>
+                <a:cs typeface="Times New Roman" panose="02020603050405020304" pitchFamily="18" charset="0"/>
+              </a:rPr>
+              <a:t>, 010121)</a:t>
+            </a:r>
+          </a:p>
+          <a:p>
+            <a:pPr marL="342900" indent="-342900">
+              <a:buFont typeface="Arial" panose="020B0604020202020204" pitchFamily="34" charset="0"/>
+              <a:buChar char="•"/>
+            </a:pPr>
+            <a:endParaRPr lang="en-US" sz="800" dirty="0">
+              <a:latin typeface="Times New Roman" panose="02020603050405020304" pitchFamily="18" charset="0"/>
+              <a:ea typeface="MS Mincho" panose="02020609040205080304" pitchFamily="49" charset="-128"/>
+              <a:cs typeface="Times New Roman" panose="02020603050405020304" pitchFamily="18" charset="0"/>
+            </a:endParaRPr>
+          </a:p>
+          <a:p>
+            <a:pPr marL="342900" indent="-342900">
+              <a:buFont typeface="Arial" panose="020B0604020202020204" pitchFamily="34" charset="0"/>
+              <a:buChar char="•"/>
+            </a:pPr>
+            <a:r>
+              <a:rPr lang="en-US" sz="2400" dirty="0">
+                <a:latin typeface="Times New Roman" panose="02020603050405020304" pitchFamily="18" charset="0"/>
+                <a:ea typeface="MS Mincho" panose="02020609040205080304" pitchFamily="49" charset="-128"/>
+                <a:cs typeface="Times New Roman" panose="02020603050405020304" pitchFamily="18" charset="0"/>
+              </a:rPr>
+              <a:t>Results from </a:t>
+            </a:r>
+            <a:r>
+              <a:rPr lang="en-US" sz="2400" dirty="0" err="1">
+                <a:latin typeface="Times New Roman" panose="02020603050405020304" pitchFamily="18" charset="0"/>
+                <a:ea typeface="MS Mincho" panose="02020609040205080304" pitchFamily="49" charset="-128"/>
+                <a:cs typeface="Times New Roman" panose="02020603050405020304" pitchFamily="18" charset="0"/>
+              </a:rPr>
+              <a:t>CUWiP</a:t>
+            </a:r>
+            <a:r>
+              <a:rPr lang="en-US" sz="2400" dirty="0">
+                <a:latin typeface="Times New Roman" panose="02020603050405020304" pitchFamily="18" charset="0"/>
+                <a:ea typeface="MS Mincho" panose="02020609040205080304" pitchFamily="49" charset="-128"/>
+                <a:cs typeface="Times New Roman" panose="02020603050405020304" pitchFamily="18" charset="0"/>
+              </a:rPr>
+              <a:t>: 74% (338/455) of women experienced harassment</a:t>
+            </a:r>
+            <a:endParaRPr lang="en-US" sz="2200" dirty="0">
+              <a:latin typeface="Times New Roman" panose="02020603050405020304" pitchFamily="18" charset="0"/>
+              <a:ea typeface="MS Mincho" panose="02020609040205080304" pitchFamily="49" charset="-128"/>
+              <a:cs typeface="Times New Roman" panose="02020603050405020304" pitchFamily="18" charset="0"/>
+            </a:endParaRPr>
+          </a:p>
+        </p:txBody>
+      </p:sp>
+      <p:pic>
+        <p:nvPicPr>
+          <p:cNvPr id="2" name="Picture 1"/>
+          <p:cNvPicPr>
+            <a:picLocks noChangeAspect="1"/>
+          </p:cNvPicPr>
+          <p:nvPr/>
+        </p:nvPicPr>
+        <p:blipFill>
+          <a:blip r:embed="rId2"/>
+          <a:stretch>
+            <a:fillRect/>
+          </a:stretch>
+        </p:blipFill>
+        <p:spPr>
+          <a:xfrm>
+            <a:off x="903643" y="745700"/>
+            <a:ext cx="6696818" cy="4338061"/>
+          </a:xfrm>
+          <a:prstGeom prst="rect">
+            <a:avLst/>
+          </a:prstGeom>
+        </p:spPr>
+      </p:pic>
+    </p:spTree>
+    <p:extLst>
+      <p:ext uri="{BB962C8B-B14F-4D97-AF65-F5344CB8AC3E}">
+        <p14:creationId xmlns:p14="http://schemas.microsoft.com/office/powerpoint/2010/main" val="1594677064"/>
+      </p:ext>
+    </p:extLst>
+  </p:cSld>
+  <p:clrMapOvr>
+    <a:masterClrMapping/>
+  </p:clrMapOvr>
+</p:sld>
+</file>
+
+<file path=ppt/slides/slide13.xml><?xml version="1.0" encoding="utf-8"?>
+<p:sld xmlns:a="http://schemas.openxmlformats.org/drawingml/2006/main" xmlns:r="http://schemas.openxmlformats.org/officeDocument/2006/relationships" xmlns:p="http://schemas.openxmlformats.org/presentationml/2006/main">
+  <p:cSld>
+    <p:spTree>
+      <p:nvGrpSpPr>
+        <p:cNvPr id="1" name=""/>
+        <p:cNvGrpSpPr/>
+        <p:nvPr/>
+      </p:nvGrpSpPr>
+      <p:grpSpPr>
+        <a:xfrm>
+          <a:off x="0" y="0"/>
+          <a:ext cx="0" cy="0"/>
+          <a:chOff x="0" y="0"/>
+          <a:chExt cx="0" cy="0"/>
+        </a:xfrm>
+      </p:grpSpPr>
+      <p:sp>
+        <p:nvSpPr>
+          <p:cNvPr id="4" name="TextBox 3"/>
+          <p:cNvSpPr txBox="1"/>
+          <p:nvPr/>
+        </p:nvSpPr>
+        <p:spPr>
+          <a:xfrm>
+            <a:off x="275549" y="191702"/>
+            <a:ext cx="6679521" cy="553998"/>
+          </a:xfrm>
+          <a:prstGeom prst="rect">
+            <a:avLst/>
+          </a:prstGeom>
+          <a:noFill/>
+        </p:spPr>
+        <p:txBody>
+          <a:bodyPr wrap="none" rtlCol="0">
+            <a:spAutoFit/>
+          </a:bodyPr>
+          <a:lstStyle/>
+          <a:p>
+            <a:r>
+              <a:rPr lang="en-US" sz="3000" b="1" dirty="0">
+                <a:solidFill>
+                  <a:prstClr val="black"/>
+                </a:solidFill>
+                <a:latin typeface="Times New Roman"/>
+                <a:cs typeface="Times New Roman"/>
+              </a:rPr>
+              <a:t>Diversity in Physics: Gender Minorities</a:t>
+            </a:r>
+            <a:endParaRPr lang="en-US" sz="2400" b="1" dirty="0">
+              <a:solidFill>
+                <a:prstClr val="black"/>
+              </a:solidFill>
+              <a:latin typeface="Times New Roman"/>
+              <a:cs typeface="Times New Roman"/>
+            </a:endParaRPr>
+          </a:p>
+        </p:txBody>
+      </p:sp>
+      <p:pic>
+        <p:nvPicPr>
           <p:cNvPr id="3" name="Picture 2"/>
           <p:cNvPicPr>
             <a:picLocks noChangeAspect="1"/>
@@ -4165,7 +4834,7 @@
     </p:spTree>
     <p:extLst>
       <p:ext uri="{BB962C8B-B14F-4D97-AF65-F5344CB8AC3E}">
-        <p14:creationId xmlns:p14="http://schemas.microsoft.com/office/powerpoint/2010/main" val="1300972020"/>
+        <p14:creationId xmlns:p14="http://schemas.microsoft.com/office/powerpoint/2010/main" val="973520329"/>
       </p:ext>
     </p:extLst>
   </p:cSld>
@@ -4175,7 +4844,252 @@
 </p:sld>
 </file>
 
-<file path=ppt/slides/slide12.xml><?xml version="1.0" encoding="utf-8"?>
+<file path=ppt/slides/slide14.xml><?xml version="1.0" encoding="utf-8"?>
+<p:sld xmlns:a="http://schemas.openxmlformats.org/drawingml/2006/main" xmlns:r="http://schemas.openxmlformats.org/officeDocument/2006/relationships" xmlns:p="http://schemas.openxmlformats.org/presentationml/2006/main">
+  <p:cSld>
+    <p:spTree>
+      <p:nvGrpSpPr>
+        <p:cNvPr id="1" name=""/>
+        <p:cNvGrpSpPr/>
+        <p:nvPr/>
+      </p:nvGrpSpPr>
+      <p:grpSpPr>
+        <a:xfrm>
+          <a:off x="0" y="0"/>
+          <a:ext cx="0" cy="0"/>
+          <a:chOff x="0" y="0"/>
+          <a:chExt cx="0" cy="0"/>
+        </a:xfrm>
+      </p:grpSpPr>
+      <p:sp>
+        <p:nvSpPr>
+          <p:cNvPr id="4" name="TextBox 3"/>
+          <p:cNvSpPr txBox="1"/>
+          <p:nvPr/>
+        </p:nvSpPr>
+        <p:spPr>
+          <a:xfrm>
+            <a:off x="275549" y="191702"/>
+            <a:ext cx="7578293" cy="553998"/>
+          </a:xfrm>
+          <a:prstGeom prst="rect">
+            <a:avLst/>
+          </a:prstGeom>
+          <a:noFill/>
+        </p:spPr>
+        <p:txBody>
+          <a:bodyPr wrap="none" rtlCol="0">
+            <a:spAutoFit/>
+          </a:bodyPr>
+          <a:lstStyle/>
+          <a:p>
+            <a:r>
+              <a:rPr lang="en-US" sz="3000" b="1" dirty="0">
+                <a:solidFill>
+                  <a:prstClr val="black"/>
+                </a:solidFill>
+                <a:latin typeface="Times New Roman"/>
+                <a:cs typeface="Times New Roman"/>
+              </a:rPr>
+              <a:t>Diversity &amp; Inclusion: Some More Resources</a:t>
+            </a:r>
+            <a:endParaRPr lang="en-US" sz="2400" b="1" dirty="0">
+              <a:solidFill>
+                <a:prstClr val="black"/>
+              </a:solidFill>
+              <a:latin typeface="Times New Roman"/>
+              <a:cs typeface="Times New Roman"/>
+            </a:endParaRPr>
+          </a:p>
+        </p:txBody>
+      </p:sp>
+      <p:sp>
+        <p:nvSpPr>
+          <p:cNvPr id="6" name="TextBox 5">
+            <a:extLst>
+              <a:ext uri="{FF2B5EF4-FFF2-40B4-BE49-F238E27FC236}">
+                <a16:creationId xmlns:a16="http://schemas.microsoft.com/office/drawing/2014/main" id="{878A97EC-2834-8447-A6B8-2F5335C4C2C1}"/>
+              </a:ext>
+            </a:extLst>
+          </p:cNvPr>
+          <p:cNvSpPr txBox="1"/>
+          <p:nvPr/>
+        </p:nvSpPr>
+        <p:spPr>
+          <a:xfrm>
+            <a:off x="539604" y="945629"/>
+            <a:ext cx="8378766" cy="3785652"/>
+          </a:xfrm>
+          <a:prstGeom prst="rect">
+            <a:avLst/>
+          </a:prstGeom>
+          <a:noFill/>
+        </p:spPr>
+        <p:txBody>
+          <a:bodyPr wrap="square" rtlCol="0">
+            <a:spAutoFit/>
+          </a:bodyPr>
+          <a:lstStyle/>
+          <a:p>
+            <a:pPr marL="342900" indent="-342900">
+              <a:buFont typeface="Arial" panose="020B0604020202020204" pitchFamily="34" charset="0"/>
+              <a:buChar char="•"/>
+            </a:pPr>
+            <a:r>
+              <a:rPr lang="en-GB" altLang="en-US" sz="2400" dirty="0">
+                <a:latin typeface="Times New Roman" panose="02020603050405020304" pitchFamily="18" charset="0"/>
+                <a:cs typeface="Times New Roman" panose="02020603050405020304" pitchFamily="18" charset="0"/>
+              </a:rPr>
+              <a:t>Conference for Undergraduate Women and Gender </a:t>
+            </a:r>
+            <a:r>
+              <a:rPr lang="en-GB" altLang="en-US" sz="2400" dirty="0" err="1">
+                <a:latin typeface="Times New Roman" panose="02020603050405020304" pitchFamily="18" charset="0"/>
+                <a:cs typeface="Times New Roman" panose="02020603050405020304" pitchFamily="18" charset="0"/>
+              </a:rPr>
+              <a:t>Miniorities</a:t>
+            </a:r>
+            <a:r>
+              <a:rPr lang="en-GB" altLang="en-US" sz="2400" dirty="0">
+                <a:latin typeface="Times New Roman" panose="02020603050405020304" pitchFamily="18" charset="0"/>
+                <a:cs typeface="Times New Roman" panose="02020603050405020304" pitchFamily="18" charset="0"/>
+              </a:rPr>
+              <a:t> in Physics: </a:t>
+            </a:r>
+            <a:r>
+              <a:rPr lang="en-GB" altLang="en-US" sz="2400" dirty="0">
+                <a:latin typeface="Times New Roman" panose="02020603050405020304" pitchFamily="18" charset="0"/>
+                <a:cs typeface="Times New Roman" panose="02020603050405020304" pitchFamily="18" charset="0"/>
+                <a:hlinkClick r:id="rId3"/>
+              </a:rPr>
+              <a:t>https://www.aps.org/initiatives/inclusion/gender-inclusive/undergraduate-women-minorities</a:t>
+            </a:r>
+            <a:endParaRPr lang="en-GB" altLang="en-US" sz="2400" dirty="0">
+              <a:latin typeface="Times New Roman" panose="02020603050405020304" pitchFamily="18" charset="0"/>
+              <a:cs typeface="Times New Roman" panose="02020603050405020304" pitchFamily="18" charset="0"/>
+            </a:endParaRPr>
+          </a:p>
+          <a:p>
+            <a:pPr marL="342900" indent="-342900">
+              <a:buFont typeface="Arial" panose="020B0604020202020204" pitchFamily="34" charset="0"/>
+              <a:buChar char="•"/>
+            </a:pPr>
+            <a:endParaRPr lang="en-GB" altLang="en-US" sz="800" dirty="0">
+              <a:latin typeface="Times New Roman" panose="02020603050405020304" pitchFamily="18" charset="0"/>
+              <a:cs typeface="Times New Roman" panose="02020603050405020304" pitchFamily="18" charset="0"/>
+            </a:endParaRPr>
+          </a:p>
+          <a:p>
+            <a:pPr marL="342900" indent="-342900">
+              <a:buFont typeface="Arial" panose="020B0604020202020204" pitchFamily="34" charset="0"/>
+              <a:buChar char="•"/>
+            </a:pPr>
+            <a:r>
+              <a:rPr lang="en-GB" altLang="en-US" sz="2400" dirty="0">
+                <a:latin typeface="Times New Roman" panose="02020603050405020304" pitchFamily="18" charset="0"/>
+                <a:cs typeface="Times New Roman" panose="02020603050405020304" pitchFamily="18" charset="0"/>
+              </a:rPr>
+              <a:t>Step Up 4 Women: </a:t>
+            </a:r>
+            <a:r>
+              <a:rPr lang="en-GB" altLang="en-US" sz="2400" dirty="0">
+                <a:latin typeface="Times New Roman" panose="02020603050405020304" pitchFamily="18" charset="0"/>
+                <a:cs typeface="Times New Roman" panose="02020603050405020304" pitchFamily="18" charset="0"/>
+                <a:hlinkClick r:id="rId4"/>
+              </a:rPr>
+              <a:t>https://engage.aps.org/stepup/home</a:t>
+            </a:r>
+            <a:endParaRPr lang="en-GB" altLang="en-US" sz="2400" dirty="0">
+              <a:latin typeface="Times New Roman" panose="02020603050405020304" pitchFamily="18" charset="0"/>
+              <a:cs typeface="Times New Roman" panose="02020603050405020304" pitchFamily="18" charset="0"/>
+            </a:endParaRPr>
+          </a:p>
+          <a:p>
+            <a:pPr marL="342900" indent="-342900">
+              <a:buFont typeface="Arial" panose="020B0604020202020204" pitchFamily="34" charset="0"/>
+              <a:buChar char="•"/>
+            </a:pPr>
+            <a:endParaRPr lang="en-GB" altLang="en-US" sz="800" dirty="0">
+              <a:latin typeface="Times New Roman" panose="02020603050405020304" pitchFamily="18" charset="0"/>
+              <a:cs typeface="Times New Roman" panose="02020603050405020304" pitchFamily="18" charset="0"/>
+            </a:endParaRPr>
+          </a:p>
+          <a:p>
+            <a:pPr marL="342900" indent="-342900">
+              <a:buFont typeface="Arial" panose="020B0604020202020204" pitchFamily="34" charset="0"/>
+              <a:buChar char="•"/>
+            </a:pPr>
+            <a:r>
+              <a:rPr lang="en-GB" altLang="en-US" sz="2400" dirty="0">
+                <a:latin typeface="Times New Roman" panose="02020603050405020304" pitchFamily="18" charset="0"/>
+                <a:cs typeface="Times New Roman" panose="02020603050405020304" pitchFamily="18" charset="0"/>
+              </a:rPr>
+              <a:t>APS Bridge Program: </a:t>
+            </a:r>
+            <a:r>
+              <a:rPr lang="en-GB" altLang="en-US" sz="2400" dirty="0">
+                <a:latin typeface="Times New Roman" panose="02020603050405020304" pitchFamily="18" charset="0"/>
+                <a:cs typeface="Times New Roman" panose="02020603050405020304" pitchFamily="18" charset="0"/>
+                <a:hlinkClick r:id="rId5"/>
+              </a:rPr>
+              <a:t>https://www.aps.org/initiatives/inclusion/bridge-program</a:t>
+            </a:r>
+            <a:endParaRPr lang="en-GB" altLang="en-US" sz="2400" dirty="0">
+              <a:latin typeface="Times New Roman" panose="02020603050405020304" pitchFamily="18" charset="0"/>
+              <a:cs typeface="Times New Roman" panose="02020603050405020304" pitchFamily="18" charset="0"/>
+            </a:endParaRPr>
+          </a:p>
+          <a:p>
+            <a:pPr marL="342900" indent="-342900">
+              <a:buFont typeface="Arial" panose="020B0604020202020204" pitchFamily="34" charset="0"/>
+              <a:buChar char="•"/>
+            </a:pPr>
+            <a:endParaRPr lang="en-GB" altLang="en-US" sz="800" dirty="0">
+              <a:latin typeface="Times New Roman" panose="02020603050405020304" pitchFamily="18" charset="0"/>
+              <a:cs typeface="Times New Roman" panose="02020603050405020304" pitchFamily="18" charset="0"/>
+            </a:endParaRPr>
+          </a:p>
+          <a:p>
+            <a:pPr marL="342900" indent="-342900">
+              <a:buFont typeface="Arial" panose="020B0604020202020204" pitchFamily="34" charset="0"/>
+              <a:buChar char="•"/>
+            </a:pPr>
+            <a:r>
+              <a:rPr lang="en-GB" altLang="en-US" sz="2400" dirty="0">
+                <a:latin typeface="Times New Roman" panose="02020603050405020304" pitchFamily="18" charset="0"/>
+                <a:cs typeface="Times New Roman" panose="02020603050405020304" pitchFamily="18" charset="0"/>
+              </a:rPr>
+              <a:t>National Mentoring Community: </a:t>
+            </a:r>
+            <a:r>
+              <a:rPr lang="en-GB" altLang="en-US" sz="2400" dirty="0">
+                <a:latin typeface="Times New Roman" panose="02020603050405020304" pitchFamily="18" charset="0"/>
+                <a:cs typeface="Times New Roman" panose="02020603050405020304" pitchFamily="18" charset="0"/>
+                <a:hlinkClick r:id="rId6"/>
+              </a:rPr>
+              <a:t>https://www.aps.org/initiatives/physics-education/national-mentoring-community</a:t>
+            </a:r>
+            <a:endParaRPr lang="en-GB" altLang="en-US" sz="2400" dirty="0">
+              <a:latin typeface="Times New Roman" panose="02020603050405020304" pitchFamily="18" charset="0"/>
+              <a:cs typeface="Times New Roman" panose="02020603050405020304" pitchFamily="18" charset="0"/>
+            </a:endParaRPr>
+          </a:p>
+        </p:txBody>
+      </p:sp>
+    </p:spTree>
+    <p:extLst>
+      <p:ext uri="{BB962C8B-B14F-4D97-AF65-F5344CB8AC3E}">
+        <p14:creationId xmlns:p14="http://schemas.microsoft.com/office/powerpoint/2010/main" val="1281231360"/>
+      </p:ext>
+    </p:extLst>
+  </p:cSld>
+  <p:clrMapOvr>
+    <a:masterClrMapping/>
+  </p:clrMapOvr>
+</p:sld>
+</file>
+
+<file path=ppt/slides/slide15.xml><?xml version="1.0" encoding="utf-8"?>
 <p:sld xmlns:a="http://schemas.openxmlformats.org/drawingml/2006/main" xmlns:r="http://schemas.openxmlformats.org/officeDocument/2006/relationships" xmlns:p="http://schemas.openxmlformats.org/presentationml/2006/main">
   <p:cSld>
     <p:spTree>
@@ -4522,7 +5436,7 @@
     </p:spTree>
     <p:extLst>
       <p:ext uri="{BB962C8B-B14F-4D97-AF65-F5344CB8AC3E}">
-        <p14:creationId xmlns:p14="http://schemas.microsoft.com/office/powerpoint/2010/main" val="1146519618"/>
+        <p14:creationId xmlns:p14="http://schemas.microsoft.com/office/powerpoint/2010/main" val="1648505151"/>
       </p:ext>
     </p:extLst>
   </p:cSld>
@@ -4913,7 +5827,7 @@
 </p:sld>
 </file>
 
-<file path=ppt/slides/slide13.xml><?xml version="1.0" encoding="utf-8"?>
+<file path=ppt/slides/slide16.xml><?xml version="1.0" encoding="utf-8"?>
 <p:sld xmlns:a="http://schemas.openxmlformats.org/drawingml/2006/main" xmlns:r="http://schemas.openxmlformats.org/officeDocument/2006/relationships" xmlns:p="http://schemas.openxmlformats.org/presentationml/2006/main">
   <p:cSld>
     <p:spTree>
@@ -4987,7 +5901,7 @@
         <p:spPr>
           <a:xfrm>
             <a:off x="539603" y="945629"/>
-            <a:ext cx="8450017" cy="4493538"/>
+            <a:ext cx="8450017" cy="4832092"/>
           </a:xfrm>
           <a:prstGeom prst="rect">
             <a:avLst/>
@@ -5094,6 +6008,20 @@
                 <a:ea typeface="MS Mincho" panose="02020609040205080304" pitchFamily="49" charset="-128"/>
                 <a:cs typeface="Times New Roman" panose="02020603050405020304" pitchFamily="18" charset="0"/>
               </a:rPr>
+              <a:t>First Generation Students</a:t>
+            </a:r>
+          </a:p>
+          <a:p>
+            <a:pPr marL="914400" lvl="1" indent="-457200">
+              <a:buFont typeface="+mj-lt"/>
+              <a:buAutoNum type="arabicPeriod"/>
+            </a:pPr>
+            <a:r>
+              <a:rPr lang="en-US" sz="2200" dirty="0">
+                <a:latin typeface="Times New Roman" panose="02020603050405020304" pitchFamily="18" charset="0"/>
+                <a:ea typeface="MS Mincho" panose="02020609040205080304" pitchFamily="49" charset="-128"/>
+                <a:cs typeface="Times New Roman" panose="02020603050405020304" pitchFamily="18" charset="0"/>
+              </a:rPr>
               <a:t>LGBTQ+ Status</a:t>
             </a:r>
           </a:p>
@@ -5186,7 +6114,7 @@
                 <a:ea typeface="MS Mincho" panose="02020609040205080304" pitchFamily="49" charset="-128"/>
                 <a:cs typeface="Times New Roman" panose="02020603050405020304" pitchFamily="18" charset="0"/>
               </a:rPr>
-              <a:t>Next week: topics 3 – 9</a:t>
+              <a:t>Next week: other topics</a:t>
             </a:r>
           </a:p>
         </p:txBody>
@@ -5204,7 +6132,7 @@
 </p:sld>
 </file>
 
-<file path=ppt/slides/slide14.xml><?xml version="1.0" encoding="utf-8"?>
+<file path=ppt/slides/slide17.xml><?xml version="1.0" encoding="utf-8"?>
 <p:sld xmlns:a="http://schemas.openxmlformats.org/drawingml/2006/main" xmlns:r="http://schemas.openxmlformats.org/officeDocument/2006/relationships" xmlns:p="http://schemas.openxmlformats.org/presentationml/2006/main">
   <p:cSld>
     <p:spTree>
@@ -5308,7 +6236,7 @@
         <p:spPr>
           <a:xfrm>
             <a:off x="539603" y="945629"/>
-            <a:ext cx="8355015" cy="5355312"/>
+            <a:ext cx="8355015" cy="5693866"/>
           </a:xfrm>
           <a:prstGeom prst="rect">
             <a:avLst/>
@@ -5387,7 +6315,7 @@
                 <a:ea typeface="MS Mincho" panose="02020609040205080304" pitchFamily="49" charset="-128"/>
                 <a:cs typeface="Times New Roman" panose="02020603050405020304" pitchFamily="18" charset="0"/>
               </a:rPr>
-              <a:t>Group 4: LGBTQ+ Status</a:t>
+              <a:t>Group 4: First Generation Students</a:t>
             </a:r>
           </a:p>
           <a:p>
@@ -5401,7 +6329,7 @@
                 <a:ea typeface="MS Mincho" panose="02020609040205080304" pitchFamily="49" charset="-128"/>
                 <a:cs typeface="Times New Roman" panose="02020603050405020304" pitchFamily="18" charset="0"/>
               </a:rPr>
-              <a:t>Group 5: Caring / Parenting Responsibilities</a:t>
+              <a:t>Group 5: LGBTQ+ Status</a:t>
             </a:r>
           </a:p>
           <a:p>
@@ -5415,7 +6343,7 @@
                 <a:ea typeface="MS Mincho" panose="02020609040205080304" pitchFamily="49" charset="-128"/>
                 <a:cs typeface="Times New Roman" panose="02020603050405020304" pitchFamily="18" charset="0"/>
               </a:rPr>
-              <a:t>Group 6: Socio-economic Disadvantage</a:t>
+              <a:t>Group 6: Caring / Parenting Responsibilities</a:t>
             </a:r>
           </a:p>
           <a:p>
@@ -5429,7 +6357,21 @@
                 <a:ea typeface="MS Mincho" panose="02020609040205080304" pitchFamily="49" charset="-128"/>
                 <a:cs typeface="Times New Roman" panose="02020603050405020304" pitchFamily="18" charset="0"/>
               </a:rPr>
-              <a:t>Group 7: Visible / Invisible Disabilities</a:t>
+              <a:t>Group 7: Socio-economic Disadvantage</a:t>
+            </a:r>
+          </a:p>
+          <a:p>
+            <a:pPr marL="914400" lvl="1" indent="-457200">
+              <a:buFont typeface="Arial" panose="020B0604020202020204" pitchFamily="34" charset="0"/>
+              <a:buChar char="•"/>
+            </a:pPr>
+            <a:r>
+              <a:rPr lang="en-US" sz="2200" dirty="0">
+                <a:latin typeface="Times New Roman" panose="02020603050405020304" pitchFamily="18" charset="0"/>
+                <a:ea typeface="MS Mincho" panose="02020609040205080304" pitchFamily="49" charset="-128"/>
+                <a:cs typeface="Times New Roman" panose="02020603050405020304" pitchFamily="18" charset="0"/>
+              </a:rPr>
+              <a:t>Group 8: Visible / Invisible Disabilities</a:t>
             </a:r>
           </a:p>
           <a:p>
@@ -5812,33 +6754,15 @@
                                   </p:childTnLst>
                                 </p:cTn>
                               </p:par>
-                            </p:childTnLst>
-                          </p:cTn>
-                        </p:par>
-                      </p:childTnLst>
-                    </p:cTn>
-                  </p:par>
-                  <p:par>
-                    <p:cTn id="21" fill="hold">
-                      <p:stCondLst>
-                        <p:cond delay="indefinite"/>
-                      </p:stCondLst>
-                      <p:childTnLst>
-                        <p:par>
-                          <p:cTn id="22" fill="hold">
-                            <p:stCondLst>
-                              <p:cond delay="0"/>
-                            </p:stCondLst>
-                            <p:childTnLst>
                               <p:par>
-                                <p:cTn id="23" presetID="1" presetClass="entr" presetSubtype="0" fill="hold" nodeType="clickEffect">
+                                <p:cTn id="21" presetID="1" presetClass="entr" presetSubtype="0" fill="hold" nodeType="withEffect">
                                   <p:stCondLst>
                                     <p:cond delay="0"/>
                                   </p:stCondLst>
                                   <p:childTnLst>
                                     <p:set>
                                       <p:cBhvr>
-                                        <p:cTn id="24" dur="1" fill="hold">
+                                        <p:cTn id="22" dur="1" fill="hold">
                                           <p:stCondLst>
                                             <p:cond delay="0"/>
                                           </p:stCondLst>
@@ -5846,7 +6770,7 @@
                                         <p:tgtEl>
                                           <p:spTgt spid="6">
                                             <p:txEl>
-                                              <p:pRg st="9" end="9"/>
+                                              <p:pRg st="8" end="8"/>
                                             </p:txEl>
                                           </p:spTgt>
                                         </p:tgtEl>
@@ -5868,26 +6792,26 @@
                     </p:cTn>
                   </p:par>
                   <p:par>
-                    <p:cTn id="25" fill="hold">
+                    <p:cTn id="23" fill="hold">
                       <p:stCondLst>
                         <p:cond delay="indefinite"/>
                       </p:stCondLst>
                       <p:childTnLst>
                         <p:par>
-                          <p:cTn id="26" fill="hold">
+                          <p:cTn id="24" fill="hold">
                             <p:stCondLst>
                               <p:cond delay="0"/>
                             </p:stCondLst>
                             <p:childTnLst>
                               <p:par>
-                                <p:cTn id="27" presetID="1" presetClass="entr" presetSubtype="0" fill="hold" nodeType="clickEffect">
+                                <p:cTn id="25" presetID="1" presetClass="entr" presetSubtype="0" fill="hold" nodeType="clickEffect">
                                   <p:stCondLst>
                                     <p:cond delay="0"/>
                                   </p:stCondLst>
                                   <p:childTnLst>
                                     <p:set>
                                       <p:cBhvr>
-                                        <p:cTn id="28" dur="1" fill="hold">
+                                        <p:cTn id="26" dur="1" fill="hold">
                                           <p:stCondLst>
                                             <p:cond delay="0"/>
                                           </p:stCondLst>
@@ -5895,7 +6819,7 @@
                                         <p:tgtEl>
                                           <p:spTgt spid="6">
                                             <p:txEl>
-                                              <p:pRg st="11" end="11"/>
+                                              <p:pRg st="10" end="10"/>
                                             </p:txEl>
                                           </p:spTgt>
                                         </p:tgtEl>
@@ -5917,26 +6841,26 @@
                     </p:cTn>
                   </p:par>
                   <p:par>
-                    <p:cTn id="29" fill="hold">
+                    <p:cTn id="27" fill="hold">
                       <p:stCondLst>
                         <p:cond delay="indefinite"/>
                       </p:stCondLst>
                       <p:childTnLst>
                         <p:par>
-                          <p:cTn id="30" fill="hold">
+                          <p:cTn id="28" fill="hold">
                             <p:stCondLst>
                               <p:cond delay="0"/>
                             </p:stCondLst>
                             <p:childTnLst>
                               <p:par>
-                                <p:cTn id="31" presetID="1" presetClass="entr" presetSubtype="0" fill="hold" nodeType="clickEffect">
+                                <p:cTn id="29" presetID="1" presetClass="entr" presetSubtype="0" fill="hold" nodeType="clickEffect">
                                   <p:stCondLst>
                                     <p:cond delay="0"/>
                                   </p:stCondLst>
                                   <p:childTnLst>
                                     <p:set>
                                       <p:cBhvr>
-                                        <p:cTn id="32" dur="1" fill="hold">
+                                        <p:cTn id="30" dur="1" fill="hold">
                                           <p:stCondLst>
                                             <p:cond delay="0"/>
                                           </p:stCondLst>
@@ -5944,7 +6868,7 @@
                                         <p:tgtEl>
                                           <p:spTgt spid="6">
                                             <p:txEl>
-                                              <p:pRg st="13" end="13"/>
+                                              <p:pRg st="12" end="12"/>
                                             </p:txEl>
                                           </p:spTgt>
                                         </p:tgtEl>
@@ -5966,26 +6890,26 @@
                     </p:cTn>
                   </p:par>
                   <p:par>
-                    <p:cTn id="33" fill="hold">
+                    <p:cTn id="31" fill="hold">
                       <p:stCondLst>
                         <p:cond delay="indefinite"/>
                       </p:stCondLst>
                       <p:childTnLst>
                         <p:par>
-                          <p:cTn id="34" fill="hold">
+                          <p:cTn id="32" fill="hold">
                             <p:stCondLst>
                               <p:cond delay="0"/>
                             </p:stCondLst>
                             <p:childTnLst>
                               <p:par>
-                                <p:cTn id="35" presetID="1" presetClass="entr" presetSubtype="0" fill="hold" nodeType="clickEffect">
+                                <p:cTn id="33" presetID="1" presetClass="entr" presetSubtype="0" fill="hold" nodeType="clickEffect">
                                   <p:stCondLst>
                                     <p:cond delay="0"/>
                                   </p:stCondLst>
                                   <p:childTnLst>
                                     <p:set>
                                       <p:cBhvr>
-                                        <p:cTn id="36" dur="1" fill="hold">
+                                        <p:cTn id="34" dur="1" fill="hold">
                                           <p:stCondLst>
                                             <p:cond delay="0"/>
                                           </p:stCondLst>
@@ -5993,7 +6917,56 @@
                                         <p:tgtEl>
                                           <p:spTgt spid="6">
                                             <p:txEl>
-                                              <p:pRg st="15" end="15"/>
+                                              <p:pRg st="14" end="14"/>
+                                            </p:txEl>
+                                          </p:spTgt>
+                                        </p:tgtEl>
+                                        <p:attrNameLst>
+                                          <p:attrName>style.visibility</p:attrName>
+                                        </p:attrNameLst>
+                                      </p:cBhvr>
+                                      <p:to>
+                                        <p:strVal val="visible"/>
+                                      </p:to>
+                                    </p:set>
+                                  </p:childTnLst>
+                                </p:cTn>
+                              </p:par>
+                            </p:childTnLst>
+                          </p:cTn>
+                        </p:par>
+                      </p:childTnLst>
+                    </p:cTn>
+                  </p:par>
+                  <p:par>
+                    <p:cTn id="35" fill="hold">
+                      <p:stCondLst>
+                        <p:cond delay="indefinite"/>
+                      </p:stCondLst>
+                      <p:childTnLst>
+                        <p:par>
+                          <p:cTn id="36" fill="hold">
+                            <p:stCondLst>
+                              <p:cond delay="0"/>
+                            </p:stCondLst>
+                            <p:childTnLst>
+                              <p:par>
+                                <p:cTn id="37" presetID="1" presetClass="entr" presetSubtype="0" fill="hold" nodeType="clickEffect">
+                                  <p:stCondLst>
+                                    <p:cond delay="0"/>
+                                  </p:stCondLst>
+                                  <p:childTnLst>
+                                    <p:set>
+                                      <p:cBhvr>
+                                        <p:cTn id="38" dur="1" fill="hold">
+                                          <p:stCondLst>
+                                            <p:cond delay="0"/>
+                                          </p:stCondLst>
+                                        </p:cTn>
+                                        <p:tgtEl>
+                                          <p:spTgt spid="6">
+                                            <p:txEl>
+                                              <p:pRg st="16" end="16"/>
                                             </p:txEl>
                                           </p:spTgt>
                                         </p:tgtEl>
@@ -6039,7 +7012,7 @@
 </p:sld>
 </file>
 
-<file path=ppt/slides/slide15.xml><?xml version="1.0" encoding="utf-8"?>
+<file path=ppt/slides/slide18.xml><?xml version="1.0" encoding="utf-8"?>
 <p:sld xmlns:a="http://schemas.openxmlformats.org/drawingml/2006/main" xmlns:r="http://schemas.openxmlformats.org/officeDocument/2006/relationships" xmlns:p="http://schemas.openxmlformats.org/presentationml/2006/main">
   <p:cSld>
     <p:spTree>
@@ -6113,7 +7086,7 @@
         <p:spPr>
           <a:xfrm>
             <a:off x="539603" y="945629"/>
-            <a:ext cx="8355015" cy="3662541"/>
+            <a:ext cx="8355015" cy="3970318"/>
           </a:xfrm>
           <a:prstGeom prst="rect">
             <a:avLst/>
@@ -6151,7 +7124,7 @@
                 <a:cs typeface="Times New Roman" panose="02020603050405020304" pitchFamily="18" charset="0"/>
                 <a:hlinkClick r:id="rId2"/>
               </a:rPr>
-              <a:t>https://diversity.arizona.edu/sites/default/files/stereotype_threat_overview.pdf</a:t>
+              <a:t>https://www.colorado.edu/center/teaching-learning/inclusivity/stereotype-threat</a:t>
             </a:r>
             <a:endParaRPr lang="en-US" sz="2000" dirty="0">
               <a:latin typeface="Times New Roman" panose="02020603050405020304" pitchFamily="18" charset="0"/>
@@ -6160,7 +7133,27 @@
             </a:endParaRPr>
           </a:p>
           <a:p>
-            <a:pPr marL="457200" indent="-457200">
+            <a:pPr marL="914400" lvl="1" indent="-457200">
+              <a:buFont typeface="Arial" panose="020B0604020202020204" pitchFamily="34" charset="0"/>
+              <a:buChar char="•"/>
+            </a:pPr>
+            <a:r>
+              <a:rPr lang="en-US" sz="2000" dirty="0">
+                <a:latin typeface="Times New Roman" panose="02020603050405020304" pitchFamily="18" charset="0"/>
+                <a:ea typeface="MS Mincho" panose="02020609040205080304" pitchFamily="49" charset="-128"/>
+                <a:cs typeface="Times New Roman" panose="02020603050405020304" pitchFamily="18" charset="0"/>
+                <a:hlinkClick r:id="rId3"/>
+              </a:rPr>
+              <a:t>https://www.simplypsychology.org/stereotype-threat.html</a:t>
+            </a:r>
+            <a:endParaRPr lang="en-US" sz="2000" dirty="0">
+              <a:latin typeface="Times New Roman" panose="02020603050405020304" pitchFamily="18" charset="0"/>
+              <a:ea typeface="MS Mincho" panose="02020609040205080304" pitchFamily="49" charset="-128"/>
+              <a:cs typeface="Times New Roman" panose="02020603050405020304" pitchFamily="18" charset="0"/>
+            </a:endParaRPr>
+          </a:p>
+          <a:p>
+            <a:pPr marL="914400" lvl="1" indent="-457200">
               <a:buFont typeface="Arial" panose="020B0604020202020204" pitchFamily="34" charset="0"/>
               <a:buChar char="•"/>
             </a:pPr>
@@ -6239,7 +7232,7 @@
     </p:spTree>
     <p:extLst>
       <p:ext uri="{BB962C8B-B14F-4D97-AF65-F5344CB8AC3E}">
-        <p14:creationId xmlns:p14="http://schemas.microsoft.com/office/powerpoint/2010/main" val="3095473469"/>
+        <p14:creationId xmlns:p14="http://schemas.microsoft.com/office/powerpoint/2010/main" val="3856670769"/>
       </p:ext>
     </p:extLst>
   </p:cSld>
@@ -6249,7 +7242,7 @@
 </p:sld>
 </file>
 
-<file path=ppt/slides/slide16.xml><?xml version="1.0" encoding="utf-8"?>
+<file path=ppt/slides/slide19.xml><?xml version="1.0" encoding="utf-8"?>
 <p:sld xmlns:a="http://schemas.openxmlformats.org/drawingml/2006/main" xmlns:r="http://schemas.openxmlformats.org/officeDocument/2006/relationships" xmlns:p="http://schemas.openxmlformats.org/presentationml/2006/main">
   <p:cSld>
     <p:spTree>
@@ -6323,676 +7316,6 @@
         <p:spPr>
           <a:xfrm>
             <a:off x="539603" y="945629"/>
-            <a:ext cx="8355015" cy="3354765"/>
-          </a:xfrm>
-          <a:prstGeom prst="rect">
-            <a:avLst/>
-          </a:prstGeom>
-          <a:noFill/>
-        </p:spPr>
-        <p:txBody>
-          <a:bodyPr wrap="square" rtlCol="0">
-            <a:spAutoFit/>
-          </a:bodyPr>
-          <a:lstStyle/>
-          <a:p>
-            <a:pPr marL="342900" indent="-342900">
-              <a:buFont typeface="Arial" panose="020B0604020202020204" pitchFamily="34" charset="0"/>
-              <a:buChar char="•"/>
-            </a:pPr>
-            <a:r>
-              <a:rPr lang="en-US" sz="2400" dirty="0">
-                <a:latin typeface="Times New Roman" panose="02020603050405020304" pitchFamily="18" charset="0"/>
-                <a:ea typeface="MS Mincho" panose="02020609040205080304" pitchFamily="49" charset="-128"/>
-                <a:cs typeface="Times New Roman" panose="02020603050405020304" pitchFamily="18" charset="0"/>
-              </a:rPr>
-              <a:t>Resources:</a:t>
-            </a:r>
-          </a:p>
-          <a:p>
-            <a:pPr marL="914400" lvl="1" indent="-457200">
-              <a:buFont typeface="Arial" panose="020B0604020202020204" pitchFamily="34" charset="0"/>
-              <a:buChar char="•"/>
-            </a:pPr>
-            <a:r>
-              <a:rPr lang="en-US" sz="2000" dirty="0">
-                <a:latin typeface="Times New Roman" panose="02020603050405020304" pitchFamily="18" charset="0"/>
-                <a:ea typeface="MS Mincho" panose="02020609040205080304" pitchFamily="49" charset="-128"/>
-                <a:cs typeface="Times New Roman" panose="02020603050405020304" pitchFamily="18" charset="0"/>
-                <a:hlinkClick r:id="rId2"/>
-              </a:rPr>
-              <a:t>https://www.tci-thaijo.org/index.php/IJBS/article/view/521</a:t>
-            </a:r>
-            <a:endParaRPr lang="en-US" sz="2000" dirty="0">
-              <a:latin typeface="Times New Roman" panose="02020603050405020304" pitchFamily="18" charset="0"/>
-              <a:ea typeface="MS Mincho" panose="02020609040205080304" pitchFamily="49" charset="-128"/>
-              <a:cs typeface="Times New Roman" panose="02020603050405020304" pitchFamily="18" charset="0"/>
-            </a:endParaRPr>
-          </a:p>
-          <a:p>
-            <a:pPr marL="457200" indent="-457200">
-              <a:buFont typeface="Arial" panose="020B0604020202020204" pitchFamily="34" charset="0"/>
-              <a:buChar char="•"/>
-            </a:pPr>
-            <a:endParaRPr lang="en-US" sz="800" dirty="0">
-              <a:latin typeface="Times New Roman" panose="02020603050405020304" pitchFamily="18" charset="0"/>
-              <a:ea typeface="MS Mincho" panose="02020609040205080304" pitchFamily="49" charset="-128"/>
-              <a:cs typeface="Times New Roman" panose="02020603050405020304" pitchFamily="18" charset="0"/>
-            </a:endParaRPr>
-          </a:p>
-          <a:p>
-            <a:pPr marL="457200" indent="-457200">
-              <a:buFont typeface="Arial" panose="020B0604020202020204" pitchFamily="34" charset="0"/>
-              <a:buChar char="•"/>
-            </a:pPr>
-            <a:r>
-              <a:rPr lang="en-US" sz="2400" dirty="0">
-                <a:latin typeface="Times New Roman" panose="02020603050405020304" pitchFamily="18" charset="0"/>
-                <a:ea typeface="MS Mincho" panose="02020609040205080304" pitchFamily="49" charset="-128"/>
-                <a:cs typeface="Times New Roman" panose="02020603050405020304" pitchFamily="18" charset="0"/>
-              </a:rPr>
-              <a:t>Q1: What is imposter syndrome and in what kind of situations has it been observed / studied?</a:t>
-            </a:r>
-          </a:p>
-          <a:p>
-            <a:pPr marL="457200" indent="-457200">
-              <a:buFont typeface="Arial" panose="020B0604020202020204" pitchFamily="34" charset="0"/>
-              <a:buChar char="•"/>
-            </a:pPr>
-            <a:endParaRPr lang="en-US" sz="800" dirty="0">
-              <a:latin typeface="Times New Roman" panose="02020603050405020304" pitchFamily="18" charset="0"/>
-              <a:ea typeface="MS Mincho" panose="02020609040205080304" pitchFamily="49" charset="-128"/>
-              <a:cs typeface="Times New Roman" panose="02020603050405020304" pitchFamily="18" charset="0"/>
-            </a:endParaRPr>
-          </a:p>
-          <a:p>
-            <a:pPr marL="457200" indent="-457200">
-              <a:buFont typeface="Arial" panose="020B0604020202020204" pitchFamily="34" charset="0"/>
-              <a:buChar char="•"/>
-            </a:pPr>
-            <a:r>
-              <a:rPr lang="en-US" sz="2400" dirty="0">
-                <a:latin typeface="Times New Roman" panose="02020603050405020304" pitchFamily="18" charset="0"/>
-                <a:ea typeface="MS Mincho" panose="02020609040205080304" pitchFamily="49" charset="-128"/>
-                <a:cs typeface="Times New Roman" panose="02020603050405020304" pitchFamily="18" charset="0"/>
-              </a:rPr>
-              <a:t>Q2: How does imposter syndrome impact upon an individual’s performance as a physicist?</a:t>
-            </a:r>
-          </a:p>
-          <a:p>
-            <a:pPr marL="457200" indent="-457200">
-              <a:buFont typeface="Arial" panose="020B0604020202020204" pitchFamily="34" charset="0"/>
-              <a:buChar char="•"/>
-            </a:pPr>
-            <a:endParaRPr lang="en-US" sz="800" dirty="0">
-              <a:latin typeface="Times New Roman" panose="02020603050405020304" pitchFamily="18" charset="0"/>
-              <a:ea typeface="MS Mincho" panose="02020609040205080304" pitchFamily="49" charset="-128"/>
-              <a:cs typeface="Times New Roman" panose="02020603050405020304" pitchFamily="18" charset="0"/>
-            </a:endParaRPr>
-          </a:p>
-          <a:p>
-            <a:pPr marL="457200" indent="-457200">
-              <a:buFont typeface="Arial" panose="020B0604020202020204" pitchFamily="34" charset="0"/>
-              <a:buChar char="•"/>
-            </a:pPr>
-            <a:r>
-              <a:rPr lang="en-US" sz="2400" dirty="0">
-                <a:latin typeface="Times New Roman" panose="02020603050405020304" pitchFamily="18" charset="0"/>
-                <a:ea typeface="MS Mincho" panose="02020609040205080304" pitchFamily="49" charset="-128"/>
-                <a:cs typeface="Times New Roman" panose="02020603050405020304" pitchFamily="18" charset="0"/>
-              </a:rPr>
-              <a:t>Q3: What can an individual do to minimize their own imposter syndrome and/or support individuals with imposter syndrome?</a:t>
-            </a:r>
-          </a:p>
-        </p:txBody>
-      </p:sp>
-    </p:spTree>
-    <p:extLst>
-      <p:ext uri="{BB962C8B-B14F-4D97-AF65-F5344CB8AC3E}">
-        <p14:creationId xmlns:p14="http://schemas.microsoft.com/office/powerpoint/2010/main" val="3537580524"/>
-      </p:ext>
-    </p:extLst>
-  </p:cSld>
-  <p:clrMapOvr>
-    <a:masterClrMapping/>
-  </p:clrMapOvr>
-</p:sld>
-</file>
-
-<file path=ppt/slides/slide17.xml><?xml version="1.0" encoding="utf-8"?>
-<p:sld xmlns:a="http://schemas.openxmlformats.org/drawingml/2006/main" xmlns:r="http://schemas.openxmlformats.org/officeDocument/2006/relationships" xmlns:p="http://schemas.openxmlformats.org/presentationml/2006/main">
-  <p:cSld>
-    <p:spTree>
-      <p:nvGrpSpPr>
-        <p:cNvPr id="1" name=""/>
-        <p:cNvGrpSpPr/>
-        <p:nvPr/>
-      </p:nvGrpSpPr>
-      <p:grpSpPr>
-        <a:xfrm>
-          <a:off x="0" y="0"/>
-          <a:ext cx="0" cy="0"/>
-          <a:chOff x="0" y="0"/>
-          <a:chExt cx="0" cy="0"/>
-        </a:xfrm>
-      </p:grpSpPr>
-      <p:sp>
-        <p:nvSpPr>
-          <p:cNvPr id="4" name="TextBox 3"/>
-          <p:cNvSpPr txBox="1"/>
-          <p:nvPr/>
-        </p:nvSpPr>
-        <p:spPr>
-          <a:xfrm>
-            <a:off x="275549" y="191702"/>
-            <a:ext cx="8682185" cy="553998"/>
-          </a:xfrm>
-          <a:prstGeom prst="rect">
-            <a:avLst/>
-          </a:prstGeom>
-          <a:noFill/>
-        </p:spPr>
-        <p:txBody>
-          <a:bodyPr wrap="none" rtlCol="0">
-            <a:spAutoFit/>
-          </a:bodyPr>
-          <a:lstStyle/>
-          <a:p>
-            <a:r>
-              <a:rPr lang="en-US" sz="3000" b="1" dirty="0">
-                <a:solidFill>
-                  <a:prstClr val="black"/>
-                </a:solidFill>
-                <a:latin typeface="Times New Roman"/>
-                <a:cs typeface="Times New Roman"/>
-              </a:rPr>
-              <a:t>Diversity &amp; Inclusion: Harassment / Discrimination</a:t>
-            </a:r>
-            <a:endParaRPr lang="en-US" sz="2400" b="1" dirty="0">
-              <a:solidFill>
-                <a:prstClr val="black"/>
-              </a:solidFill>
-              <a:latin typeface="Times New Roman"/>
-              <a:cs typeface="Times New Roman"/>
-            </a:endParaRPr>
-          </a:p>
-        </p:txBody>
-      </p:sp>
-      <p:sp>
-        <p:nvSpPr>
-          <p:cNvPr id="6" name="TextBox 5">
-            <a:extLst>
-              <a:ext uri="{FF2B5EF4-FFF2-40B4-BE49-F238E27FC236}">
-                <a16:creationId xmlns:a16="http://schemas.microsoft.com/office/drawing/2014/main" id="{878A97EC-2834-8447-A6B8-2F5335C4C2C1}"/>
-              </a:ext>
-            </a:extLst>
-          </p:cNvPr>
-          <p:cNvSpPr txBox="1"/>
-          <p:nvPr/>
-        </p:nvSpPr>
-        <p:spPr>
-          <a:xfrm>
-            <a:off x="539603" y="945629"/>
-            <a:ext cx="8355015" cy="4278094"/>
-          </a:xfrm>
-          <a:prstGeom prst="rect">
-            <a:avLst/>
-          </a:prstGeom>
-          <a:noFill/>
-        </p:spPr>
-        <p:txBody>
-          <a:bodyPr wrap="square" rtlCol="0">
-            <a:spAutoFit/>
-          </a:bodyPr>
-          <a:lstStyle/>
-          <a:p>
-            <a:pPr marL="342900" indent="-342900">
-              <a:buFont typeface="Arial" panose="020B0604020202020204" pitchFamily="34" charset="0"/>
-              <a:buChar char="•"/>
-            </a:pPr>
-            <a:r>
-              <a:rPr lang="en-US" sz="2400" dirty="0">
-                <a:latin typeface="Times New Roman" panose="02020603050405020304" pitchFamily="18" charset="0"/>
-                <a:ea typeface="MS Mincho" panose="02020609040205080304" pitchFamily="49" charset="-128"/>
-                <a:cs typeface="Times New Roman" panose="02020603050405020304" pitchFamily="18" charset="0"/>
-              </a:rPr>
-              <a:t>Resources:</a:t>
-            </a:r>
-          </a:p>
-          <a:p>
-            <a:pPr marL="914400" lvl="1" indent="-457200">
-              <a:buFont typeface="Arial" panose="020B0604020202020204" pitchFamily="34" charset="0"/>
-              <a:buChar char="•"/>
-            </a:pPr>
-            <a:r>
-              <a:rPr lang="en-US" sz="2000" dirty="0">
-                <a:latin typeface="Times New Roman" panose="02020603050405020304" pitchFamily="18" charset="0"/>
-                <a:ea typeface="MS Mincho" panose="02020609040205080304" pitchFamily="49" charset="-128"/>
-                <a:cs typeface="Times New Roman" panose="02020603050405020304" pitchFamily="18" charset="0"/>
-                <a:hlinkClick r:id="rId2"/>
-              </a:rPr>
-              <a:t>https://i-sight.com/resources/11-types-of-workplace-harassment-and-how-to-stop-them/</a:t>
-            </a:r>
-            <a:endParaRPr lang="en-US" sz="2000" dirty="0">
-              <a:latin typeface="Times New Roman" panose="02020603050405020304" pitchFamily="18" charset="0"/>
-              <a:ea typeface="MS Mincho" panose="02020609040205080304" pitchFamily="49" charset="-128"/>
-              <a:cs typeface="Times New Roman" panose="02020603050405020304" pitchFamily="18" charset="0"/>
-            </a:endParaRPr>
-          </a:p>
-          <a:p>
-            <a:pPr marL="914400" lvl="1" indent="-457200">
-              <a:buFont typeface="Arial" panose="020B0604020202020204" pitchFamily="34" charset="0"/>
-              <a:buChar char="•"/>
-            </a:pPr>
-            <a:r>
-              <a:rPr lang="en-US" sz="2000" dirty="0">
-                <a:latin typeface="Times New Roman" panose="02020603050405020304" pitchFamily="18" charset="0"/>
-                <a:ea typeface="MS Mincho" panose="02020609040205080304" pitchFamily="49" charset="-128"/>
-                <a:cs typeface="Times New Roman" panose="02020603050405020304" pitchFamily="18" charset="0"/>
-                <a:hlinkClick r:id="rId3"/>
-              </a:rPr>
-              <a:t>https://www.projectcallisto.org</a:t>
-            </a:r>
-            <a:endParaRPr lang="en-US" sz="2000" dirty="0">
-              <a:latin typeface="Times New Roman" panose="02020603050405020304" pitchFamily="18" charset="0"/>
-              <a:ea typeface="MS Mincho" panose="02020609040205080304" pitchFamily="49" charset="-128"/>
-              <a:cs typeface="Times New Roman" panose="02020603050405020304" pitchFamily="18" charset="0"/>
-            </a:endParaRPr>
-          </a:p>
-          <a:p>
-            <a:pPr marL="914400" lvl="1" indent="-457200">
-              <a:buFont typeface="Arial" panose="020B0604020202020204" pitchFamily="34" charset="0"/>
-              <a:buChar char="•"/>
-            </a:pPr>
-            <a:r>
-              <a:rPr lang="en-US" sz="2000" dirty="0">
-                <a:latin typeface="Times New Roman" panose="02020603050405020304" pitchFamily="18" charset="0"/>
-                <a:ea typeface="MS Mincho" panose="02020609040205080304" pitchFamily="49" charset="-128"/>
-                <a:cs typeface="Times New Roman" panose="02020603050405020304" pitchFamily="18" charset="0"/>
-                <a:hlinkClick r:id="rId4"/>
-              </a:rPr>
-              <a:t>https://haven.gwu.edu</a:t>
-            </a:r>
-            <a:endParaRPr lang="en-US" sz="2000" dirty="0">
-              <a:latin typeface="Times New Roman" panose="02020603050405020304" pitchFamily="18" charset="0"/>
-              <a:ea typeface="MS Mincho" panose="02020609040205080304" pitchFamily="49" charset="-128"/>
-              <a:cs typeface="Times New Roman" panose="02020603050405020304" pitchFamily="18" charset="0"/>
-            </a:endParaRPr>
-          </a:p>
-          <a:p>
-            <a:pPr marL="914400" lvl="1" indent="-457200">
-              <a:buFont typeface="Arial" panose="020B0604020202020204" pitchFamily="34" charset="0"/>
-              <a:buChar char="•"/>
-            </a:pPr>
-            <a:endParaRPr lang="en-US" sz="800" dirty="0">
-              <a:latin typeface="Times New Roman" panose="02020603050405020304" pitchFamily="18" charset="0"/>
-              <a:ea typeface="MS Mincho" panose="02020609040205080304" pitchFamily="49" charset="-128"/>
-              <a:cs typeface="Times New Roman" panose="02020603050405020304" pitchFamily="18" charset="0"/>
-            </a:endParaRPr>
-          </a:p>
-          <a:p>
-            <a:pPr marL="457200" indent="-457200">
-              <a:buFont typeface="Arial" panose="020B0604020202020204" pitchFamily="34" charset="0"/>
-              <a:buChar char="•"/>
-            </a:pPr>
-            <a:r>
-              <a:rPr lang="en-US" sz="2400" dirty="0">
-                <a:latin typeface="Times New Roman" panose="02020603050405020304" pitchFamily="18" charset="0"/>
-                <a:ea typeface="MS Mincho" panose="02020609040205080304" pitchFamily="49" charset="-128"/>
-                <a:cs typeface="Times New Roman" panose="02020603050405020304" pitchFamily="18" charset="0"/>
-              </a:rPr>
-              <a:t>Q1: What types of harassment can occur in the professional physics environment?</a:t>
-            </a:r>
-          </a:p>
-          <a:p>
-            <a:pPr marL="457200" indent="-457200">
-              <a:buFont typeface="Arial" panose="020B0604020202020204" pitchFamily="34" charset="0"/>
-              <a:buChar char="•"/>
-            </a:pPr>
-            <a:endParaRPr lang="en-US" sz="800" dirty="0">
-              <a:latin typeface="Times New Roman" panose="02020603050405020304" pitchFamily="18" charset="0"/>
-              <a:ea typeface="MS Mincho" panose="02020609040205080304" pitchFamily="49" charset="-128"/>
-              <a:cs typeface="Times New Roman" panose="02020603050405020304" pitchFamily="18" charset="0"/>
-            </a:endParaRPr>
-          </a:p>
-          <a:p>
-            <a:pPr marL="457200" indent="-457200">
-              <a:buFont typeface="Arial" panose="020B0604020202020204" pitchFamily="34" charset="0"/>
-              <a:buChar char="•"/>
-            </a:pPr>
-            <a:r>
-              <a:rPr lang="en-US" sz="2400" dirty="0">
-                <a:latin typeface="Times New Roman" panose="02020603050405020304" pitchFamily="18" charset="0"/>
-                <a:ea typeface="MS Mincho" panose="02020609040205080304" pitchFamily="49" charset="-128"/>
-                <a:cs typeface="Times New Roman" panose="02020603050405020304" pitchFamily="18" charset="0"/>
-              </a:rPr>
-              <a:t>Q2: What steps can individuals and the community take to minimize the incidence of harassment?</a:t>
-            </a:r>
-          </a:p>
-          <a:p>
-            <a:pPr marL="457200" indent="-457200">
-              <a:buFont typeface="Arial" panose="020B0604020202020204" pitchFamily="34" charset="0"/>
-              <a:buChar char="•"/>
-            </a:pPr>
-            <a:endParaRPr lang="en-US" sz="800" dirty="0">
-              <a:latin typeface="Times New Roman" panose="02020603050405020304" pitchFamily="18" charset="0"/>
-              <a:ea typeface="MS Mincho" panose="02020609040205080304" pitchFamily="49" charset="-128"/>
-              <a:cs typeface="Times New Roman" panose="02020603050405020304" pitchFamily="18" charset="0"/>
-            </a:endParaRPr>
-          </a:p>
-          <a:p>
-            <a:pPr marL="457200" indent="-457200">
-              <a:buFont typeface="Arial" panose="020B0604020202020204" pitchFamily="34" charset="0"/>
-              <a:buChar char="•"/>
-            </a:pPr>
-            <a:r>
-              <a:rPr lang="en-US" sz="2400" dirty="0">
-                <a:latin typeface="Times New Roman" panose="02020603050405020304" pitchFamily="18" charset="0"/>
-                <a:ea typeface="MS Mincho" panose="02020609040205080304" pitchFamily="49" charset="-128"/>
-                <a:cs typeface="Times New Roman" panose="02020603050405020304" pitchFamily="18" charset="0"/>
-              </a:rPr>
-              <a:t>Q3: How can individuals react to minimize harm in situations where harassment has occurred or is occurring?</a:t>
-            </a:r>
-          </a:p>
-        </p:txBody>
-      </p:sp>
-    </p:spTree>
-    <p:extLst>
-      <p:ext uri="{BB962C8B-B14F-4D97-AF65-F5344CB8AC3E}">
-        <p14:creationId xmlns:p14="http://schemas.microsoft.com/office/powerpoint/2010/main" val="4106925271"/>
-      </p:ext>
-    </p:extLst>
-  </p:cSld>
-  <p:clrMapOvr>
-    <a:masterClrMapping/>
-  </p:clrMapOvr>
-</p:sld>
-</file>
-
-<file path=ppt/slides/slide18.xml><?xml version="1.0" encoding="utf-8"?>
-<p:sld xmlns:a="http://schemas.openxmlformats.org/drawingml/2006/main" xmlns:r="http://schemas.openxmlformats.org/officeDocument/2006/relationships" xmlns:p="http://schemas.openxmlformats.org/presentationml/2006/main">
-  <p:cSld>
-    <p:spTree>
-      <p:nvGrpSpPr>
-        <p:cNvPr id="1" name=""/>
-        <p:cNvGrpSpPr/>
-        <p:nvPr/>
-      </p:nvGrpSpPr>
-      <p:grpSpPr>
-        <a:xfrm>
-          <a:off x="0" y="0"/>
-          <a:ext cx="0" cy="0"/>
-          <a:chOff x="0" y="0"/>
-          <a:chExt cx="0" cy="0"/>
-        </a:xfrm>
-      </p:grpSpPr>
-      <p:sp>
-        <p:nvSpPr>
-          <p:cNvPr id="4" name="TextBox 3"/>
-          <p:cNvSpPr txBox="1"/>
-          <p:nvPr/>
-        </p:nvSpPr>
-        <p:spPr>
-          <a:xfrm>
-            <a:off x="275549" y="191702"/>
-            <a:ext cx="6644768" cy="553998"/>
-          </a:xfrm>
-          <a:prstGeom prst="rect">
-            <a:avLst/>
-          </a:prstGeom>
-          <a:noFill/>
-        </p:spPr>
-        <p:txBody>
-          <a:bodyPr wrap="none" rtlCol="0">
-            <a:spAutoFit/>
-          </a:bodyPr>
-          <a:lstStyle/>
-          <a:p>
-            <a:r>
-              <a:rPr lang="en-US" sz="3000" b="1" dirty="0">
-                <a:solidFill>
-                  <a:prstClr val="black"/>
-                </a:solidFill>
-                <a:latin typeface="Times New Roman"/>
-                <a:cs typeface="Times New Roman"/>
-              </a:rPr>
-              <a:t>Diversity &amp; Inclusion: LGBTQ+ Status</a:t>
-            </a:r>
-            <a:endParaRPr lang="en-US" sz="2400" b="1" dirty="0">
-              <a:solidFill>
-                <a:prstClr val="black"/>
-              </a:solidFill>
-              <a:latin typeface="Times New Roman"/>
-              <a:cs typeface="Times New Roman"/>
-            </a:endParaRPr>
-          </a:p>
-        </p:txBody>
-      </p:sp>
-      <p:sp>
-        <p:nvSpPr>
-          <p:cNvPr id="6" name="TextBox 5">
-            <a:extLst>
-              <a:ext uri="{FF2B5EF4-FFF2-40B4-BE49-F238E27FC236}">
-                <a16:creationId xmlns:a16="http://schemas.microsoft.com/office/drawing/2014/main" id="{878A97EC-2834-8447-A6B8-2F5335C4C2C1}"/>
-              </a:ext>
-            </a:extLst>
-          </p:cNvPr>
-          <p:cNvSpPr txBox="1"/>
-          <p:nvPr/>
-        </p:nvSpPr>
-        <p:spPr>
-          <a:xfrm>
-            <a:off x="539603" y="945629"/>
-            <a:ext cx="8355015" cy="3724096"/>
-          </a:xfrm>
-          <a:prstGeom prst="rect">
-            <a:avLst/>
-          </a:prstGeom>
-          <a:noFill/>
-        </p:spPr>
-        <p:txBody>
-          <a:bodyPr wrap="square" rtlCol="0">
-            <a:spAutoFit/>
-          </a:bodyPr>
-          <a:lstStyle/>
-          <a:p>
-            <a:pPr marL="342900" indent="-342900">
-              <a:buFont typeface="Arial" panose="020B0604020202020204" pitchFamily="34" charset="0"/>
-              <a:buChar char="•"/>
-            </a:pPr>
-            <a:r>
-              <a:rPr lang="en-US" sz="2400" dirty="0">
-                <a:latin typeface="Times New Roman" panose="02020603050405020304" pitchFamily="18" charset="0"/>
-                <a:ea typeface="MS Mincho" panose="02020609040205080304" pitchFamily="49" charset="-128"/>
-                <a:cs typeface="Times New Roman" panose="02020603050405020304" pitchFamily="18" charset="0"/>
-              </a:rPr>
-              <a:t>Resources:</a:t>
-            </a:r>
-          </a:p>
-          <a:p>
-            <a:pPr marL="914400" lvl="1" indent="-457200">
-              <a:buFont typeface="Arial" panose="020B0604020202020204" pitchFamily="34" charset="0"/>
-              <a:buChar char="•"/>
-            </a:pPr>
-            <a:r>
-              <a:rPr lang="en-US" sz="2000" dirty="0">
-                <a:latin typeface="Times New Roman" panose="02020603050405020304" pitchFamily="18" charset="0"/>
-                <a:ea typeface="MS Mincho" panose="02020609040205080304" pitchFamily="49" charset="-128"/>
-                <a:cs typeface="Times New Roman" panose="02020603050405020304" pitchFamily="18" charset="0"/>
-                <a:hlinkClick r:id="rId2"/>
-              </a:rPr>
-              <a:t>https://www.aps.org/programs/lgbt/index.cfm</a:t>
-            </a:r>
-            <a:endParaRPr lang="en-US" sz="2000" dirty="0">
-              <a:latin typeface="Times New Roman" panose="02020603050405020304" pitchFamily="18" charset="0"/>
-              <a:ea typeface="MS Mincho" panose="02020609040205080304" pitchFamily="49" charset="-128"/>
-              <a:cs typeface="Times New Roman" panose="02020603050405020304" pitchFamily="18" charset="0"/>
-            </a:endParaRPr>
-          </a:p>
-          <a:p>
-            <a:pPr marL="914400" lvl="1" indent="-457200">
-              <a:buFont typeface="Arial" panose="020B0604020202020204" pitchFamily="34" charset="0"/>
-              <a:buChar char="•"/>
-            </a:pPr>
-            <a:endParaRPr lang="en-US" sz="800" dirty="0">
-              <a:latin typeface="Times New Roman" panose="02020603050405020304" pitchFamily="18" charset="0"/>
-              <a:ea typeface="MS Mincho" panose="02020609040205080304" pitchFamily="49" charset="-128"/>
-              <a:cs typeface="Times New Roman" panose="02020603050405020304" pitchFamily="18" charset="0"/>
-            </a:endParaRPr>
-          </a:p>
-          <a:p>
-            <a:pPr marL="457200" indent="-457200">
-              <a:buFont typeface="Arial" panose="020B0604020202020204" pitchFamily="34" charset="0"/>
-              <a:buChar char="•"/>
-            </a:pPr>
-            <a:r>
-              <a:rPr lang="en-US" sz="2400" dirty="0">
-                <a:latin typeface="Times New Roman" panose="02020603050405020304" pitchFamily="18" charset="0"/>
-                <a:ea typeface="MS Mincho" panose="02020609040205080304" pitchFamily="49" charset="-128"/>
-                <a:cs typeface="Times New Roman" panose="02020603050405020304" pitchFamily="18" charset="0"/>
-              </a:rPr>
-              <a:t>Q1: What hurdles do LGBTQ+ individuals face within the physics community?</a:t>
-            </a:r>
-          </a:p>
-          <a:p>
-            <a:pPr marL="457200" indent="-457200">
-              <a:buFont typeface="Arial" panose="020B0604020202020204" pitchFamily="34" charset="0"/>
-              <a:buChar char="•"/>
-            </a:pPr>
-            <a:endParaRPr lang="en-US" sz="800" dirty="0">
-              <a:latin typeface="Times New Roman" panose="02020603050405020304" pitchFamily="18" charset="0"/>
-              <a:ea typeface="MS Mincho" panose="02020609040205080304" pitchFamily="49" charset="-128"/>
-              <a:cs typeface="Times New Roman" panose="02020603050405020304" pitchFamily="18" charset="0"/>
-            </a:endParaRPr>
-          </a:p>
-          <a:p>
-            <a:pPr marL="457200" indent="-457200">
-              <a:buFont typeface="Arial" panose="020B0604020202020204" pitchFamily="34" charset="0"/>
-              <a:buChar char="•"/>
-            </a:pPr>
-            <a:r>
-              <a:rPr lang="en-US" sz="2400" dirty="0">
-                <a:latin typeface="Times New Roman" panose="02020603050405020304" pitchFamily="18" charset="0"/>
-                <a:ea typeface="MS Mincho" panose="02020609040205080304" pitchFamily="49" charset="-128"/>
-                <a:cs typeface="Times New Roman" panose="02020603050405020304" pitchFamily="18" charset="0"/>
-              </a:rPr>
-              <a:t>Q2: What hurdles do LGBTQ+ individuals face within the university environment?</a:t>
-            </a:r>
-          </a:p>
-          <a:p>
-            <a:pPr marL="457200" indent="-457200">
-              <a:buFont typeface="Arial" panose="020B0604020202020204" pitchFamily="34" charset="0"/>
-              <a:buChar char="•"/>
-            </a:pPr>
-            <a:endParaRPr lang="en-US" sz="800" dirty="0">
-              <a:latin typeface="Times New Roman" panose="02020603050405020304" pitchFamily="18" charset="0"/>
-              <a:ea typeface="MS Mincho" panose="02020609040205080304" pitchFamily="49" charset="-128"/>
-              <a:cs typeface="Times New Roman" panose="02020603050405020304" pitchFamily="18" charset="0"/>
-            </a:endParaRPr>
-          </a:p>
-          <a:p>
-            <a:pPr marL="457200" indent="-457200">
-              <a:buFont typeface="Arial" panose="020B0604020202020204" pitchFamily="34" charset="0"/>
-              <a:buChar char="•"/>
-            </a:pPr>
-            <a:r>
-              <a:rPr lang="en-US" sz="2400" dirty="0">
-                <a:latin typeface="Times New Roman" panose="02020603050405020304" pitchFamily="18" charset="0"/>
-                <a:ea typeface="MS Mincho" panose="02020609040205080304" pitchFamily="49" charset="-128"/>
-                <a:cs typeface="Times New Roman" panose="02020603050405020304" pitchFamily="18" charset="0"/>
-              </a:rPr>
-              <a:t>Q3: What can be done to improve inclusion of LGBTQ+ individuals within the physics department and the physics community?</a:t>
-            </a:r>
-          </a:p>
-        </p:txBody>
-      </p:sp>
-    </p:spTree>
-    <p:extLst>
-      <p:ext uri="{BB962C8B-B14F-4D97-AF65-F5344CB8AC3E}">
-        <p14:creationId xmlns:p14="http://schemas.microsoft.com/office/powerpoint/2010/main" val="602537703"/>
-      </p:ext>
-    </p:extLst>
-  </p:cSld>
-  <p:clrMapOvr>
-    <a:masterClrMapping/>
-  </p:clrMapOvr>
-</p:sld>
-</file>
-
-<file path=ppt/slides/slide19.xml><?xml version="1.0" encoding="utf-8"?>
-<p:sld xmlns:a="http://schemas.openxmlformats.org/drawingml/2006/main" xmlns:r="http://schemas.openxmlformats.org/officeDocument/2006/relationships" xmlns:p="http://schemas.openxmlformats.org/presentationml/2006/main">
-  <p:cSld>
-    <p:spTree>
-      <p:nvGrpSpPr>
-        <p:cNvPr id="1" name=""/>
-        <p:cNvGrpSpPr/>
-        <p:nvPr/>
-      </p:nvGrpSpPr>
-      <p:grpSpPr>
-        <a:xfrm>
-          <a:off x="0" y="0"/>
-          <a:ext cx="0" cy="0"/>
-          <a:chOff x="0" y="0"/>
-          <a:chExt cx="0" cy="0"/>
-        </a:xfrm>
-      </p:grpSpPr>
-      <p:sp>
-        <p:nvSpPr>
-          <p:cNvPr id="4" name="TextBox 3"/>
-          <p:cNvSpPr txBox="1"/>
-          <p:nvPr/>
-        </p:nvSpPr>
-        <p:spPr>
-          <a:xfrm>
-            <a:off x="275549" y="191702"/>
-            <a:ext cx="7750840" cy="553998"/>
-          </a:xfrm>
-          <a:prstGeom prst="rect">
-            <a:avLst/>
-          </a:prstGeom>
-          <a:noFill/>
-        </p:spPr>
-        <p:txBody>
-          <a:bodyPr wrap="none" rtlCol="0">
-            <a:spAutoFit/>
-          </a:bodyPr>
-          <a:lstStyle/>
-          <a:p>
-            <a:r>
-              <a:rPr lang="en-US" sz="3000" b="1" dirty="0">
-                <a:solidFill>
-                  <a:prstClr val="black"/>
-                </a:solidFill>
-                <a:latin typeface="Times New Roman"/>
-                <a:cs typeface="Times New Roman"/>
-              </a:rPr>
-              <a:t>Diversity &amp; Inclusion: Caring Responsibilities</a:t>
-            </a:r>
-            <a:endParaRPr lang="en-US" sz="2400" b="1" dirty="0">
-              <a:solidFill>
-                <a:prstClr val="black"/>
-              </a:solidFill>
-              <a:latin typeface="Times New Roman"/>
-              <a:cs typeface="Times New Roman"/>
-            </a:endParaRPr>
-          </a:p>
-        </p:txBody>
-      </p:sp>
-      <p:sp>
-        <p:nvSpPr>
-          <p:cNvPr id="6" name="TextBox 5">
-            <a:extLst>
-              <a:ext uri="{FF2B5EF4-FFF2-40B4-BE49-F238E27FC236}">
-                <a16:creationId xmlns:a16="http://schemas.microsoft.com/office/drawing/2014/main" id="{878A97EC-2834-8447-A6B8-2F5335C4C2C1}"/>
-              </a:ext>
-            </a:extLst>
-          </p:cNvPr>
-          <p:cNvSpPr txBox="1"/>
-          <p:nvPr/>
-        </p:nvSpPr>
-        <p:spPr>
-          <a:xfrm>
-            <a:off x="539603" y="945629"/>
             <a:ext cx="8355015" cy="3970318"/>
           </a:xfrm>
           <a:prstGeom prst="rect">
@@ -7031,7 +7354,7 @@
                 <a:cs typeface="Times New Roman" panose="02020603050405020304" pitchFamily="18" charset="0"/>
                 <a:hlinkClick r:id="rId2"/>
               </a:rPr>
-              <a:t>https://www.oecd.org/els/health-systems/47884865.pdf</a:t>
+              <a:t>https://www.tci-thaijo.org/index.php/IJBS/article/view/521</a:t>
             </a:r>
             <a:endParaRPr lang="en-US" sz="2000" dirty="0">
               <a:latin typeface="Times New Roman" panose="02020603050405020304" pitchFamily="18" charset="0"/>
@@ -7051,7 +7374,7 @@
                 <a:cs typeface="Times New Roman" panose="02020603050405020304" pitchFamily="18" charset="0"/>
                 <a:hlinkClick r:id="rId3"/>
               </a:rPr>
-              <a:t>https://www.theguardian.com/lifeandstyle/parents-and-parenting+money/work-and-careers</a:t>
+              <a:t>https://careers.seas.gwu.edu/blog/2023/02/24/imposter-syndrome-and-how-you-can-fight-against-it/</a:t>
             </a:r>
             <a:endParaRPr lang="en-US" sz="2000" dirty="0">
               <a:latin typeface="Times New Roman" panose="02020603050405020304" pitchFamily="18" charset="0"/>
@@ -7060,7 +7383,7 @@
             </a:endParaRPr>
           </a:p>
           <a:p>
-            <a:pPr marL="914400" lvl="1" indent="-457200">
+            <a:pPr marL="457200" indent="-457200">
               <a:buFont typeface="Arial" panose="020B0604020202020204" pitchFamily="34" charset="0"/>
               <a:buChar char="•"/>
             </a:pPr>
@@ -7081,7 +7404,7 @@
                 <a:ea typeface="MS Mincho" panose="02020609040205080304" pitchFamily="49" charset="-128"/>
                 <a:cs typeface="Times New Roman" panose="02020603050405020304" pitchFamily="18" charset="0"/>
               </a:rPr>
-              <a:t>Q1: What issues are there for parents in the physics community?</a:t>
+              <a:t>Q1: What is imposter syndrome and in what kind of situations has it been observed / studied?</a:t>
             </a:r>
           </a:p>
           <a:p>
@@ -7106,23 +7429,7 @@
                 <a:ea typeface="MS Mincho" panose="02020609040205080304" pitchFamily="49" charset="-128"/>
                 <a:cs typeface="Times New Roman" panose="02020603050405020304" pitchFamily="18" charset="0"/>
               </a:rPr>
-              <a:t>Q2: What issues are there for </a:t>
-            </a:r>
-            <a:r>
-              <a:rPr lang="en-US" sz="2400" dirty="0" err="1">
-                <a:latin typeface="Times New Roman" panose="02020603050405020304" pitchFamily="18" charset="0"/>
-                <a:ea typeface="MS Mincho" panose="02020609040205080304" pitchFamily="49" charset="-128"/>
-                <a:cs typeface="Times New Roman" panose="02020603050405020304" pitchFamily="18" charset="0"/>
-              </a:rPr>
-              <a:t>carers</a:t>
-            </a:r>
-            <a:r>
-              <a:rPr lang="en-US" sz="2400" dirty="0">
-                <a:latin typeface="Times New Roman" panose="02020603050405020304" pitchFamily="18" charset="0"/>
-                <a:ea typeface="MS Mincho" panose="02020609040205080304" pitchFamily="49" charset="-128"/>
-                <a:cs typeface="Times New Roman" panose="02020603050405020304" pitchFamily="18" charset="0"/>
-              </a:rPr>
-              <a:t> in the physics community?</a:t>
+              <a:t>Q2: How does imposter syndrome impact upon an individual’s performance as a physicist?</a:t>
             </a:r>
           </a:p>
           <a:p>
@@ -7147,23 +7454,7 @@
                 <a:ea typeface="MS Mincho" panose="02020609040205080304" pitchFamily="49" charset="-128"/>
                 <a:cs typeface="Times New Roman" panose="02020603050405020304" pitchFamily="18" charset="0"/>
               </a:rPr>
-              <a:t>Q3: What can be done to make life easier for parents and/or </a:t>
-            </a:r>
-            <a:r>
-              <a:rPr lang="en-US" sz="2400" dirty="0" err="1">
-                <a:latin typeface="Times New Roman" panose="02020603050405020304" pitchFamily="18" charset="0"/>
-                <a:ea typeface="MS Mincho" panose="02020609040205080304" pitchFamily="49" charset="-128"/>
-                <a:cs typeface="Times New Roman" panose="02020603050405020304" pitchFamily="18" charset="0"/>
-              </a:rPr>
-              <a:t>carers</a:t>
-            </a:r>
-            <a:r>
-              <a:rPr lang="en-US" sz="2400" dirty="0">
-                <a:latin typeface="Times New Roman" panose="02020603050405020304" pitchFamily="18" charset="0"/>
-                <a:ea typeface="MS Mincho" panose="02020609040205080304" pitchFamily="49" charset="-128"/>
-                <a:cs typeface="Times New Roman" panose="02020603050405020304" pitchFamily="18" charset="0"/>
-              </a:rPr>
-              <a:t> within the physics department and the physics community?</a:t>
+              <a:t>Q3: What can an individual do to minimize their own imposter syndrome and/or support individuals with imposter syndrome?</a:t>
             </a:r>
           </a:p>
         </p:txBody>
@@ -7171,7 +7462,7 @@
     </p:spTree>
     <p:extLst>
       <p:ext uri="{BB962C8B-B14F-4D97-AF65-F5344CB8AC3E}">
-        <p14:creationId xmlns:p14="http://schemas.microsoft.com/office/powerpoint/2010/main" val="3191451211"/>
+        <p14:creationId xmlns:p14="http://schemas.microsoft.com/office/powerpoint/2010/main" val="1660188588"/>
       </p:ext>
     </p:extLst>
   </p:cSld>
@@ -7255,7 +7546,7 @@
         <p:spPr>
           <a:xfrm>
             <a:off x="539603" y="945629"/>
-            <a:ext cx="8450017" cy="5262979"/>
+            <a:ext cx="8450017" cy="5755422"/>
           </a:xfrm>
           <a:prstGeom prst="rect">
             <a:avLst/>
@@ -7429,6 +7720,31 @@
                 <a:cs typeface="Times New Roman" panose="02020603050405020304" pitchFamily="18" charset="0"/>
               </a:rPr>
               <a:t>Take away from these classes: ideas &amp; inspiration to improve the physics community</a:t>
+            </a:r>
+          </a:p>
+          <a:p>
+            <a:pPr marL="342900" indent="-342900">
+              <a:buFont typeface="Arial" panose="020B0604020202020204" pitchFamily="34" charset="0"/>
+              <a:buChar char="•"/>
+            </a:pPr>
+            <a:endParaRPr lang="en-US" sz="800" dirty="0">
+              <a:latin typeface="Times New Roman" panose="02020603050405020304" pitchFamily="18" charset="0"/>
+              <a:ea typeface="MS Mincho" panose="02020609040205080304" pitchFamily="49" charset="-128"/>
+              <a:cs typeface="Times New Roman" panose="02020603050405020304" pitchFamily="18" charset="0"/>
+            </a:endParaRPr>
+          </a:p>
+          <a:p>
+            <a:pPr marL="342900" indent="-342900">
+              <a:buFont typeface="Arial" panose="020B0604020202020204" pitchFamily="34" charset="0"/>
+              <a:buChar char="•"/>
+            </a:pPr>
+            <a:r>
+              <a:rPr lang="en-US" sz="2400" dirty="0">
+                <a:latin typeface="Times New Roman" panose="02020603050405020304" pitchFamily="18" charset="0"/>
+                <a:ea typeface="MS Mincho" panose="02020609040205080304" pitchFamily="49" charset="-128"/>
+                <a:cs typeface="Times New Roman" panose="02020603050405020304" pitchFamily="18" charset="0"/>
+              </a:rPr>
+              <a:t>Assume good intent</a:t>
             </a:r>
           </a:p>
         </p:txBody>
@@ -7794,6 +8110,55 @@
                       </p:childTnLst>
                     </p:cTn>
                   </p:par>
+                  <p:par>
+                    <p:cTn id="31" fill="hold">
+                      <p:stCondLst>
+                        <p:cond delay="indefinite"/>
+                      </p:stCondLst>
+                      <p:childTnLst>
+                        <p:par>
+                          <p:cTn id="32" fill="hold">
+                            <p:stCondLst>
+                              <p:cond delay="0"/>
+                            </p:stCondLst>
+                            <p:childTnLst>
+                              <p:par>
+                                <p:cTn id="33" presetID="1" presetClass="entr" presetSubtype="0" fill="hold" nodeType="clickEffect">
+                                  <p:stCondLst>
+                                    <p:cond delay="0"/>
+                                  </p:stCondLst>
+                                  <p:childTnLst>
+                                    <p:set>
+                                      <p:cBhvr>
+                                        <p:cTn id="34" dur="1" fill="hold">
+                                          <p:stCondLst>
+                                            <p:cond delay="0"/>
+                                          </p:stCondLst>
+                                        </p:cTn>
+                                        <p:tgtEl>
+                                          <p:spTgt spid="6">
+                                            <p:txEl>
+                                              <p:pRg st="14" end="14"/>
+                                            </p:txEl>
+                                          </p:spTgt>
+                                        </p:tgtEl>
+                                        <p:attrNameLst>
+                                          <p:attrName>style.visibility</p:attrName>
+                                        </p:attrNameLst>
+                                      </p:cBhvr>
+                                      <p:to>
+                                        <p:strVal val="visible"/>
+                                      </p:to>
+                                    </p:set>
+                                  </p:childTnLst>
+                                </p:cTn>
+                              </p:par>
+                            </p:childTnLst>
+                          </p:cTn>
+                        </p:par>
+                      </p:childTnLst>
+                    </p:cTn>
+                  </p:par>
                 </p:childTnLst>
               </p:cTn>
               <p:prevCondLst>
@@ -7845,6 +8210,998 @@
         <p:spPr>
           <a:xfrm>
             <a:off x="275549" y="191702"/>
+            <a:ext cx="8682185" cy="553998"/>
+          </a:xfrm>
+          <a:prstGeom prst="rect">
+            <a:avLst/>
+          </a:prstGeom>
+          <a:noFill/>
+        </p:spPr>
+        <p:txBody>
+          <a:bodyPr wrap="none" rtlCol="0">
+            <a:spAutoFit/>
+          </a:bodyPr>
+          <a:lstStyle/>
+          <a:p>
+            <a:r>
+              <a:rPr lang="en-US" sz="3000" b="1" dirty="0">
+                <a:solidFill>
+                  <a:prstClr val="black"/>
+                </a:solidFill>
+                <a:latin typeface="Times New Roman"/>
+                <a:cs typeface="Times New Roman"/>
+              </a:rPr>
+              <a:t>Diversity &amp; Inclusion: Harassment / Discrimination</a:t>
+            </a:r>
+            <a:endParaRPr lang="en-US" sz="2400" b="1" dirty="0">
+              <a:solidFill>
+                <a:prstClr val="black"/>
+              </a:solidFill>
+              <a:latin typeface="Times New Roman"/>
+              <a:cs typeface="Times New Roman"/>
+            </a:endParaRPr>
+          </a:p>
+        </p:txBody>
+      </p:sp>
+      <p:sp>
+        <p:nvSpPr>
+          <p:cNvPr id="6" name="TextBox 5">
+            <a:extLst>
+              <a:ext uri="{FF2B5EF4-FFF2-40B4-BE49-F238E27FC236}">
+                <a16:creationId xmlns:a16="http://schemas.microsoft.com/office/drawing/2014/main" id="{878A97EC-2834-8447-A6B8-2F5335C4C2C1}"/>
+              </a:ext>
+            </a:extLst>
+          </p:cNvPr>
+          <p:cNvSpPr txBox="1"/>
+          <p:nvPr/>
+        </p:nvSpPr>
+        <p:spPr>
+          <a:xfrm>
+            <a:off x="539603" y="945629"/>
+            <a:ext cx="8355015" cy="4585871"/>
+          </a:xfrm>
+          <a:prstGeom prst="rect">
+            <a:avLst/>
+          </a:prstGeom>
+          <a:noFill/>
+        </p:spPr>
+        <p:txBody>
+          <a:bodyPr wrap="square" rtlCol="0">
+            <a:spAutoFit/>
+          </a:bodyPr>
+          <a:lstStyle/>
+          <a:p>
+            <a:pPr marL="342900" indent="-342900">
+              <a:buFont typeface="Arial" panose="020B0604020202020204" pitchFamily="34" charset="0"/>
+              <a:buChar char="•"/>
+            </a:pPr>
+            <a:r>
+              <a:rPr lang="en-US" sz="2400" dirty="0">
+                <a:latin typeface="Times New Roman" panose="02020603050405020304" pitchFamily="18" charset="0"/>
+                <a:ea typeface="MS Mincho" panose="02020609040205080304" pitchFamily="49" charset="-128"/>
+                <a:cs typeface="Times New Roman" panose="02020603050405020304" pitchFamily="18" charset="0"/>
+              </a:rPr>
+              <a:t>Resources:</a:t>
+            </a:r>
+          </a:p>
+          <a:p>
+            <a:pPr marL="914400" lvl="1" indent="-457200">
+              <a:buFont typeface="Arial" panose="020B0604020202020204" pitchFamily="34" charset="0"/>
+              <a:buChar char="•"/>
+            </a:pPr>
+            <a:r>
+              <a:rPr lang="en-US" sz="2000" dirty="0">
+                <a:latin typeface="Times New Roman" panose="02020603050405020304" pitchFamily="18" charset="0"/>
+                <a:ea typeface="MS Mincho" panose="02020609040205080304" pitchFamily="49" charset="-128"/>
+                <a:cs typeface="Times New Roman" panose="02020603050405020304" pitchFamily="18" charset="0"/>
+                <a:hlinkClick r:id="rId2"/>
+              </a:rPr>
+              <a:t>https://i-sight.com/resources/11-types-of-workplace-harassment-and-how-to-stop-them/</a:t>
+            </a:r>
+            <a:endParaRPr lang="en-US" sz="2000" dirty="0">
+              <a:latin typeface="Times New Roman" panose="02020603050405020304" pitchFamily="18" charset="0"/>
+              <a:ea typeface="MS Mincho" panose="02020609040205080304" pitchFamily="49" charset="-128"/>
+              <a:cs typeface="Times New Roman" panose="02020603050405020304" pitchFamily="18" charset="0"/>
+            </a:endParaRPr>
+          </a:p>
+          <a:p>
+            <a:pPr marL="914400" lvl="1" indent="-457200">
+              <a:buFont typeface="Arial" panose="020B0604020202020204" pitchFamily="34" charset="0"/>
+              <a:buChar char="•"/>
+            </a:pPr>
+            <a:r>
+              <a:rPr lang="en-US" sz="2000" dirty="0">
+                <a:latin typeface="Times New Roman" panose="02020603050405020304" pitchFamily="18" charset="0"/>
+                <a:ea typeface="MS Mincho" panose="02020609040205080304" pitchFamily="49" charset="-128"/>
+                <a:cs typeface="Times New Roman" panose="02020603050405020304" pitchFamily="18" charset="0"/>
+                <a:hlinkClick r:id="rId3"/>
+              </a:rPr>
+              <a:t>https://www.projectcallisto.org</a:t>
+            </a:r>
+            <a:endParaRPr lang="en-US" sz="2000" dirty="0">
+              <a:latin typeface="Times New Roman" panose="02020603050405020304" pitchFamily="18" charset="0"/>
+              <a:ea typeface="MS Mincho" panose="02020609040205080304" pitchFamily="49" charset="-128"/>
+              <a:cs typeface="Times New Roman" panose="02020603050405020304" pitchFamily="18" charset="0"/>
+            </a:endParaRPr>
+          </a:p>
+          <a:p>
+            <a:pPr marL="914400" lvl="1" indent="-457200">
+              <a:buFont typeface="Arial" panose="020B0604020202020204" pitchFamily="34" charset="0"/>
+              <a:buChar char="•"/>
+            </a:pPr>
+            <a:r>
+              <a:rPr lang="en-US" sz="2000" dirty="0">
+                <a:latin typeface="Times New Roman" panose="02020603050405020304" pitchFamily="18" charset="0"/>
+                <a:ea typeface="MS Mincho" panose="02020609040205080304" pitchFamily="49" charset="-128"/>
+                <a:cs typeface="Times New Roman" panose="02020603050405020304" pitchFamily="18" charset="0"/>
+                <a:hlinkClick r:id="rId4"/>
+              </a:rPr>
+              <a:t>https://haven.gwu.edu</a:t>
+            </a:r>
+            <a:endParaRPr lang="en-US" sz="2000" dirty="0">
+              <a:latin typeface="Times New Roman" panose="02020603050405020304" pitchFamily="18" charset="0"/>
+              <a:ea typeface="MS Mincho" panose="02020609040205080304" pitchFamily="49" charset="-128"/>
+              <a:cs typeface="Times New Roman" panose="02020603050405020304" pitchFamily="18" charset="0"/>
+            </a:endParaRPr>
+          </a:p>
+          <a:p>
+            <a:pPr marL="914400" lvl="1" indent="-457200">
+              <a:buFont typeface="Arial" panose="020B0604020202020204" pitchFamily="34" charset="0"/>
+              <a:buChar char="•"/>
+            </a:pPr>
+            <a:r>
+              <a:rPr lang="en-US" sz="2000" dirty="0">
+                <a:latin typeface="Times New Roman" panose="02020603050405020304" pitchFamily="18" charset="0"/>
+                <a:ea typeface="MS Mincho" panose="02020609040205080304" pitchFamily="49" charset="-128"/>
+                <a:cs typeface="Times New Roman" panose="02020603050405020304" pitchFamily="18" charset="0"/>
+                <a:hlinkClick r:id="rId5"/>
+              </a:rPr>
+              <a:t>https://diversity.gwu.edu/bias-incident-response</a:t>
+            </a:r>
+            <a:endParaRPr lang="en-US" sz="2000" dirty="0">
+              <a:latin typeface="Times New Roman" panose="02020603050405020304" pitchFamily="18" charset="0"/>
+              <a:ea typeface="MS Mincho" panose="02020609040205080304" pitchFamily="49" charset="-128"/>
+              <a:cs typeface="Times New Roman" panose="02020603050405020304" pitchFamily="18" charset="0"/>
+            </a:endParaRPr>
+          </a:p>
+          <a:p>
+            <a:pPr marL="914400" lvl="1" indent="-457200">
+              <a:buFont typeface="Arial" panose="020B0604020202020204" pitchFamily="34" charset="0"/>
+              <a:buChar char="•"/>
+            </a:pPr>
+            <a:endParaRPr lang="en-US" sz="800" dirty="0">
+              <a:latin typeface="Times New Roman" panose="02020603050405020304" pitchFamily="18" charset="0"/>
+              <a:ea typeface="MS Mincho" panose="02020609040205080304" pitchFamily="49" charset="-128"/>
+              <a:cs typeface="Times New Roman" panose="02020603050405020304" pitchFamily="18" charset="0"/>
+            </a:endParaRPr>
+          </a:p>
+          <a:p>
+            <a:pPr marL="457200" indent="-457200">
+              <a:buFont typeface="Arial" panose="020B0604020202020204" pitchFamily="34" charset="0"/>
+              <a:buChar char="•"/>
+            </a:pPr>
+            <a:r>
+              <a:rPr lang="en-US" sz="2400" dirty="0">
+                <a:latin typeface="Times New Roman" panose="02020603050405020304" pitchFamily="18" charset="0"/>
+                <a:ea typeface="MS Mincho" panose="02020609040205080304" pitchFamily="49" charset="-128"/>
+                <a:cs typeface="Times New Roman" panose="02020603050405020304" pitchFamily="18" charset="0"/>
+              </a:rPr>
+              <a:t>Q1: What types of harassment can occur in the professional physics environment?</a:t>
+            </a:r>
+          </a:p>
+          <a:p>
+            <a:pPr marL="457200" indent="-457200">
+              <a:buFont typeface="Arial" panose="020B0604020202020204" pitchFamily="34" charset="0"/>
+              <a:buChar char="•"/>
+            </a:pPr>
+            <a:endParaRPr lang="en-US" sz="800" dirty="0">
+              <a:latin typeface="Times New Roman" panose="02020603050405020304" pitchFamily="18" charset="0"/>
+              <a:ea typeface="MS Mincho" panose="02020609040205080304" pitchFamily="49" charset="-128"/>
+              <a:cs typeface="Times New Roman" panose="02020603050405020304" pitchFamily="18" charset="0"/>
+            </a:endParaRPr>
+          </a:p>
+          <a:p>
+            <a:pPr marL="457200" indent="-457200">
+              <a:buFont typeface="Arial" panose="020B0604020202020204" pitchFamily="34" charset="0"/>
+              <a:buChar char="•"/>
+            </a:pPr>
+            <a:r>
+              <a:rPr lang="en-US" sz="2400" dirty="0">
+                <a:latin typeface="Times New Roman" panose="02020603050405020304" pitchFamily="18" charset="0"/>
+                <a:ea typeface="MS Mincho" panose="02020609040205080304" pitchFamily="49" charset="-128"/>
+                <a:cs typeface="Times New Roman" panose="02020603050405020304" pitchFamily="18" charset="0"/>
+              </a:rPr>
+              <a:t>Q2: What steps can individuals and the community take to minimize the incidence of harassment?</a:t>
+            </a:r>
+          </a:p>
+          <a:p>
+            <a:pPr marL="457200" indent="-457200">
+              <a:buFont typeface="Arial" panose="020B0604020202020204" pitchFamily="34" charset="0"/>
+              <a:buChar char="•"/>
+            </a:pPr>
+            <a:endParaRPr lang="en-US" sz="800" dirty="0">
+              <a:latin typeface="Times New Roman" panose="02020603050405020304" pitchFamily="18" charset="0"/>
+              <a:ea typeface="MS Mincho" panose="02020609040205080304" pitchFamily="49" charset="-128"/>
+              <a:cs typeface="Times New Roman" panose="02020603050405020304" pitchFamily="18" charset="0"/>
+            </a:endParaRPr>
+          </a:p>
+          <a:p>
+            <a:pPr marL="457200" indent="-457200">
+              <a:buFont typeface="Arial" panose="020B0604020202020204" pitchFamily="34" charset="0"/>
+              <a:buChar char="•"/>
+            </a:pPr>
+            <a:r>
+              <a:rPr lang="en-US" sz="2400" dirty="0">
+                <a:latin typeface="Times New Roman" panose="02020603050405020304" pitchFamily="18" charset="0"/>
+                <a:ea typeface="MS Mincho" panose="02020609040205080304" pitchFamily="49" charset="-128"/>
+                <a:cs typeface="Times New Roman" panose="02020603050405020304" pitchFamily="18" charset="0"/>
+              </a:rPr>
+              <a:t>Q3: How can individuals react to minimize harm in situations where harassment has occurred or is occurring?</a:t>
+            </a:r>
+          </a:p>
+        </p:txBody>
+      </p:sp>
+    </p:spTree>
+    <p:extLst>
+      <p:ext uri="{BB962C8B-B14F-4D97-AF65-F5344CB8AC3E}">
+        <p14:creationId xmlns:p14="http://schemas.microsoft.com/office/powerpoint/2010/main" val="983063268"/>
+      </p:ext>
+    </p:extLst>
+  </p:cSld>
+  <p:clrMapOvr>
+    <a:masterClrMapping/>
+  </p:clrMapOvr>
+</p:sld>
+</file>
+
+<file path=ppt/slides/slide21.xml><?xml version="1.0" encoding="utf-8"?>
+<p:sld xmlns:a="http://schemas.openxmlformats.org/drawingml/2006/main" xmlns:r="http://schemas.openxmlformats.org/officeDocument/2006/relationships" xmlns:p="http://schemas.openxmlformats.org/presentationml/2006/main">
+  <p:cSld>
+    <p:spTree>
+      <p:nvGrpSpPr>
+        <p:cNvPr id="1" name=""/>
+        <p:cNvGrpSpPr/>
+        <p:nvPr/>
+      </p:nvGrpSpPr>
+      <p:grpSpPr>
+        <a:xfrm>
+          <a:off x="0" y="0"/>
+          <a:ext cx="0" cy="0"/>
+          <a:chOff x="0" y="0"/>
+          <a:chExt cx="0" cy="0"/>
+        </a:xfrm>
+      </p:grpSpPr>
+      <p:sp>
+        <p:nvSpPr>
+          <p:cNvPr id="4" name="TextBox 3"/>
+          <p:cNvSpPr txBox="1"/>
+          <p:nvPr/>
+        </p:nvSpPr>
+        <p:spPr>
+          <a:xfrm>
+            <a:off x="275549" y="191702"/>
+            <a:ext cx="8210902" cy="553998"/>
+          </a:xfrm>
+          <a:prstGeom prst="rect">
+            <a:avLst/>
+          </a:prstGeom>
+          <a:noFill/>
+        </p:spPr>
+        <p:txBody>
+          <a:bodyPr wrap="none" rtlCol="0">
+            <a:spAutoFit/>
+          </a:bodyPr>
+          <a:lstStyle/>
+          <a:p>
+            <a:r>
+              <a:rPr lang="en-US" sz="3000" b="1" dirty="0">
+                <a:solidFill>
+                  <a:prstClr val="black"/>
+                </a:solidFill>
+                <a:latin typeface="Times New Roman"/>
+                <a:cs typeface="Times New Roman"/>
+              </a:rPr>
+              <a:t>Diversity &amp; Inclusion: First Generation Students</a:t>
+            </a:r>
+            <a:endParaRPr lang="en-US" sz="2400" b="1" dirty="0">
+              <a:solidFill>
+                <a:prstClr val="black"/>
+              </a:solidFill>
+              <a:latin typeface="Times New Roman"/>
+              <a:cs typeface="Times New Roman"/>
+            </a:endParaRPr>
+          </a:p>
+        </p:txBody>
+      </p:sp>
+      <p:sp>
+        <p:nvSpPr>
+          <p:cNvPr id="6" name="TextBox 5">
+            <a:extLst>
+              <a:ext uri="{FF2B5EF4-FFF2-40B4-BE49-F238E27FC236}">
+                <a16:creationId xmlns:a16="http://schemas.microsoft.com/office/drawing/2014/main" id="{878A97EC-2834-8447-A6B8-2F5335C4C2C1}"/>
+              </a:ext>
+            </a:extLst>
+          </p:cNvPr>
+          <p:cNvSpPr txBox="1"/>
+          <p:nvPr/>
+        </p:nvSpPr>
+        <p:spPr>
+          <a:xfrm>
+            <a:off x="539603" y="945629"/>
+            <a:ext cx="8355015" cy="5139869"/>
+          </a:xfrm>
+          <a:prstGeom prst="rect">
+            <a:avLst/>
+          </a:prstGeom>
+          <a:noFill/>
+        </p:spPr>
+        <p:txBody>
+          <a:bodyPr wrap="square" rtlCol="0">
+            <a:spAutoFit/>
+          </a:bodyPr>
+          <a:lstStyle/>
+          <a:p>
+            <a:pPr marL="342900" indent="-342900">
+              <a:buFont typeface="Arial" panose="020B0604020202020204" pitchFamily="34" charset="0"/>
+              <a:buChar char="•"/>
+            </a:pPr>
+            <a:r>
+              <a:rPr lang="en-US" sz="2400" dirty="0">
+                <a:latin typeface="Times New Roman" panose="02020603050405020304" pitchFamily="18" charset="0"/>
+                <a:ea typeface="MS Mincho" panose="02020609040205080304" pitchFamily="49" charset="-128"/>
+                <a:cs typeface="Times New Roman" panose="02020603050405020304" pitchFamily="18" charset="0"/>
+              </a:rPr>
+              <a:t>Resources:</a:t>
+            </a:r>
+          </a:p>
+          <a:p>
+            <a:pPr marL="914400" lvl="1" indent="-457200">
+              <a:buFont typeface="Arial" panose="020B0604020202020204" pitchFamily="34" charset="0"/>
+              <a:buChar char="•"/>
+            </a:pPr>
+            <a:r>
+              <a:rPr lang="en-US" sz="2000" dirty="0">
+                <a:latin typeface="Times New Roman" panose="02020603050405020304" pitchFamily="18" charset="0"/>
+                <a:ea typeface="MS Mincho" panose="02020609040205080304" pitchFamily="49" charset="-128"/>
+                <a:cs typeface="Times New Roman" panose="02020603050405020304" pitchFamily="18" charset="0"/>
+                <a:hlinkClick r:id="rId2"/>
+              </a:rPr>
+              <a:t>https://www.chronicle.com/search?q=How+to+Help+First+Generation+Students+Succeed</a:t>
+            </a:r>
+            <a:endParaRPr lang="en-US" sz="2000" dirty="0">
+              <a:latin typeface="Times New Roman" panose="02020603050405020304" pitchFamily="18" charset="0"/>
+              <a:ea typeface="MS Mincho" panose="02020609040205080304" pitchFamily="49" charset="-128"/>
+              <a:cs typeface="Times New Roman" panose="02020603050405020304" pitchFamily="18" charset="0"/>
+            </a:endParaRPr>
+          </a:p>
+          <a:p>
+            <a:pPr marL="914400" lvl="1" indent="-457200">
+              <a:buFont typeface="Arial" panose="020B0604020202020204" pitchFamily="34" charset="0"/>
+              <a:buChar char="•"/>
+            </a:pPr>
+            <a:r>
+              <a:rPr lang="en-US" sz="2000" dirty="0">
+                <a:latin typeface="Times New Roman" panose="02020603050405020304" pitchFamily="18" charset="0"/>
+                <a:ea typeface="MS Mincho" panose="02020609040205080304" pitchFamily="49" charset="-128"/>
+                <a:cs typeface="Times New Roman" panose="02020603050405020304" pitchFamily="18" charset="0"/>
+                <a:hlinkClick r:id="rId3"/>
+              </a:rPr>
+              <a:t>https://theinclusionsolution.me/a-point-of-view-lessons-from-a-first-gen/</a:t>
+            </a:r>
+            <a:endParaRPr lang="en-US" sz="2000" dirty="0">
+              <a:latin typeface="Times New Roman" panose="02020603050405020304" pitchFamily="18" charset="0"/>
+              <a:ea typeface="MS Mincho" panose="02020609040205080304" pitchFamily="49" charset="-128"/>
+              <a:cs typeface="Times New Roman" panose="02020603050405020304" pitchFamily="18" charset="0"/>
+            </a:endParaRPr>
+          </a:p>
+          <a:p>
+            <a:pPr marL="914400" lvl="1" indent="-457200">
+              <a:buFont typeface="Arial" panose="020B0604020202020204" pitchFamily="34" charset="0"/>
+              <a:buChar char="•"/>
+            </a:pPr>
+            <a:r>
+              <a:rPr lang="en-US" sz="2000" dirty="0">
+                <a:latin typeface="Times New Roman" panose="02020603050405020304" pitchFamily="18" charset="0"/>
+                <a:ea typeface="MS Mincho" panose="02020609040205080304" pitchFamily="49" charset="-128"/>
+                <a:cs typeface="Times New Roman" panose="02020603050405020304" pitchFamily="18" charset="0"/>
+                <a:hlinkClick r:id="rId4"/>
+              </a:rPr>
+              <a:t>https://students.gwu.edu/first-generation</a:t>
+            </a:r>
+            <a:endParaRPr lang="en-US" sz="2000" dirty="0">
+              <a:latin typeface="Times New Roman" panose="02020603050405020304" pitchFamily="18" charset="0"/>
+              <a:ea typeface="MS Mincho" panose="02020609040205080304" pitchFamily="49" charset="-128"/>
+              <a:cs typeface="Times New Roman" panose="02020603050405020304" pitchFamily="18" charset="0"/>
+            </a:endParaRPr>
+          </a:p>
+          <a:p>
+            <a:pPr marL="914400" lvl="1" indent="-457200">
+              <a:buFont typeface="Arial" panose="020B0604020202020204" pitchFamily="34" charset="0"/>
+              <a:buChar char="•"/>
+            </a:pPr>
+            <a:endParaRPr lang="en-US" sz="800" dirty="0">
+              <a:latin typeface="Times New Roman" panose="02020603050405020304" pitchFamily="18" charset="0"/>
+              <a:ea typeface="MS Mincho" panose="02020609040205080304" pitchFamily="49" charset="-128"/>
+              <a:cs typeface="Times New Roman" panose="02020603050405020304" pitchFamily="18" charset="0"/>
+            </a:endParaRPr>
+          </a:p>
+          <a:p>
+            <a:pPr marL="457200" indent="-457200">
+              <a:buFont typeface="Arial" panose="020B0604020202020204" pitchFamily="34" charset="0"/>
+              <a:buChar char="•"/>
+            </a:pPr>
+            <a:r>
+              <a:rPr lang="en-US" sz="2400" dirty="0">
+                <a:latin typeface="Times New Roman" panose="02020603050405020304" pitchFamily="18" charset="0"/>
+                <a:ea typeface="MS Mincho" panose="02020609040205080304" pitchFamily="49" charset="-128"/>
+                <a:cs typeface="Times New Roman" panose="02020603050405020304" pitchFamily="18" charset="0"/>
+              </a:rPr>
+              <a:t>Q1: What hurdles do first-generation students face within the physics community?</a:t>
+            </a:r>
+          </a:p>
+          <a:p>
+            <a:pPr marL="457200" indent="-457200">
+              <a:buFont typeface="Arial" panose="020B0604020202020204" pitchFamily="34" charset="0"/>
+              <a:buChar char="•"/>
+            </a:pPr>
+            <a:endParaRPr lang="en-US" sz="800" dirty="0">
+              <a:latin typeface="Times New Roman" panose="02020603050405020304" pitchFamily="18" charset="0"/>
+              <a:ea typeface="MS Mincho" panose="02020609040205080304" pitchFamily="49" charset="-128"/>
+              <a:cs typeface="Times New Roman" panose="02020603050405020304" pitchFamily="18" charset="0"/>
+            </a:endParaRPr>
+          </a:p>
+          <a:p>
+            <a:pPr marL="457200" indent="-457200">
+              <a:buFont typeface="Arial" panose="020B0604020202020204" pitchFamily="34" charset="0"/>
+              <a:buChar char="•"/>
+            </a:pPr>
+            <a:r>
+              <a:rPr lang="en-US" sz="2400" dirty="0">
+                <a:latin typeface="Times New Roman" panose="02020603050405020304" pitchFamily="18" charset="0"/>
+                <a:ea typeface="MS Mincho" panose="02020609040205080304" pitchFamily="49" charset="-128"/>
+                <a:cs typeface="Times New Roman" panose="02020603050405020304" pitchFamily="18" charset="0"/>
+              </a:rPr>
+              <a:t>Q2: What hurdles do first-generation students face within the university environment?</a:t>
+            </a:r>
+          </a:p>
+          <a:p>
+            <a:pPr marL="457200" indent="-457200">
+              <a:buFont typeface="Arial" panose="020B0604020202020204" pitchFamily="34" charset="0"/>
+              <a:buChar char="•"/>
+            </a:pPr>
+            <a:endParaRPr lang="en-US" sz="800" dirty="0">
+              <a:latin typeface="Times New Roman" panose="02020603050405020304" pitchFamily="18" charset="0"/>
+              <a:ea typeface="MS Mincho" panose="02020609040205080304" pitchFamily="49" charset="-128"/>
+              <a:cs typeface="Times New Roman" panose="02020603050405020304" pitchFamily="18" charset="0"/>
+            </a:endParaRPr>
+          </a:p>
+          <a:p>
+            <a:pPr marL="457200" indent="-457200">
+              <a:buFont typeface="Arial" panose="020B0604020202020204" pitchFamily="34" charset="0"/>
+              <a:buChar char="•"/>
+            </a:pPr>
+            <a:r>
+              <a:rPr lang="en-US" sz="2400" dirty="0">
+                <a:latin typeface="Times New Roman" panose="02020603050405020304" pitchFamily="18" charset="0"/>
+                <a:ea typeface="MS Mincho" panose="02020609040205080304" pitchFamily="49" charset="-128"/>
+                <a:cs typeface="Times New Roman" panose="02020603050405020304" pitchFamily="18" charset="0"/>
+              </a:rPr>
+              <a:t>Q3: What can be done to improve inclusion of first-generation students within the physics department and the physics community?</a:t>
+            </a:r>
+          </a:p>
+        </p:txBody>
+      </p:sp>
+    </p:spTree>
+    <p:extLst>
+      <p:ext uri="{BB962C8B-B14F-4D97-AF65-F5344CB8AC3E}">
+        <p14:creationId xmlns:p14="http://schemas.microsoft.com/office/powerpoint/2010/main" val="233156778"/>
+      </p:ext>
+    </p:extLst>
+  </p:cSld>
+  <p:clrMapOvr>
+    <a:masterClrMapping/>
+  </p:clrMapOvr>
+</p:sld>
+</file>
+
+<file path=ppt/slides/slide22.xml><?xml version="1.0" encoding="utf-8"?>
+<p:sld xmlns:a="http://schemas.openxmlformats.org/drawingml/2006/main" xmlns:r="http://schemas.openxmlformats.org/officeDocument/2006/relationships" xmlns:p="http://schemas.openxmlformats.org/presentationml/2006/main">
+  <p:cSld>
+    <p:spTree>
+      <p:nvGrpSpPr>
+        <p:cNvPr id="1" name=""/>
+        <p:cNvGrpSpPr/>
+        <p:nvPr/>
+      </p:nvGrpSpPr>
+      <p:grpSpPr>
+        <a:xfrm>
+          <a:off x="0" y="0"/>
+          <a:ext cx="0" cy="0"/>
+          <a:chOff x="0" y="0"/>
+          <a:chExt cx="0" cy="0"/>
+        </a:xfrm>
+      </p:grpSpPr>
+      <p:sp>
+        <p:nvSpPr>
+          <p:cNvPr id="4" name="TextBox 3"/>
+          <p:cNvSpPr txBox="1"/>
+          <p:nvPr/>
+        </p:nvSpPr>
+        <p:spPr>
+          <a:xfrm>
+            <a:off x="275549" y="191702"/>
+            <a:ext cx="6644768" cy="553998"/>
+          </a:xfrm>
+          <a:prstGeom prst="rect">
+            <a:avLst/>
+          </a:prstGeom>
+          <a:noFill/>
+        </p:spPr>
+        <p:txBody>
+          <a:bodyPr wrap="none" rtlCol="0">
+            <a:spAutoFit/>
+          </a:bodyPr>
+          <a:lstStyle/>
+          <a:p>
+            <a:r>
+              <a:rPr lang="en-US" sz="3000" b="1" dirty="0">
+                <a:solidFill>
+                  <a:prstClr val="black"/>
+                </a:solidFill>
+                <a:latin typeface="Times New Roman"/>
+                <a:cs typeface="Times New Roman"/>
+              </a:rPr>
+              <a:t>Diversity &amp; Inclusion: LGBTQ+ Status</a:t>
+            </a:r>
+            <a:endParaRPr lang="en-US" sz="2400" b="1" dirty="0">
+              <a:solidFill>
+                <a:prstClr val="black"/>
+              </a:solidFill>
+              <a:latin typeface="Times New Roman"/>
+              <a:cs typeface="Times New Roman"/>
+            </a:endParaRPr>
+          </a:p>
+        </p:txBody>
+      </p:sp>
+      <p:sp>
+        <p:nvSpPr>
+          <p:cNvPr id="6" name="TextBox 5">
+            <a:extLst>
+              <a:ext uri="{FF2B5EF4-FFF2-40B4-BE49-F238E27FC236}">
+                <a16:creationId xmlns:a16="http://schemas.microsoft.com/office/drawing/2014/main" id="{878A97EC-2834-8447-A6B8-2F5335C4C2C1}"/>
+              </a:ext>
+            </a:extLst>
+          </p:cNvPr>
+          <p:cNvSpPr txBox="1"/>
+          <p:nvPr/>
+        </p:nvSpPr>
+        <p:spPr>
+          <a:xfrm>
+            <a:off x="539603" y="945629"/>
+            <a:ext cx="8355015" cy="3724096"/>
+          </a:xfrm>
+          <a:prstGeom prst="rect">
+            <a:avLst/>
+          </a:prstGeom>
+          <a:noFill/>
+        </p:spPr>
+        <p:txBody>
+          <a:bodyPr wrap="square" rtlCol="0">
+            <a:spAutoFit/>
+          </a:bodyPr>
+          <a:lstStyle/>
+          <a:p>
+            <a:pPr marL="342900" indent="-342900">
+              <a:buFont typeface="Arial" panose="020B0604020202020204" pitchFamily="34" charset="0"/>
+              <a:buChar char="•"/>
+            </a:pPr>
+            <a:r>
+              <a:rPr lang="en-US" sz="2400" dirty="0">
+                <a:latin typeface="Times New Roman" panose="02020603050405020304" pitchFamily="18" charset="0"/>
+                <a:ea typeface="MS Mincho" panose="02020609040205080304" pitchFamily="49" charset="-128"/>
+                <a:cs typeface="Times New Roman" panose="02020603050405020304" pitchFamily="18" charset="0"/>
+              </a:rPr>
+              <a:t>Resources:</a:t>
+            </a:r>
+          </a:p>
+          <a:p>
+            <a:pPr marL="914400" lvl="1" indent="-457200">
+              <a:buFont typeface="Arial" panose="020B0604020202020204" pitchFamily="34" charset="0"/>
+              <a:buChar char="•"/>
+            </a:pPr>
+            <a:r>
+              <a:rPr lang="en-US" sz="2000" dirty="0">
+                <a:latin typeface="Times New Roman" panose="02020603050405020304" pitchFamily="18" charset="0"/>
+                <a:ea typeface="MS Mincho" panose="02020609040205080304" pitchFamily="49" charset="-128"/>
+                <a:cs typeface="Times New Roman" panose="02020603050405020304" pitchFamily="18" charset="0"/>
+                <a:hlinkClick r:id="rId2"/>
+              </a:rPr>
+              <a:t>https://www.aps.org/publications/reports/lgbt-climate-in-physics</a:t>
+            </a:r>
+            <a:endParaRPr lang="en-US" sz="2000" dirty="0">
+              <a:latin typeface="Times New Roman" panose="02020603050405020304" pitchFamily="18" charset="0"/>
+              <a:ea typeface="MS Mincho" panose="02020609040205080304" pitchFamily="49" charset="-128"/>
+              <a:cs typeface="Times New Roman" panose="02020603050405020304" pitchFamily="18" charset="0"/>
+            </a:endParaRPr>
+          </a:p>
+          <a:p>
+            <a:pPr marL="914400" lvl="1" indent="-457200">
+              <a:buFont typeface="Arial" panose="020B0604020202020204" pitchFamily="34" charset="0"/>
+              <a:buChar char="•"/>
+            </a:pPr>
+            <a:endParaRPr lang="en-US" sz="800" dirty="0">
+              <a:latin typeface="Times New Roman" panose="02020603050405020304" pitchFamily="18" charset="0"/>
+              <a:ea typeface="MS Mincho" panose="02020609040205080304" pitchFamily="49" charset="-128"/>
+              <a:cs typeface="Times New Roman" panose="02020603050405020304" pitchFamily="18" charset="0"/>
+            </a:endParaRPr>
+          </a:p>
+          <a:p>
+            <a:pPr marL="457200" indent="-457200">
+              <a:buFont typeface="Arial" panose="020B0604020202020204" pitchFamily="34" charset="0"/>
+              <a:buChar char="•"/>
+            </a:pPr>
+            <a:r>
+              <a:rPr lang="en-US" sz="2400" dirty="0">
+                <a:latin typeface="Times New Roman" panose="02020603050405020304" pitchFamily="18" charset="0"/>
+                <a:ea typeface="MS Mincho" panose="02020609040205080304" pitchFamily="49" charset="-128"/>
+                <a:cs typeface="Times New Roman" panose="02020603050405020304" pitchFamily="18" charset="0"/>
+              </a:rPr>
+              <a:t>Q1: What hurdles do LGBTQ+ individuals face within the physics community?</a:t>
+            </a:r>
+          </a:p>
+          <a:p>
+            <a:pPr marL="457200" indent="-457200">
+              <a:buFont typeface="Arial" panose="020B0604020202020204" pitchFamily="34" charset="0"/>
+              <a:buChar char="•"/>
+            </a:pPr>
+            <a:endParaRPr lang="en-US" sz="800" dirty="0">
+              <a:latin typeface="Times New Roman" panose="02020603050405020304" pitchFamily="18" charset="0"/>
+              <a:ea typeface="MS Mincho" panose="02020609040205080304" pitchFamily="49" charset="-128"/>
+              <a:cs typeface="Times New Roman" panose="02020603050405020304" pitchFamily="18" charset="0"/>
+            </a:endParaRPr>
+          </a:p>
+          <a:p>
+            <a:pPr marL="457200" indent="-457200">
+              <a:buFont typeface="Arial" panose="020B0604020202020204" pitchFamily="34" charset="0"/>
+              <a:buChar char="•"/>
+            </a:pPr>
+            <a:r>
+              <a:rPr lang="en-US" sz="2400" dirty="0">
+                <a:latin typeface="Times New Roman" panose="02020603050405020304" pitchFamily="18" charset="0"/>
+                <a:ea typeface="MS Mincho" panose="02020609040205080304" pitchFamily="49" charset="-128"/>
+                <a:cs typeface="Times New Roman" panose="02020603050405020304" pitchFamily="18" charset="0"/>
+              </a:rPr>
+              <a:t>Q2: What hurdles do LGBTQ+ individuals face within the university environment?</a:t>
+            </a:r>
+          </a:p>
+          <a:p>
+            <a:pPr marL="457200" indent="-457200">
+              <a:buFont typeface="Arial" panose="020B0604020202020204" pitchFamily="34" charset="0"/>
+              <a:buChar char="•"/>
+            </a:pPr>
+            <a:endParaRPr lang="en-US" sz="800" dirty="0">
+              <a:latin typeface="Times New Roman" panose="02020603050405020304" pitchFamily="18" charset="0"/>
+              <a:ea typeface="MS Mincho" panose="02020609040205080304" pitchFamily="49" charset="-128"/>
+              <a:cs typeface="Times New Roman" panose="02020603050405020304" pitchFamily="18" charset="0"/>
+            </a:endParaRPr>
+          </a:p>
+          <a:p>
+            <a:pPr marL="457200" indent="-457200">
+              <a:buFont typeface="Arial" panose="020B0604020202020204" pitchFamily="34" charset="0"/>
+              <a:buChar char="•"/>
+            </a:pPr>
+            <a:r>
+              <a:rPr lang="en-US" sz="2400" dirty="0">
+                <a:latin typeface="Times New Roman" panose="02020603050405020304" pitchFamily="18" charset="0"/>
+                <a:ea typeface="MS Mincho" panose="02020609040205080304" pitchFamily="49" charset="-128"/>
+                <a:cs typeface="Times New Roman" panose="02020603050405020304" pitchFamily="18" charset="0"/>
+              </a:rPr>
+              <a:t>Q3: What can be done to improve inclusion of LGBTQ+ individuals within the physics department and the physics community?</a:t>
+            </a:r>
+          </a:p>
+        </p:txBody>
+      </p:sp>
+    </p:spTree>
+    <p:extLst>
+      <p:ext uri="{BB962C8B-B14F-4D97-AF65-F5344CB8AC3E}">
+        <p14:creationId xmlns:p14="http://schemas.microsoft.com/office/powerpoint/2010/main" val="1794254469"/>
+      </p:ext>
+    </p:extLst>
+  </p:cSld>
+  <p:clrMapOvr>
+    <a:masterClrMapping/>
+  </p:clrMapOvr>
+</p:sld>
+</file>
+
+<file path=ppt/slides/slide23.xml><?xml version="1.0" encoding="utf-8"?>
+<p:sld xmlns:a="http://schemas.openxmlformats.org/drawingml/2006/main" xmlns:r="http://schemas.openxmlformats.org/officeDocument/2006/relationships" xmlns:p="http://schemas.openxmlformats.org/presentationml/2006/main">
+  <p:cSld>
+    <p:spTree>
+      <p:nvGrpSpPr>
+        <p:cNvPr id="1" name=""/>
+        <p:cNvGrpSpPr/>
+        <p:nvPr/>
+      </p:nvGrpSpPr>
+      <p:grpSpPr>
+        <a:xfrm>
+          <a:off x="0" y="0"/>
+          <a:ext cx="0" cy="0"/>
+          <a:chOff x="0" y="0"/>
+          <a:chExt cx="0" cy="0"/>
+        </a:xfrm>
+      </p:grpSpPr>
+      <p:sp>
+        <p:nvSpPr>
+          <p:cNvPr id="4" name="TextBox 3"/>
+          <p:cNvSpPr txBox="1"/>
+          <p:nvPr/>
+        </p:nvSpPr>
+        <p:spPr>
+          <a:xfrm>
+            <a:off x="275549" y="191702"/>
+            <a:ext cx="7750840" cy="553998"/>
+          </a:xfrm>
+          <a:prstGeom prst="rect">
+            <a:avLst/>
+          </a:prstGeom>
+          <a:noFill/>
+        </p:spPr>
+        <p:txBody>
+          <a:bodyPr wrap="none" rtlCol="0">
+            <a:spAutoFit/>
+          </a:bodyPr>
+          <a:lstStyle/>
+          <a:p>
+            <a:r>
+              <a:rPr lang="en-US" sz="3000" b="1" dirty="0">
+                <a:solidFill>
+                  <a:prstClr val="black"/>
+                </a:solidFill>
+                <a:latin typeface="Times New Roman"/>
+                <a:cs typeface="Times New Roman"/>
+              </a:rPr>
+              <a:t>Diversity &amp; Inclusion: Caring Responsibilities</a:t>
+            </a:r>
+            <a:endParaRPr lang="en-US" sz="2400" b="1" dirty="0">
+              <a:solidFill>
+                <a:prstClr val="black"/>
+              </a:solidFill>
+              <a:latin typeface="Times New Roman"/>
+              <a:cs typeface="Times New Roman"/>
+            </a:endParaRPr>
+          </a:p>
+        </p:txBody>
+      </p:sp>
+      <p:sp>
+        <p:nvSpPr>
+          <p:cNvPr id="6" name="TextBox 5">
+            <a:extLst>
+              <a:ext uri="{FF2B5EF4-FFF2-40B4-BE49-F238E27FC236}">
+                <a16:creationId xmlns:a16="http://schemas.microsoft.com/office/drawing/2014/main" id="{878A97EC-2834-8447-A6B8-2F5335C4C2C1}"/>
+              </a:ext>
+            </a:extLst>
+          </p:cNvPr>
+          <p:cNvSpPr txBox="1"/>
+          <p:nvPr/>
+        </p:nvSpPr>
+        <p:spPr>
+          <a:xfrm>
+            <a:off x="539603" y="945629"/>
+            <a:ext cx="8355015" cy="4278094"/>
+          </a:xfrm>
+          <a:prstGeom prst="rect">
+            <a:avLst/>
+          </a:prstGeom>
+          <a:noFill/>
+        </p:spPr>
+        <p:txBody>
+          <a:bodyPr wrap="square" rtlCol="0">
+            <a:spAutoFit/>
+          </a:bodyPr>
+          <a:lstStyle/>
+          <a:p>
+            <a:pPr marL="342900" indent="-342900">
+              <a:buFont typeface="Arial" panose="020B0604020202020204" pitchFamily="34" charset="0"/>
+              <a:buChar char="•"/>
+            </a:pPr>
+            <a:r>
+              <a:rPr lang="en-US" sz="2400" dirty="0">
+                <a:latin typeface="Times New Roman" panose="02020603050405020304" pitchFamily="18" charset="0"/>
+                <a:ea typeface="MS Mincho" panose="02020609040205080304" pitchFamily="49" charset="-128"/>
+                <a:cs typeface="Times New Roman" panose="02020603050405020304" pitchFamily="18" charset="0"/>
+              </a:rPr>
+              <a:t>Resources:</a:t>
+            </a:r>
+          </a:p>
+          <a:p>
+            <a:pPr marL="914400" lvl="1" indent="-457200">
+              <a:buFont typeface="Arial" panose="020B0604020202020204" pitchFamily="34" charset="0"/>
+              <a:buChar char="•"/>
+            </a:pPr>
+            <a:r>
+              <a:rPr lang="en-US" sz="2000" dirty="0">
+                <a:latin typeface="Times New Roman" panose="02020603050405020304" pitchFamily="18" charset="0"/>
+                <a:ea typeface="MS Mincho" panose="02020609040205080304" pitchFamily="49" charset="-128"/>
+                <a:cs typeface="Times New Roman" panose="02020603050405020304" pitchFamily="18" charset="0"/>
+                <a:hlinkClick r:id="rId2"/>
+              </a:rPr>
+              <a:t>https://www.oecd-ilibrary.org/social-issues-migration-health/supporting-informal-carers-of-older-people_0f0c0d52-en</a:t>
+            </a:r>
+            <a:endParaRPr lang="en-US" sz="2000" dirty="0">
+              <a:latin typeface="Times New Roman" panose="02020603050405020304" pitchFamily="18" charset="0"/>
+              <a:ea typeface="MS Mincho" panose="02020609040205080304" pitchFamily="49" charset="-128"/>
+              <a:cs typeface="Times New Roman" panose="02020603050405020304" pitchFamily="18" charset="0"/>
+            </a:endParaRPr>
+          </a:p>
+          <a:p>
+            <a:pPr marL="914400" lvl="1" indent="-457200">
+              <a:buFont typeface="Arial" panose="020B0604020202020204" pitchFamily="34" charset="0"/>
+              <a:buChar char="•"/>
+            </a:pPr>
+            <a:r>
+              <a:rPr lang="en-US" sz="2000" dirty="0">
+                <a:latin typeface="Times New Roman" panose="02020603050405020304" pitchFamily="18" charset="0"/>
+                <a:ea typeface="MS Mincho" panose="02020609040205080304" pitchFamily="49" charset="-128"/>
+                <a:cs typeface="Times New Roman" panose="02020603050405020304" pitchFamily="18" charset="0"/>
+                <a:hlinkClick r:id="rId3"/>
+              </a:rPr>
+              <a:t>https://www.theguardian.com/lifeandstyle/parents-and-parenting+money/work-and-careers</a:t>
+            </a:r>
+            <a:endParaRPr lang="en-US" sz="2000" dirty="0">
+              <a:latin typeface="Times New Roman" panose="02020603050405020304" pitchFamily="18" charset="0"/>
+              <a:ea typeface="MS Mincho" panose="02020609040205080304" pitchFamily="49" charset="-128"/>
+              <a:cs typeface="Times New Roman" panose="02020603050405020304" pitchFamily="18" charset="0"/>
+            </a:endParaRPr>
+          </a:p>
+          <a:p>
+            <a:pPr marL="914400" lvl="1" indent="-457200">
+              <a:buFont typeface="Arial" panose="020B0604020202020204" pitchFamily="34" charset="0"/>
+              <a:buChar char="•"/>
+            </a:pPr>
+            <a:endParaRPr lang="en-US" sz="800" dirty="0">
+              <a:latin typeface="Times New Roman" panose="02020603050405020304" pitchFamily="18" charset="0"/>
+              <a:ea typeface="MS Mincho" panose="02020609040205080304" pitchFamily="49" charset="-128"/>
+              <a:cs typeface="Times New Roman" panose="02020603050405020304" pitchFamily="18" charset="0"/>
+            </a:endParaRPr>
+          </a:p>
+          <a:p>
+            <a:pPr marL="457200" indent="-457200">
+              <a:buFont typeface="Arial" panose="020B0604020202020204" pitchFamily="34" charset="0"/>
+              <a:buChar char="•"/>
+            </a:pPr>
+            <a:r>
+              <a:rPr lang="en-US" sz="2400" dirty="0">
+                <a:latin typeface="Times New Roman" panose="02020603050405020304" pitchFamily="18" charset="0"/>
+                <a:ea typeface="MS Mincho" panose="02020609040205080304" pitchFamily="49" charset="-128"/>
+                <a:cs typeface="Times New Roman" panose="02020603050405020304" pitchFamily="18" charset="0"/>
+              </a:rPr>
+              <a:t>Q1: What issues are there for parents in the physics community?</a:t>
+            </a:r>
+          </a:p>
+          <a:p>
+            <a:pPr marL="457200" indent="-457200">
+              <a:buFont typeface="Arial" panose="020B0604020202020204" pitchFamily="34" charset="0"/>
+              <a:buChar char="•"/>
+            </a:pPr>
+            <a:endParaRPr lang="en-US" sz="800" dirty="0">
+              <a:latin typeface="Times New Roman" panose="02020603050405020304" pitchFamily="18" charset="0"/>
+              <a:ea typeface="MS Mincho" panose="02020609040205080304" pitchFamily="49" charset="-128"/>
+              <a:cs typeface="Times New Roman" panose="02020603050405020304" pitchFamily="18" charset="0"/>
+            </a:endParaRPr>
+          </a:p>
+          <a:p>
+            <a:pPr marL="457200" indent="-457200">
+              <a:buFont typeface="Arial" panose="020B0604020202020204" pitchFamily="34" charset="0"/>
+              <a:buChar char="•"/>
+            </a:pPr>
+            <a:r>
+              <a:rPr lang="en-US" sz="2400" dirty="0">
+                <a:latin typeface="Times New Roman" panose="02020603050405020304" pitchFamily="18" charset="0"/>
+                <a:ea typeface="MS Mincho" panose="02020609040205080304" pitchFamily="49" charset="-128"/>
+                <a:cs typeface="Times New Roman" panose="02020603050405020304" pitchFamily="18" charset="0"/>
+              </a:rPr>
+              <a:t>Q2: What issues are there for </a:t>
+            </a:r>
+            <a:r>
+              <a:rPr lang="en-US" sz="2400" dirty="0" err="1">
+                <a:latin typeface="Times New Roman" panose="02020603050405020304" pitchFamily="18" charset="0"/>
+                <a:ea typeface="MS Mincho" panose="02020609040205080304" pitchFamily="49" charset="-128"/>
+                <a:cs typeface="Times New Roman" panose="02020603050405020304" pitchFamily="18" charset="0"/>
+              </a:rPr>
+              <a:t>carers</a:t>
+            </a:r>
+            <a:r>
+              <a:rPr lang="en-US" sz="2400" dirty="0">
+                <a:latin typeface="Times New Roman" panose="02020603050405020304" pitchFamily="18" charset="0"/>
+                <a:ea typeface="MS Mincho" panose="02020609040205080304" pitchFamily="49" charset="-128"/>
+                <a:cs typeface="Times New Roman" panose="02020603050405020304" pitchFamily="18" charset="0"/>
+              </a:rPr>
+              <a:t> in the physics community?</a:t>
+            </a:r>
+          </a:p>
+          <a:p>
+            <a:pPr marL="457200" indent="-457200">
+              <a:buFont typeface="Arial" panose="020B0604020202020204" pitchFamily="34" charset="0"/>
+              <a:buChar char="•"/>
+            </a:pPr>
+            <a:endParaRPr lang="en-US" sz="800" dirty="0">
+              <a:latin typeface="Times New Roman" panose="02020603050405020304" pitchFamily="18" charset="0"/>
+              <a:ea typeface="MS Mincho" panose="02020609040205080304" pitchFamily="49" charset="-128"/>
+              <a:cs typeface="Times New Roman" panose="02020603050405020304" pitchFamily="18" charset="0"/>
+            </a:endParaRPr>
+          </a:p>
+          <a:p>
+            <a:pPr marL="457200" indent="-457200">
+              <a:buFont typeface="Arial" panose="020B0604020202020204" pitchFamily="34" charset="0"/>
+              <a:buChar char="•"/>
+            </a:pPr>
+            <a:r>
+              <a:rPr lang="en-US" sz="2400" dirty="0">
+                <a:latin typeface="Times New Roman" panose="02020603050405020304" pitchFamily="18" charset="0"/>
+                <a:ea typeface="MS Mincho" panose="02020609040205080304" pitchFamily="49" charset="-128"/>
+                <a:cs typeface="Times New Roman" panose="02020603050405020304" pitchFamily="18" charset="0"/>
+              </a:rPr>
+              <a:t>Q3: What can be done to make life easier for parents and/or </a:t>
+            </a:r>
+            <a:r>
+              <a:rPr lang="en-US" sz="2400" dirty="0" err="1">
+                <a:latin typeface="Times New Roman" panose="02020603050405020304" pitchFamily="18" charset="0"/>
+                <a:ea typeface="MS Mincho" panose="02020609040205080304" pitchFamily="49" charset="-128"/>
+                <a:cs typeface="Times New Roman" panose="02020603050405020304" pitchFamily="18" charset="0"/>
+              </a:rPr>
+              <a:t>carers</a:t>
+            </a:r>
+            <a:r>
+              <a:rPr lang="en-US" sz="2400" dirty="0">
+                <a:latin typeface="Times New Roman" panose="02020603050405020304" pitchFamily="18" charset="0"/>
+                <a:ea typeface="MS Mincho" panose="02020609040205080304" pitchFamily="49" charset="-128"/>
+                <a:cs typeface="Times New Roman" panose="02020603050405020304" pitchFamily="18" charset="0"/>
+              </a:rPr>
+              <a:t> within the physics department and the physics community?</a:t>
+            </a:r>
+          </a:p>
+        </p:txBody>
+      </p:sp>
+    </p:spTree>
+    <p:extLst>
+      <p:ext uri="{BB962C8B-B14F-4D97-AF65-F5344CB8AC3E}">
+        <p14:creationId xmlns:p14="http://schemas.microsoft.com/office/powerpoint/2010/main" val="3937403600"/>
+      </p:ext>
+    </p:extLst>
+  </p:cSld>
+  <p:clrMapOvr>
+    <a:masterClrMapping/>
+  </p:clrMapOvr>
+</p:sld>
+</file>
+
+<file path=ppt/slides/slide24.xml><?xml version="1.0" encoding="utf-8"?>
+<p:sld xmlns:a="http://schemas.openxmlformats.org/drawingml/2006/main" xmlns:r="http://schemas.openxmlformats.org/officeDocument/2006/relationships" xmlns:p="http://schemas.openxmlformats.org/presentationml/2006/main">
+  <p:cSld>
+    <p:spTree>
+      <p:nvGrpSpPr>
+        <p:cNvPr id="1" name=""/>
+        <p:cNvGrpSpPr/>
+        <p:nvPr/>
+      </p:nvGrpSpPr>
+      <p:grpSpPr>
+        <a:xfrm>
+          <a:off x="0" y="0"/>
+          <a:ext cx="0" cy="0"/>
+          <a:chOff x="0" y="0"/>
+          <a:chExt cx="0" cy="0"/>
+        </a:xfrm>
+      </p:grpSpPr>
+      <p:sp>
+        <p:nvSpPr>
+          <p:cNvPr id="4" name="TextBox 3"/>
+          <p:cNvSpPr txBox="1"/>
+          <p:nvPr/>
+        </p:nvSpPr>
+        <p:spPr>
+          <a:xfrm>
+            <a:off x="275549" y="191702"/>
             <a:ext cx="8884163" cy="553998"/>
           </a:xfrm>
           <a:prstGeom prst="rect">
@@ -7931,7 +9288,7 @@
                 <a:cs typeface="Times New Roman" panose="02020603050405020304" pitchFamily="18" charset="0"/>
                 <a:hlinkClick r:id="rId2"/>
               </a:rPr>
-              <a:t>https://www.jrf.org.uk/report/socio-economic-disadvantage-and-experience-higher-education</a:t>
+              <a:t>https://www.researchgate.net/publication/255642041_Socio-Economic_Disadvantage_and_Access_to_Higher_Education</a:t>
             </a:r>
             <a:endParaRPr lang="en-US" sz="2000" dirty="0">
               <a:latin typeface="Times New Roman" panose="02020603050405020304" pitchFamily="18" charset="0"/>
@@ -8019,7 +9376,7 @@
     </p:spTree>
     <p:extLst>
       <p:ext uri="{BB962C8B-B14F-4D97-AF65-F5344CB8AC3E}">
-        <p14:creationId xmlns:p14="http://schemas.microsoft.com/office/powerpoint/2010/main" val="1652601616"/>
+        <p14:creationId xmlns:p14="http://schemas.microsoft.com/office/powerpoint/2010/main" val="2526109345"/>
       </p:ext>
     </p:extLst>
   </p:cSld>
@@ -8029,7 +9386,7 @@
 </p:sld>
 </file>
 
-<file path=ppt/slides/slide21.xml><?xml version="1.0" encoding="utf-8"?>
+<file path=ppt/slides/slide25.xml><?xml version="1.0" encoding="utf-8"?>
 <p:sld xmlns:a="http://schemas.openxmlformats.org/drawingml/2006/main" xmlns:r="http://schemas.openxmlformats.org/officeDocument/2006/relationships" xmlns:p="http://schemas.openxmlformats.org/presentationml/2006/main">
   <p:cSld>
     <p:spTree>
@@ -8103,7 +9460,7 @@
         <p:spPr>
           <a:xfrm>
             <a:off x="539603" y="945629"/>
-            <a:ext cx="8355015" cy="5386090"/>
+            <a:ext cx="8355015" cy="5693866"/>
           </a:xfrm>
           <a:prstGeom prst="rect">
             <a:avLst/>
@@ -8141,7 +9498,7 @@
                 <a:cs typeface="Times New Roman" panose="02020603050405020304" pitchFamily="18" charset="0"/>
                 <a:hlinkClick r:id="rId2"/>
               </a:rPr>
-              <a:t>http://www.iop.org/publications/iop/2008/file_42866.pdf</a:t>
+              <a:t>https://www.iop.org/sites/default/files/2021-03/access-for-all-disability-good-practice-university-2008.pdf</a:t>
             </a:r>
             <a:endParaRPr lang="en-US" sz="2000" dirty="0">
               <a:latin typeface="Times New Roman" panose="02020603050405020304" pitchFamily="18" charset="0"/>
@@ -8269,352 +9626,7 @@
     </p:spTree>
     <p:extLst>
       <p:ext uri="{BB962C8B-B14F-4D97-AF65-F5344CB8AC3E}">
-        <p14:creationId xmlns:p14="http://schemas.microsoft.com/office/powerpoint/2010/main" val="2741183054"/>
-      </p:ext>
-    </p:extLst>
-  </p:cSld>
-  <p:clrMapOvr>
-    <a:masterClrMapping/>
-  </p:clrMapOvr>
-</p:sld>
-</file>
-
-<file path=ppt/slides/slide22.xml><?xml version="1.0" encoding="utf-8"?>
-<p:sld xmlns:a="http://schemas.openxmlformats.org/drawingml/2006/main" xmlns:r="http://schemas.openxmlformats.org/officeDocument/2006/relationships" xmlns:p="http://schemas.openxmlformats.org/presentationml/2006/main">
-  <p:cSld>
-    <p:spTree>
-      <p:nvGrpSpPr>
-        <p:cNvPr id="1" name=""/>
-        <p:cNvGrpSpPr/>
-        <p:nvPr/>
-      </p:nvGrpSpPr>
-      <p:grpSpPr>
-        <a:xfrm>
-          <a:off x="0" y="0"/>
-          <a:ext cx="0" cy="0"/>
-          <a:chOff x="0" y="0"/>
-          <a:chExt cx="0" cy="0"/>
-        </a:xfrm>
-      </p:grpSpPr>
-      <p:sp>
-        <p:nvSpPr>
-          <p:cNvPr id="4" name="TextBox 3"/>
-          <p:cNvSpPr txBox="1"/>
-          <p:nvPr/>
-        </p:nvSpPr>
-        <p:spPr>
-          <a:xfrm>
-            <a:off x="275549" y="191702"/>
-            <a:ext cx="6669390" cy="553998"/>
-          </a:xfrm>
-          <a:prstGeom prst="rect">
-            <a:avLst/>
-          </a:prstGeom>
-          <a:noFill/>
-        </p:spPr>
-        <p:txBody>
-          <a:bodyPr wrap="none" rtlCol="0">
-            <a:spAutoFit/>
-          </a:bodyPr>
-          <a:lstStyle/>
-          <a:p>
-            <a:r>
-              <a:rPr lang="en-US" sz="3000" b="1" dirty="0">
-                <a:solidFill>
-                  <a:prstClr val="black"/>
-                </a:solidFill>
-                <a:latin typeface="Times New Roman"/>
-                <a:cs typeface="Times New Roman"/>
-              </a:rPr>
-              <a:t>Diversity &amp; Inclusion: Other Resources</a:t>
-            </a:r>
-            <a:endParaRPr lang="en-US" sz="2400" b="1" dirty="0">
-              <a:solidFill>
-                <a:prstClr val="black"/>
-              </a:solidFill>
-              <a:latin typeface="Times New Roman"/>
-              <a:cs typeface="Times New Roman"/>
-            </a:endParaRPr>
-          </a:p>
-        </p:txBody>
-      </p:sp>
-      <p:sp>
-        <p:nvSpPr>
-          <p:cNvPr id="6" name="TextBox 5">
-            <a:extLst>
-              <a:ext uri="{FF2B5EF4-FFF2-40B4-BE49-F238E27FC236}">
-                <a16:creationId xmlns:a16="http://schemas.microsoft.com/office/drawing/2014/main" id="{878A97EC-2834-8447-A6B8-2F5335C4C2C1}"/>
-              </a:ext>
-            </a:extLst>
-          </p:cNvPr>
-          <p:cNvSpPr txBox="1"/>
-          <p:nvPr/>
-        </p:nvSpPr>
-        <p:spPr>
-          <a:xfrm>
-            <a:off x="539604" y="945629"/>
-            <a:ext cx="8378766" cy="5632311"/>
-          </a:xfrm>
-          <a:prstGeom prst="rect">
-            <a:avLst/>
-          </a:prstGeom>
-          <a:noFill/>
-        </p:spPr>
-        <p:txBody>
-          <a:bodyPr wrap="square" rtlCol="0">
-            <a:spAutoFit/>
-          </a:bodyPr>
-          <a:lstStyle/>
-          <a:p>
-            <a:pPr marL="342900" indent="-342900">
-              <a:buFont typeface="Arial" panose="020B0604020202020204" pitchFamily="34" charset="0"/>
-              <a:buChar char="•"/>
-            </a:pPr>
-            <a:r>
-              <a:rPr lang="en-GB" altLang="en-US" sz="2400" dirty="0">
-                <a:latin typeface="Times New Roman" panose="02020603050405020304" pitchFamily="18" charset="0"/>
-                <a:cs typeface="Times New Roman" panose="02020603050405020304" pitchFamily="18" charset="0"/>
-              </a:rPr>
-              <a:t>APS Bridge Program: </a:t>
-            </a:r>
-            <a:r>
-              <a:rPr lang="en-GB" altLang="en-US" sz="2400" dirty="0">
-                <a:latin typeface="Times New Roman" panose="02020603050405020304" pitchFamily="18" charset="0"/>
-                <a:cs typeface="Times New Roman" panose="02020603050405020304" pitchFamily="18" charset="0"/>
-                <a:hlinkClick r:id="rId2"/>
-              </a:rPr>
-              <a:t>http://www.apsbridgeprogram.org</a:t>
-            </a:r>
-            <a:endParaRPr lang="en-GB" altLang="en-US" sz="2400" dirty="0">
-              <a:latin typeface="Times New Roman" panose="02020603050405020304" pitchFamily="18" charset="0"/>
-              <a:cs typeface="Times New Roman" panose="02020603050405020304" pitchFamily="18" charset="0"/>
-            </a:endParaRPr>
-          </a:p>
-          <a:p>
-            <a:pPr marL="342900" indent="-342900">
-              <a:buFont typeface="Arial" panose="020B0604020202020204" pitchFamily="34" charset="0"/>
-              <a:buChar char="•"/>
-            </a:pPr>
-            <a:endParaRPr lang="en-GB" altLang="en-US" sz="800" dirty="0">
-              <a:latin typeface="Times New Roman" panose="02020603050405020304" pitchFamily="18" charset="0"/>
-              <a:cs typeface="Times New Roman" panose="02020603050405020304" pitchFamily="18" charset="0"/>
-            </a:endParaRPr>
-          </a:p>
-          <a:p>
-            <a:pPr marL="342900" indent="-342900">
-              <a:buFont typeface="Arial" panose="020B0604020202020204" pitchFamily="34" charset="0"/>
-              <a:buChar char="•"/>
-            </a:pPr>
-            <a:r>
-              <a:rPr lang="en-GB" altLang="en-US" sz="2400" dirty="0">
-                <a:latin typeface="Times New Roman" panose="02020603050405020304" pitchFamily="18" charset="0"/>
-                <a:cs typeface="Times New Roman" panose="02020603050405020304" pitchFamily="18" charset="0"/>
-              </a:rPr>
-              <a:t>Conference for Undergraduate Women in Physics: </a:t>
-            </a:r>
-            <a:r>
-              <a:rPr lang="en-GB" altLang="en-US" sz="2400" dirty="0">
-                <a:latin typeface="Times New Roman" panose="02020603050405020304" pitchFamily="18" charset="0"/>
-                <a:cs typeface="Times New Roman" panose="02020603050405020304" pitchFamily="18" charset="0"/>
-                <a:hlinkClick r:id="rId3"/>
-              </a:rPr>
-              <a:t>https://www.aps.org/programs/women/workshops/cuwip.cfm</a:t>
-            </a:r>
-            <a:endParaRPr lang="en-GB" altLang="en-US" sz="2400" dirty="0">
-              <a:latin typeface="Times New Roman" panose="02020603050405020304" pitchFamily="18" charset="0"/>
-              <a:cs typeface="Times New Roman" panose="02020603050405020304" pitchFamily="18" charset="0"/>
-            </a:endParaRPr>
-          </a:p>
-          <a:p>
-            <a:pPr marL="342900" indent="-342900">
-              <a:buFont typeface="Arial" panose="020B0604020202020204" pitchFamily="34" charset="0"/>
-              <a:buChar char="•"/>
-            </a:pPr>
-            <a:endParaRPr lang="en-GB" altLang="en-US" sz="800" dirty="0">
-              <a:latin typeface="Times New Roman" panose="02020603050405020304" pitchFamily="18" charset="0"/>
-              <a:cs typeface="Times New Roman" panose="02020603050405020304" pitchFamily="18" charset="0"/>
-            </a:endParaRPr>
-          </a:p>
-          <a:p>
-            <a:pPr marL="342900" indent="-342900">
-              <a:buFont typeface="Arial" panose="020B0604020202020204" pitchFamily="34" charset="0"/>
-              <a:buChar char="•"/>
-            </a:pPr>
-            <a:r>
-              <a:rPr lang="en-GB" altLang="en-US" sz="2400" dirty="0">
-                <a:latin typeface="Times New Roman" panose="02020603050405020304" pitchFamily="18" charset="0"/>
-                <a:cs typeface="Times New Roman" panose="02020603050405020304" pitchFamily="18" charset="0"/>
-              </a:rPr>
-              <a:t>Step Up 4 Women: </a:t>
-            </a:r>
-            <a:r>
-              <a:rPr lang="en-GB" altLang="en-US" sz="2400" dirty="0">
-                <a:latin typeface="Times New Roman" panose="02020603050405020304" pitchFamily="18" charset="0"/>
-                <a:cs typeface="Times New Roman" panose="02020603050405020304" pitchFamily="18" charset="0"/>
-                <a:hlinkClick r:id="rId4"/>
-              </a:rPr>
-              <a:t>https://www.aps.org/programs/education/su4w/</a:t>
-            </a:r>
-            <a:endParaRPr lang="en-GB" altLang="en-US" sz="2400" dirty="0">
-              <a:latin typeface="Times New Roman" panose="02020603050405020304" pitchFamily="18" charset="0"/>
-              <a:cs typeface="Times New Roman" panose="02020603050405020304" pitchFamily="18" charset="0"/>
-            </a:endParaRPr>
-          </a:p>
-          <a:p>
-            <a:pPr marL="342900" indent="-342900">
-              <a:buFont typeface="Arial" panose="020B0604020202020204" pitchFamily="34" charset="0"/>
-              <a:buChar char="•"/>
-            </a:pPr>
-            <a:endParaRPr lang="en-GB" altLang="en-US" sz="800" dirty="0">
-              <a:latin typeface="Times New Roman" panose="02020603050405020304" pitchFamily="18" charset="0"/>
-              <a:cs typeface="Times New Roman" panose="02020603050405020304" pitchFamily="18" charset="0"/>
-            </a:endParaRPr>
-          </a:p>
-          <a:p>
-            <a:pPr marL="342900" indent="-342900">
-              <a:buFont typeface="Arial" panose="020B0604020202020204" pitchFamily="34" charset="0"/>
-              <a:buChar char="•"/>
-            </a:pPr>
-            <a:r>
-              <a:rPr lang="en-GB" altLang="en-US" sz="2400" dirty="0">
-                <a:latin typeface="Times New Roman" panose="02020603050405020304" pitchFamily="18" charset="0"/>
-                <a:cs typeface="Times New Roman" panose="02020603050405020304" pitchFamily="18" charset="0"/>
-              </a:rPr>
-              <a:t>National Mentoring Community: </a:t>
-            </a:r>
-            <a:r>
-              <a:rPr lang="en-GB" altLang="en-US" sz="2400" dirty="0">
-                <a:latin typeface="Times New Roman" panose="02020603050405020304" pitchFamily="18" charset="0"/>
-                <a:cs typeface="Times New Roman" panose="02020603050405020304" pitchFamily="18" charset="0"/>
-                <a:hlinkClick r:id="rId5"/>
-              </a:rPr>
-              <a:t>https://www.aps.org/programs/minorities/nmc/</a:t>
-            </a:r>
-            <a:endParaRPr lang="en-GB" altLang="en-US" sz="2400" dirty="0">
-              <a:latin typeface="Times New Roman" panose="02020603050405020304" pitchFamily="18" charset="0"/>
-              <a:cs typeface="Times New Roman" panose="02020603050405020304" pitchFamily="18" charset="0"/>
-            </a:endParaRPr>
-          </a:p>
-          <a:p>
-            <a:pPr marL="342900" indent="-342900">
-              <a:buFont typeface="Arial" panose="020B0604020202020204" pitchFamily="34" charset="0"/>
-              <a:buChar char="•"/>
-            </a:pPr>
-            <a:endParaRPr lang="en-GB" altLang="en-US" sz="800" dirty="0">
-              <a:latin typeface="Times New Roman" panose="02020603050405020304" pitchFamily="18" charset="0"/>
-              <a:cs typeface="Times New Roman" panose="02020603050405020304" pitchFamily="18" charset="0"/>
-            </a:endParaRPr>
-          </a:p>
-          <a:p>
-            <a:pPr marL="342900" indent="-342900">
-              <a:buFont typeface="Arial" panose="020B0604020202020204" pitchFamily="34" charset="0"/>
-              <a:buChar char="•"/>
-            </a:pPr>
-            <a:r>
-              <a:rPr lang="en-GB" altLang="en-US" sz="2400" dirty="0">
-                <a:latin typeface="Times New Roman" panose="02020603050405020304" pitchFamily="18" charset="0"/>
-                <a:cs typeface="Times New Roman" panose="02020603050405020304" pitchFamily="18" charset="0"/>
-              </a:rPr>
-              <a:t>Women in Physics Groups (grants up to $1000): </a:t>
-            </a:r>
-            <a:r>
-              <a:rPr lang="en-GB" altLang="en-US" sz="2400" dirty="0">
-                <a:latin typeface="Times New Roman" panose="02020603050405020304" pitchFamily="18" charset="0"/>
-                <a:cs typeface="Times New Roman" panose="02020603050405020304" pitchFamily="18" charset="0"/>
-                <a:hlinkClick r:id="rId6"/>
-              </a:rPr>
-              <a:t>https://www.aps.org/programs/women/index.cfm</a:t>
-            </a:r>
-            <a:endParaRPr lang="en-GB" altLang="en-US" sz="2400" dirty="0">
-              <a:latin typeface="Times New Roman" panose="02020603050405020304" pitchFamily="18" charset="0"/>
-              <a:cs typeface="Times New Roman" panose="02020603050405020304" pitchFamily="18" charset="0"/>
-            </a:endParaRPr>
-          </a:p>
-          <a:p>
-            <a:pPr marL="342900" indent="-342900">
-              <a:buFont typeface="Arial" panose="020B0604020202020204" pitchFamily="34" charset="0"/>
-              <a:buChar char="•"/>
-            </a:pPr>
-            <a:endParaRPr lang="en-GB" altLang="en-US" sz="800" dirty="0">
-              <a:latin typeface="Times New Roman" panose="02020603050405020304" pitchFamily="18" charset="0"/>
-              <a:cs typeface="Times New Roman" panose="02020603050405020304" pitchFamily="18" charset="0"/>
-            </a:endParaRPr>
-          </a:p>
-          <a:p>
-            <a:pPr marL="342900" indent="-342900">
-              <a:buFont typeface="Arial" panose="020B0604020202020204" pitchFamily="34" charset="0"/>
-              <a:buChar char="•"/>
-            </a:pPr>
-            <a:r>
-              <a:rPr lang="en-GB" altLang="en-US" sz="2400" dirty="0">
-                <a:latin typeface="Times New Roman" panose="02020603050405020304" pitchFamily="18" charset="0"/>
-                <a:cs typeface="Times New Roman" panose="02020603050405020304" pitchFamily="18" charset="0"/>
-              </a:rPr>
-              <a:t>AIP Team-Up: </a:t>
-            </a:r>
-            <a:r>
-              <a:rPr lang="en-GB" altLang="en-US" sz="2400" dirty="0">
-                <a:latin typeface="Times New Roman" panose="02020603050405020304" pitchFamily="18" charset="0"/>
-                <a:cs typeface="Times New Roman" panose="02020603050405020304" pitchFamily="18" charset="0"/>
-                <a:hlinkClick r:id="rId7"/>
-              </a:rPr>
-              <a:t>https://www.aip.org/diversity-initiatives/team-up-task-force</a:t>
-            </a:r>
-            <a:endParaRPr lang="en-GB" altLang="en-US" sz="2400" dirty="0">
-              <a:latin typeface="Times New Roman" panose="02020603050405020304" pitchFamily="18" charset="0"/>
-              <a:cs typeface="Times New Roman" panose="02020603050405020304" pitchFamily="18" charset="0"/>
-            </a:endParaRPr>
-          </a:p>
-          <a:p>
-            <a:pPr marL="342900" indent="-342900">
-              <a:buFont typeface="Arial" panose="020B0604020202020204" pitchFamily="34" charset="0"/>
-              <a:buChar char="•"/>
-            </a:pPr>
-            <a:endParaRPr lang="en-GB" altLang="en-US" sz="800" dirty="0">
-              <a:latin typeface="Times New Roman" panose="02020603050405020304" pitchFamily="18" charset="0"/>
-              <a:cs typeface="Times New Roman" panose="02020603050405020304" pitchFamily="18" charset="0"/>
-            </a:endParaRPr>
-          </a:p>
-          <a:p>
-            <a:pPr marL="342900" indent="-342900">
-              <a:buFont typeface="Arial" panose="020B0604020202020204" pitchFamily="34" charset="0"/>
-              <a:buChar char="•"/>
-            </a:pPr>
-            <a:r>
-              <a:rPr lang="en-GB" altLang="en-US" sz="2400" i="1" dirty="0">
-                <a:latin typeface="Times New Roman" panose="02020603050405020304" pitchFamily="18" charset="0"/>
-                <a:cs typeface="Times New Roman" panose="02020603050405020304" pitchFamily="18" charset="0"/>
-              </a:rPr>
-              <a:t>Women Don't Ask: The High Cost of Avoiding Negotiation – and Positive Strategies for Change </a:t>
-            </a:r>
-            <a:r>
-              <a:rPr lang="en-GB" altLang="en-US" sz="2400" dirty="0">
-                <a:latin typeface="Times New Roman" panose="02020603050405020304" pitchFamily="18" charset="0"/>
-                <a:cs typeface="Times New Roman" panose="02020603050405020304" pitchFamily="18" charset="0"/>
-              </a:rPr>
-              <a:t>(L. Babcock &amp; S. </a:t>
-            </a:r>
-            <a:r>
-              <a:rPr lang="en-GB" altLang="en-US" sz="2400" dirty="0" err="1">
-                <a:latin typeface="Times New Roman" panose="02020603050405020304" pitchFamily="18" charset="0"/>
-                <a:cs typeface="Times New Roman" panose="02020603050405020304" pitchFamily="18" charset="0"/>
-              </a:rPr>
-              <a:t>Laschever</a:t>
-            </a:r>
-            <a:r>
-              <a:rPr lang="en-GB" altLang="en-US" sz="2400" dirty="0">
-                <a:latin typeface="Times New Roman" panose="02020603050405020304" pitchFamily="18" charset="0"/>
-                <a:cs typeface="Times New Roman" panose="02020603050405020304" pitchFamily="18" charset="0"/>
-              </a:rPr>
-              <a:t>)</a:t>
-            </a:r>
-          </a:p>
-        </p:txBody>
-      </p:sp>
-    </p:spTree>
-    <p:extLst>
-      <p:ext uri="{BB962C8B-B14F-4D97-AF65-F5344CB8AC3E}">
-        <p14:creationId xmlns:p14="http://schemas.microsoft.com/office/powerpoint/2010/main" val="2488674671"/>
+        <p14:creationId xmlns:p14="http://schemas.microsoft.com/office/powerpoint/2010/main" val="1822273948"/>
       </p:ext>
     </p:extLst>
   </p:cSld>
@@ -9038,7 +10050,7 @@
         <p:spPr>
           <a:xfrm>
             <a:off x="539603" y="4792336"/>
-            <a:ext cx="8495045" cy="1508105"/>
+            <a:ext cx="8495045" cy="1631216"/>
           </a:xfrm>
           <a:prstGeom prst="rect">
             <a:avLst/>
@@ -9090,6 +10102,16 @@
             </a:r>
           </a:p>
           <a:p>
+            <a:pPr marL="742950" lvl="1" indent="-285750" fontAlgn="base">
+              <a:buFont typeface="Arial" panose="020B0604020202020204" pitchFamily="34" charset="0"/>
+              <a:buChar char="•"/>
+            </a:pPr>
+            <a:endParaRPr lang="en-US" sz="800" dirty="0">
+              <a:latin typeface="Times New Roman" panose="02020603050405020304" pitchFamily="18" charset="0"/>
+              <a:cs typeface="Times New Roman" panose="02020603050405020304" pitchFamily="18" charset="0"/>
+            </a:endParaRPr>
+          </a:p>
+          <a:p>
             <a:pPr marL="285750" indent="-285750" fontAlgn="base">
               <a:buFont typeface="Arial" panose="020B0604020202020204" pitchFamily="34" charset="0"/>
               <a:buChar char="•"/>
@@ -9107,7 +10129,7 @@
     </p:spTree>
     <p:extLst>
       <p:ext uri="{BB962C8B-B14F-4D97-AF65-F5344CB8AC3E}">
-        <p14:creationId xmlns:p14="http://schemas.microsoft.com/office/powerpoint/2010/main" val="1170779881"/>
+        <p14:creationId xmlns:p14="http://schemas.microsoft.com/office/powerpoint/2010/main" val="1554141261"/>
       </p:ext>
     </p:extLst>
   </p:cSld>
@@ -9527,7 +10549,7 @@
                                         <p:tgtEl>
                                           <p:spTgt spid="7">
                                             <p:txEl>
-                                              <p:pRg st="3" end="3"/>
+                                              <p:pRg st="4" end="4"/>
                                             </p:txEl>
                                           </p:spTgt>
                                         </p:tgtEl>
@@ -9748,7 +10770,7 @@
     </p:spTree>
     <p:extLst>
       <p:ext uri="{BB962C8B-B14F-4D97-AF65-F5344CB8AC3E}">
-        <p14:creationId xmlns:p14="http://schemas.microsoft.com/office/powerpoint/2010/main" val="3917961081"/>
+        <p14:creationId xmlns:p14="http://schemas.microsoft.com/office/powerpoint/2010/main" val="1617564803"/>
       </p:ext>
     </p:extLst>
   </p:cSld>
@@ -9988,7 +11010,7 @@
     </p:spTree>
     <p:extLst>
       <p:ext uri="{BB962C8B-B14F-4D97-AF65-F5344CB8AC3E}">
-        <p14:creationId xmlns:p14="http://schemas.microsoft.com/office/powerpoint/2010/main" val="1276950434"/>
+        <p14:creationId xmlns:p14="http://schemas.microsoft.com/office/powerpoint/2010/main" val="2136892131"/>
       </p:ext>
     </p:extLst>
   </p:cSld>
@@ -11122,6 +12144,218 @@
       </p:sp>
       <p:pic>
         <p:nvPicPr>
+          <p:cNvPr id="2" name="Picture 1">
+            <a:extLst>
+              <a:ext uri="{FF2B5EF4-FFF2-40B4-BE49-F238E27FC236}">
+                <a16:creationId xmlns:a16="http://schemas.microsoft.com/office/drawing/2014/main" id="{465394F8-4644-8DA5-0CE3-B6C66B8D22E0}"/>
+              </a:ext>
+            </a:extLst>
+          </p:cNvPr>
+          <p:cNvPicPr>
+            <a:picLocks noChangeAspect="1"/>
+          </p:cNvPicPr>
+          <p:nvPr/>
+        </p:nvPicPr>
+        <p:blipFill rotWithShape="1">
+          <a:blip r:embed="rId2" cstate="screen">
+            <a:extLst>
+              <a:ext uri="{28A0092B-C50C-407E-A947-70E740481C1C}">
+                <a14:useLocalDpi xmlns:a14="http://schemas.microsoft.com/office/drawing/2010/main"/>
+              </a:ext>
+            </a:extLst>
+          </a:blip>
+          <a:srcRect/>
+          <a:stretch/>
+        </p:blipFill>
+        <p:spPr>
+          <a:xfrm>
+            <a:off x="275549" y="750045"/>
+            <a:ext cx="3649680" cy="3421850"/>
+          </a:xfrm>
+          <a:prstGeom prst="rect">
+            <a:avLst/>
+          </a:prstGeom>
+        </p:spPr>
+      </p:pic>
+      <p:pic>
+        <p:nvPicPr>
+          <p:cNvPr id="3" name="Picture 2">
+            <a:extLst>
+              <a:ext uri="{FF2B5EF4-FFF2-40B4-BE49-F238E27FC236}">
+                <a16:creationId xmlns:a16="http://schemas.microsoft.com/office/drawing/2014/main" id="{4F93B2E3-3871-F332-F1DF-85D846C89834}"/>
+              </a:ext>
+            </a:extLst>
+          </p:cNvPr>
+          <p:cNvPicPr>
+            <a:picLocks noChangeAspect="1"/>
+          </p:cNvPicPr>
+          <p:nvPr/>
+        </p:nvPicPr>
+        <p:blipFill rotWithShape="1">
+          <a:blip r:embed="rId3" cstate="screen">
+            <a:extLst>
+              <a:ext uri="{28A0092B-C50C-407E-A947-70E740481C1C}">
+                <a14:useLocalDpi xmlns:a14="http://schemas.microsoft.com/office/drawing/2010/main"/>
+              </a:ext>
+            </a:extLst>
+          </a:blip>
+          <a:srcRect/>
+          <a:stretch/>
+        </p:blipFill>
+        <p:spPr>
+          <a:xfrm>
+            <a:off x="4364442" y="745700"/>
+            <a:ext cx="4238537" cy="3374557"/>
+          </a:xfrm>
+          <a:prstGeom prst="rect">
+            <a:avLst/>
+          </a:prstGeom>
+        </p:spPr>
+      </p:pic>
+      <p:pic>
+        <p:nvPicPr>
+          <p:cNvPr id="5" name="Picture 4">
+            <a:extLst>
+              <a:ext uri="{FF2B5EF4-FFF2-40B4-BE49-F238E27FC236}">
+                <a16:creationId xmlns:a16="http://schemas.microsoft.com/office/drawing/2014/main" id="{8495978D-C577-4868-48CF-8C801AAC7953}"/>
+              </a:ext>
+            </a:extLst>
+          </p:cNvPr>
+          <p:cNvPicPr>
+            <a:picLocks noChangeAspect="1"/>
+          </p:cNvPicPr>
+          <p:nvPr/>
+        </p:nvPicPr>
+        <p:blipFill rotWithShape="1">
+          <a:blip r:embed="rId4" cstate="screen">
+            <a:extLst>
+              <a:ext uri="{28A0092B-C50C-407E-A947-70E740481C1C}">
+                <a14:useLocalDpi xmlns:a14="http://schemas.microsoft.com/office/drawing/2010/main"/>
+              </a:ext>
+            </a:extLst>
+          </a:blip>
+          <a:srcRect/>
+          <a:stretch/>
+        </p:blipFill>
+        <p:spPr>
+          <a:xfrm>
+            <a:off x="615376" y="3757961"/>
+            <a:ext cx="3749066" cy="3070061"/>
+          </a:xfrm>
+          <a:prstGeom prst="rect">
+            <a:avLst/>
+          </a:prstGeom>
+        </p:spPr>
+      </p:pic>
+      <p:pic>
+        <p:nvPicPr>
+          <p:cNvPr id="6" name="Picture 5">
+            <a:extLst>
+              <a:ext uri="{FF2B5EF4-FFF2-40B4-BE49-F238E27FC236}">
+                <a16:creationId xmlns:a16="http://schemas.microsoft.com/office/drawing/2014/main" id="{5D4D4965-7004-D9AE-3A47-E65552864136}"/>
+              </a:ext>
+            </a:extLst>
+          </p:cNvPr>
+          <p:cNvPicPr>
+            <a:picLocks noChangeAspect="1"/>
+          </p:cNvPicPr>
+          <p:nvPr/>
+        </p:nvPicPr>
+        <p:blipFill rotWithShape="1">
+          <a:blip r:embed="rId5" cstate="screen">
+            <a:extLst>
+              <a:ext uri="{28A0092B-C50C-407E-A947-70E740481C1C}">
+                <a14:useLocalDpi xmlns:a14="http://schemas.microsoft.com/office/drawing/2010/main"/>
+              </a:ext>
+            </a:extLst>
+          </a:blip>
+          <a:srcRect/>
+          <a:stretch/>
+        </p:blipFill>
+        <p:spPr>
+          <a:xfrm>
+            <a:off x="5361479" y="3757961"/>
+            <a:ext cx="3749066" cy="3070060"/>
+          </a:xfrm>
+          <a:prstGeom prst="rect">
+            <a:avLst/>
+          </a:prstGeom>
+        </p:spPr>
+      </p:pic>
+    </p:spTree>
+    <p:extLst>
+      <p:ext uri="{BB962C8B-B14F-4D97-AF65-F5344CB8AC3E}">
+        <p14:creationId xmlns:p14="http://schemas.microsoft.com/office/powerpoint/2010/main" val="35655026"/>
+      </p:ext>
+    </p:extLst>
+  </p:cSld>
+  <p:clrMapOvr>
+    <a:masterClrMapping/>
+  </p:clrMapOvr>
+</p:sld>
+</file>
+
+<file path=ppt/slides/slide9.xml><?xml version="1.0" encoding="utf-8"?>
+<p:sld xmlns:a="http://schemas.openxmlformats.org/drawingml/2006/main" xmlns:r="http://schemas.openxmlformats.org/officeDocument/2006/relationships" xmlns:p="http://schemas.openxmlformats.org/presentationml/2006/main">
+  <p:cSld>
+    <p:spTree>
+      <p:nvGrpSpPr>
+        <p:cNvPr id="1" name=""/>
+        <p:cNvGrpSpPr/>
+        <p:nvPr/>
+      </p:nvGrpSpPr>
+      <p:grpSpPr>
+        <a:xfrm>
+          <a:off x="0" y="0"/>
+          <a:ext cx="0" cy="0"/>
+          <a:chOff x="0" y="0"/>
+          <a:chExt cx="0" cy="0"/>
+        </a:xfrm>
+      </p:grpSpPr>
+      <p:sp>
+        <p:nvSpPr>
+          <p:cNvPr id="4" name="TextBox 3"/>
+          <p:cNvSpPr txBox="1"/>
+          <p:nvPr/>
+        </p:nvSpPr>
+        <p:spPr>
+          <a:xfrm>
+            <a:off x="275549" y="191702"/>
+            <a:ext cx="6679521" cy="553998"/>
+          </a:xfrm>
+          <a:prstGeom prst="rect">
+            <a:avLst/>
+          </a:prstGeom>
+          <a:noFill/>
+        </p:spPr>
+        <p:txBody>
+          <a:bodyPr wrap="none" rtlCol="0">
+            <a:spAutoFit/>
+          </a:bodyPr>
+          <a:lstStyle/>
+          <a:p>
+            <a:r>
+              <a:rPr lang="en-US" sz="3000" b="1" dirty="0">
+                <a:solidFill>
+                  <a:prstClr val="black"/>
+                </a:solidFill>
+                <a:latin typeface="Times New Roman"/>
+                <a:cs typeface="Times New Roman"/>
+              </a:rPr>
+              <a:t>Diversity in Physics: Gender Minorities</a:t>
+            </a:r>
+            <a:endParaRPr lang="en-US" sz="2400" b="1" dirty="0">
+              <a:solidFill>
+                <a:prstClr val="black"/>
+              </a:solidFill>
+              <a:latin typeface="Times New Roman"/>
+              <a:cs typeface="Times New Roman"/>
+            </a:endParaRPr>
+          </a:p>
+        </p:txBody>
+      </p:sp>
+      <p:pic>
+        <p:nvPicPr>
           <p:cNvPr id="7" name="Picture 4">
             <a:extLst>
               <a:ext uri="{FF2B5EF4-FFF2-40B4-BE49-F238E27FC236}">
@@ -11200,410 +12434,6 @@
     <p:extLst>
       <p:ext uri="{BB962C8B-B14F-4D97-AF65-F5344CB8AC3E}">
         <p14:creationId xmlns:p14="http://schemas.microsoft.com/office/powerpoint/2010/main" val="3139156813"/>
-      </p:ext>
-    </p:extLst>
-  </p:cSld>
-  <p:clrMapOvr>
-    <a:masterClrMapping/>
-  </p:clrMapOvr>
-</p:sld>
-</file>
-
-<file path=ppt/slides/slide9.xml><?xml version="1.0" encoding="utf-8"?>
-<p:sld xmlns:a="http://schemas.openxmlformats.org/drawingml/2006/main" xmlns:r="http://schemas.openxmlformats.org/officeDocument/2006/relationships" xmlns:p="http://schemas.openxmlformats.org/presentationml/2006/main">
-  <p:cSld>
-    <p:spTree>
-      <p:nvGrpSpPr>
-        <p:cNvPr id="1" name=""/>
-        <p:cNvGrpSpPr/>
-        <p:nvPr/>
-      </p:nvGrpSpPr>
-      <p:grpSpPr>
-        <a:xfrm>
-          <a:off x="0" y="0"/>
-          <a:ext cx="0" cy="0"/>
-          <a:chOff x="0" y="0"/>
-          <a:chExt cx="0" cy="0"/>
-        </a:xfrm>
-      </p:grpSpPr>
-      <p:sp>
-        <p:nvSpPr>
-          <p:cNvPr id="4" name="TextBox 3"/>
-          <p:cNvSpPr txBox="1"/>
-          <p:nvPr/>
-        </p:nvSpPr>
-        <p:spPr>
-          <a:xfrm>
-            <a:off x="275549" y="191702"/>
-            <a:ext cx="6679521" cy="553998"/>
-          </a:xfrm>
-          <a:prstGeom prst="rect">
-            <a:avLst/>
-          </a:prstGeom>
-          <a:noFill/>
-        </p:spPr>
-        <p:txBody>
-          <a:bodyPr wrap="none" rtlCol="0">
-            <a:spAutoFit/>
-          </a:bodyPr>
-          <a:lstStyle/>
-          <a:p>
-            <a:r>
-              <a:rPr lang="en-US" sz="3000" b="1" dirty="0">
-                <a:solidFill>
-                  <a:prstClr val="black"/>
-                </a:solidFill>
-                <a:latin typeface="Times New Roman"/>
-                <a:cs typeface="Times New Roman"/>
-              </a:rPr>
-              <a:t>Diversity in Physics: Gender Minorities</a:t>
-            </a:r>
-            <a:endParaRPr lang="en-US" sz="2400" b="1" dirty="0">
-              <a:solidFill>
-                <a:prstClr val="black"/>
-              </a:solidFill>
-              <a:latin typeface="Times New Roman"/>
-              <a:cs typeface="Times New Roman"/>
-            </a:endParaRPr>
-          </a:p>
-        </p:txBody>
-      </p:sp>
-      <p:pic>
-        <p:nvPicPr>
-          <p:cNvPr id="5" name="Picture 3">
-            <a:extLst>
-              <a:ext uri="{FF2B5EF4-FFF2-40B4-BE49-F238E27FC236}">
-                <a16:creationId xmlns:a16="http://schemas.microsoft.com/office/drawing/2014/main" id="{68A13E75-ADF9-DC4B-98ED-99BE2F5AAAEF}"/>
-              </a:ext>
-            </a:extLst>
-          </p:cNvPr>
-          <p:cNvPicPr>
-            <a:picLocks noChangeAspect="1" noChangeArrowheads="1"/>
-          </p:cNvPicPr>
-          <p:nvPr/>
-        </p:nvPicPr>
-        <p:blipFill rotWithShape="1">
-          <a:blip r:embed="rId2">
-            <a:extLst>
-              <a:ext uri="{28A0092B-C50C-407E-A947-70E740481C1C}">
-                <a14:useLocalDpi xmlns:a14="http://schemas.microsoft.com/office/drawing/2010/main" val="0"/>
-              </a:ext>
-            </a:extLst>
-          </a:blip>
-          <a:srcRect b="25154"/>
-          <a:stretch/>
-        </p:blipFill>
-        <p:spPr bwMode="auto">
-          <a:xfrm>
-            <a:off x="216174" y="4032601"/>
-            <a:ext cx="4300538" cy="2560523"/>
-          </a:xfrm>
-          <a:prstGeom prst="rect">
-            <a:avLst/>
-          </a:prstGeom>
-          <a:noFill/>
-          <a:ln>
-            <a:noFill/>
-          </a:ln>
-          <a:effectLst/>
-          <a:extLst>
-            <a:ext uri="{909E8E84-426E-40DD-AFC4-6F175D3DCCD1}">
-              <a14:hiddenFill xmlns:a14="http://schemas.microsoft.com/office/drawing/2010/main">
-                <a:blipFill dpi="0" rotWithShape="0">
-                  <a:blip/>
-                  <a:srcRect/>
-                  <a:stretch>
-                    <a:fillRect/>
-                  </a:stretch>
-                </a:blipFill>
-              </a14:hiddenFill>
-            </a:ext>
-            <a:ext uri="{91240B29-F687-4F45-9708-019B960494DF}">
-              <a14:hiddenLine xmlns:a14="http://schemas.microsoft.com/office/drawing/2010/main" w="9525" cap="flat">
-                <a:solidFill>
-                  <a:srgbClr val="808080"/>
-                </a:solidFill>
-                <a:round/>
-                <a:headEnd/>
-                <a:tailEnd/>
-              </a14:hiddenLine>
-            </a:ext>
-            <a:ext uri="{AF507438-7753-43E0-B8FC-AC1667EBCBE1}">
-              <a14:hiddenEffects xmlns:a14="http://schemas.microsoft.com/office/drawing/2010/main">
-                <a:effectLst>
-                  <a:outerShdw blurRad="63500" dist="38099" dir="2700000" algn="ctr" rotWithShape="0">
-                    <a:srgbClr val="000000">
-                      <a:alpha val="74998"/>
-                    </a:srgbClr>
-                  </a:outerShdw>
-                </a:effectLst>
-              </a14:hiddenEffects>
-            </a:ext>
-          </a:extLst>
-        </p:spPr>
-      </p:pic>
-      <p:sp>
-        <p:nvSpPr>
-          <p:cNvPr id="6" name="TextBox 5">
-            <a:extLst>
-              <a:ext uri="{FF2B5EF4-FFF2-40B4-BE49-F238E27FC236}">
-                <a16:creationId xmlns:a16="http://schemas.microsoft.com/office/drawing/2014/main" id="{80A24032-1FF5-2340-BF4F-86A5459B8F08}"/>
-              </a:ext>
-            </a:extLst>
-          </p:cNvPr>
-          <p:cNvSpPr txBox="1"/>
-          <p:nvPr/>
-        </p:nvSpPr>
-        <p:spPr>
-          <a:xfrm>
-            <a:off x="539603" y="945629"/>
-            <a:ext cx="8450017" cy="3046988"/>
-          </a:xfrm>
-          <a:prstGeom prst="rect">
-            <a:avLst/>
-          </a:prstGeom>
-          <a:noFill/>
-        </p:spPr>
-        <p:txBody>
-          <a:bodyPr wrap="square" rtlCol="0">
-            <a:spAutoFit/>
-          </a:bodyPr>
-          <a:lstStyle/>
-          <a:p>
-            <a:pPr marL="342900" indent="-342900">
-              <a:buFont typeface="Arial" panose="020B0604020202020204" pitchFamily="34" charset="0"/>
-              <a:buChar char="•"/>
-            </a:pPr>
-            <a:r>
-              <a:rPr lang="en-US" sz="2400" dirty="0">
-                <a:latin typeface="Times New Roman" panose="02020603050405020304" pitchFamily="18" charset="0"/>
-                <a:ea typeface="MS Mincho" panose="02020609040205080304" pitchFamily="49" charset="-128"/>
-                <a:cs typeface="Times New Roman" panose="02020603050405020304" pitchFamily="18" charset="0"/>
-              </a:rPr>
-              <a:t>Peer-reviewed research: “</a:t>
-            </a:r>
-            <a:r>
-              <a:rPr lang="en-US" sz="2400" i="1" dirty="0">
-                <a:latin typeface="Times New Roman" panose="02020603050405020304" pitchFamily="18" charset="0"/>
-                <a:ea typeface="MS Mincho" panose="02020609040205080304" pitchFamily="49" charset="-128"/>
-                <a:cs typeface="Times New Roman" panose="02020603050405020304" pitchFamily="18" charset="0"/>
-              </a:rPr>
-              <a:t>Science faculty’s subtle gender biases favor male students</a:t>
-            </a:r>
-            <a:r>
-              <a:rPr lang="en-US" sz="2400" dirty="0">
-                <a:latin typeface="Times New Roman" panose="02020603050405020304" pitchFamily="18" charset="0"/>
-                <a:ea typeface="MS Mincho" panose="02020609040205080304" pitchFamily="49" charset="-128"/>
-                <a:cs typeface="Times New Roman" panose="02020603050405020304" pitchFamily="18" charset="0"/>
-              </a:rPr>
-              <a:t>” </a:t>
-            </a:r>
-            <a:r>
-              <a:rPr lang="en-US" sz="2200" dirty="0">
-                <a:latin typeface="Times New Roman" panose="02020603050405020304" pitchFamily="18" charset="0"/>
-                <a:ea typeface="MS Mincho" panose="02020609040205080304" pitchFamily="49" charset="-128"/>
-                <a:cs typeface="Times New Roman" panose="02020603050405020304" pitchFamily="18" charset="0"/>
-              </a:rPr>
-              <a:t>(Moss-</a:t>
-            </a:r>
-            <a:r>
-              <a:rPr lang="en-US" sz="2200" dirty="0" err="1">
-                <a:latin typeface="Times New Roman" panose="02020603050405020304" pitchFamily="18" charset="0"/>
-                <a:ea typeface="MS Mincho" panose="02020609040205080304" pitchFamily="49" charset="-128"/>
-                <a:cs typeface="Times New Roman" panose="02020603050405020304" pitchFamily="18" charset="0"/>
-              </a:rPr>
-              <a:t>Racusin</a:t>
-            </a:r>
-            <a:r>
-              <a:rPr lang="en-US" sz="2200" dirty="0">
-                <a:latin typeface="Times New Roman" panose="02020603050405020304" pitchFamily="18" charset="0"/>
-                <a:ea typeface="MS Mincho" panose="02020609040205080304" pitchFamily="49" charset="-128"/>
-                <a:cs typeface="Times New Roman" panose="02020603050405020304" pitchFamily="18" charset="0"/>
-              </a:rPr>
-              <a:t> et al. 2012, PNAS, 109, 16474)</a:t>
-            </a:r>
-          </a:p>
-          <a:p>
-            <a:pPr marL="342900" indent="-342900">
-              <a:buFont typeface="Arial" panose="020B0604020202020204" pitchFamily="34" charset="0"/>
-              <a:buChar char="•"/>
-            </a:pPr>
-            <a:endParaRPr lang="en-US" sz="800" dirty="0">
-              <a:latin typeface="Times New Roman" panose="02020603050405020304" pitchFamily="18" charset="0"/>
-              <a:ea typeface="MS Mincho" panose="02020609040205080304" pitchFamily="49" charset="-128"/>
-              <a:cs typeface="Times New Roman" panose="02020603050405020304" pitchFamily="18" charset="0"/>
-            </a:endParaRPr>
-          </a:p>
-          <a:p>
-            <a:pPr marL="342900" indent="-342900">
-              <a:buFont typeface="Arial" panose="020B0604020202020204" pitchFamily="34" charset="0"/>
-              <a:buChar char="•"/>
-            </a:pPr>
-            <a:r>
-              <a:rPr lang="en-US" sz="2400" dirty="0">
-                <a:latin typeface="Times New Roman" panose="02020603050405020304" pitchFamily="18" charset="0"/>
-                <a:ea typeface="MS Mincho" panose="02020609040205080304" pitchFamily="49" charset="-128"/>
-                <a:cs typeface="Times New Roman" panose="02020603050405020304" pitchFamily="18" charset="0"/>
-              </a:rPr>
-              <a:t>Double-blind study: faculty review of application materials, with randomly assigned male/female names</a:t>
-            </a:r>
-          </a:p>
-          <a:p>
-            <a:pPr marL="800100" lvl="1" indent="-342900">
-              <a:buFont typeface="Arial" panose="020B0604020202020204" pitchFamily="34" charset="0"/>
-              <a:buChar char="•"/>
-            </a:pPr>
-            <a:r>
-              <a:rPr lang="en-US" sz="2200" dirty="0">
-                <a:latin typeface="Times New Roman" panose="02020603050405020304" pitchFamily="18" charset="0"/>
-                <a:ea typeface="MS Mincho" panose="02020609040205080304" pitchFamily="49" charset="-128"/>
-                <a:cs typeface="Times New Roman" panose="02020603050405020304" pitchFamily="18" charset="0"/>
-              </a:rPr>
-              <a:t>Female student was perceived less competent than male student</a:t>
-            </a:r>
-          </a:p>
-          <a:p>
-            <a:pPr marL="800100" lvl="1" indent="-342900">
-              <a:buFont typeface="Arial" panose="020B0604020202020204" pitchFamily="34" charset="0"/>
-              <a:buChar char="•"/>
-            </a:pPr>
-            <a:r>
-              <a:rPr lang="en-US" sz="2200" dirty="0">
-                <a:latin typeface="Times New Roman" panose="02020603050405020304" pitchFamily="18" charset="0"/>
-                <a:ea typeface="MS Mincho" panose="02020609040205080304" pitchFamily="49" charset="-128"/>
-                <a:cs typeface="Times New Roman" panose="02020603050405020304" pitchFamily="18" charset="0"/>
-              </a:rPr>
-              <a:t>Female student was better liked than male </a:t>
-            </a:r>
-            <a:r>
-              <a:rPr lang="en-US" sz="2200" dirty="0">
-                <a:latin typeface="Times New Roman" panose="02020603050405020304" pitchFamily="18" charset="0"/>
-                <a:ea typeface="MS Mincho" panose="02020609040205080304" pitchFamily="49" charset="-128"/>
-                <a:cs typeface="Times New Roman" panose="02020603050405020304" pitchFamily="18" charset="0"/>
-                <a:sym typeface="Wingdings" pitchFamily="2" charset="2"/>
-              </a:rPr>
-              <a:t> no overt hostility</a:t>
-            </a:r>
-            <a:endParaRPr lang="en-US" sz="2200" dirty="0">
-              <a:latin typeface="Times New Roman" panose="02020603050405020304" pitchFamily="18" charset="0"/>
-              <a:ea typeface="MS Mincho" panose="02020609040205080304" pitchFamily="49" charset="-128"/>
-              <a:cs typeface="Times New Roman" panose="02020603050405020304" pitchFamily="18" charset="0"/>
-            </a:endParaRPr>
-          </a:p>
-          <a:p>
-            <a:pPr marL="800100" lvl="1" indent="-342900">
-              <a:buFont typeface="Arial" panose="020B0604020202020204" pitchFamily="34" charset="0"/>
-              <a:buChar char="•"/>
-            </a:pPr>
-            <a:r>
-              <a:rPr lang="en-US" sz="2200" dirty="0">
-                <a:latin typeface="Times New Roman" panose="02020603050405020304" pitchFamily="18" charset="0"/>
-                <a:ea typeface="MS Mincho" panose="02020609040205080304" pitchFamily="49" charset="-128"/>
-                <a:cs typeface="Times New Roman" panose="02020603050405020304" pitchFamily="18" charset="0"/>
-              </a:rPr>
-              <a:t>Independent of faculty gender, discipline, age, etc.</a:t>
-            </a:r>
-          </a:p>
-          <a:p>
-            <a:pPr marL="800100" lvl="1" indent="-342900">
-              <a:buFont typeface="Arial" panose="020B0604020202020204" pitchFamily="34" charset="0"/>
-              <a:buChar char="•"/>
-            </a:pPr>
-            <a:r>
-              <a:rPr lang="en-US" sz="2200" dirty="0">
-                <a:latin typeface="Times New Roman" panose="02020603050405020304" pitchFamily="18" charset="0"/>
-                <a:ea typeface="MS Mincho" panose="02020609040205080304" pitchFamily="49" charset="-128"/>
-                <a:cs typeface="Times New Roman" panose="02020603050405020304" pitchFamily="18" charset="0"/>
-                <a:sym typeface="Wingdings" pitchFamily="2" charset="2"/>
-              </a:rPr>
-              <a:t>Likely unintentional bias  cultural stereotypes</a:t>
-            </a:r>
-            <a:endParaRPr lang="en-US" sz="2200" dirty="0">
-              <a:latin typeface="Times New Roman" panose="02020603050405020304" pitchFamily="18" charset="0"/>
-              <a:ea typeface="MS Mincho" panose="02020609040205080304" pitchFamily="49" charset="-128"/>
-              <a:cs typeface="Times New Roman" panose="02020603050405020304" pitchFamily="18" charset="0"/>
-            </a:endParaRPr>
-          </a:p>
-        </p:txBody>
-      </p:sp>
-      <p:pic>
-        <p:nvPicPr>
-          <p:cNvPr id="8" name="Picture 4">
-            <a:extLst>
-              <a:ext uri="{FF2B5EF4-FFF2-40B4-BE49-F238E27FC236}">
-                <a16:creationId xmlns:a16="http://schemas.microsoft.com/office/drawing/2014/main" id="{6B571D52-9523-D34D-9CCF-DCEAFF9DAE27}"/>
-              </a:ext>
-            </a:extLst>
-          </p:cNvPr>
-          <p:cNvPicPr>
-            <a:picLocks noChangeAspect="1" noChangeArrowheads="1"/>
-          </p:cNvPicPr>
-          <p:nvPr/>
-        </p:nvPicPr>
-        <p:blipFill rotWithShape="1">
-          <a:blip r:embed="rId3">
-            <a:extLst>
-              <a:ext uri="{28A0092B-C50C-407E-A947-70E740481C1C}">
-                <a14:useLocalDpi xmlns:a14="http://schemas.microsoft.com/office/drawing/2010/main" val="0"/>
-              </a:ext>
-            </a:extLst>
-          </a:blip>
-          <a:srcRect b="22081"/>
-          <a:stretch/>
-        </p:blipFill>
-        <p:spPr bwMode="auto">
-          <a:xfrm>
-            <a:off x="4674224" y="4032601"/>
-            <a:ext cx="4264025" cy="2560523"/>
-          </a:xfrm>
-          <a:prstGeom prst="rect">
-            <a:avLst/>
-          </a:prstGeom>
-          <a:noFill/>
-          <a:ln>
-            <a:noFill/>
-          </a:ln>
-          <a:effectLst/>
-          <a:extLst>
-            <a:ext uri="{909E8E84-426E-40DD-AFC4-6F175D3DCCD1}">
-              <a14:hiddenFill xmlns:a14="http://schemas.microsoft.com/office/drawing/2010/main">
-                <a:blipFill dpi="0" rotWithShape="0">
-                  <a:blip/>
-                  <a:srcRect/>
-                  <a:stretch>
-                    <a:fillRect/>
-                  </a:stretch>
-                </a:blipFill>
-              </a14:hiddenFill>
-            </a:ext>
-            <a:ext uri="{91240B29-F687-4F45-9708-019B960494DF}">
-              <a14:hiddenLine xmlns:a14="http://schemas.microsoft.com/office/drawing/2010/main" w="9525" cap="flat">
-                <a:solidFill>
-                  <a:srgbClr val="808080"/>
-                </a:solidFill>
-                <a:round/>
-                <a:headEnd/>
-                <a:tailEnd/>
-              </a14:hiddenLine>
-            </a:ext>
-            <a:ext uri="{AF507438-7753-43E0-B8FC-AC1667EBCBE1}">
-              <a14:hiddenEffects xmlns:a14="http://schemas.microsoft.com/office/drawing/2010/main">
-                <a:effectLst>
-                  <a:outerShdw blurRad="63500" dist="38099" dir="2700000" algn="ctr" rotWithShape="0">
-                    <a:srgbClr val="000000">
-                      <a:alpha val="74998"/>
-                    </a:srgbClr>
-                  </a:outerShdw>
-                </a:effectLst>
-              </a14:hiddenEffects>
-            </a:ext>
-          </a:extLst>
-        </p:spPr>
-      </p:pic>
-    </p:spTree>
-    <p:extLst>
-      <p:ext uri="{BB962C8B-B14F-4D97-AF65-F5344CB8AC3E}">
-        <p14:creationId xmlns:p14="http://schemas.microsoft.com/office/powerpoint/2010/main" val="3209170759"/>
       </p:ext>
     </p:extLst>
   </p:cSld>
